--- a/Django EdYoda.pptx
+++ b/Django EdYoda.pptx
@@ -77,6 +77,19 @@
     <p:sldId id="325" r:id="rId71"/>
     <p:sldId id="326" r:id="rId72"/>
     <p:sldId id="327" r:id="rId73"/>
+    <p:sldId id="329" r:id="rId74"/>
+    <p:sldId id="330" r:id="rId75"/>
+    <p:sldId id="331" r:id="rId76"/>
+    <p:sldId id="332" r:id="rId77"/>
+    <p:sldId id="333" r:id="rId78"/>
+    <p:sldId id="334" r:id="rId79"/>
+    <p:sldId id="335" r:id="rId80"/>
+    <p:sldId id="336" r:id="rId81"/>
+    <p:sldId id="337" r:id="rId82"/>
+    <p:sldId id="338" r:id="rId83"/>
+    <p:sldId id="339" r:id="rId84"/>
+    <p:sldId id="340" r:id="rId85"/>
+    <p:sldId id="341" r:id="rId86"/>
   </p:sldIdLst>
   <p:sldSz cx="12192000" cy="6858000"/>
   <p:notesSz cx="6858000" cy="9144000"/>
@@ -252,6 +265,19 @@
             <p14:sldId id="325"/>
             <p14:sldId id="326"/>
             <p14:sldId id="327"/>
+            <p14:sldId id="329"/>
+            <p14:sldId id="330"/>
+            <p14:sldId id="331"/>
+            <p14:sldId id="332"/>
+            <p14:sldId id="333"/>
+            <p14:sldId id="334"/>
+            <p14:sldId id="335"/>
+            <p14:sldId id="336"/>
+            <p14:sldId id="337"/>
+            <p14:sldId id="338"/>
+            <p14:sldId id="339"/>
+            <p14:sldId id="340"/>
+            <p14:sldId id="341"/>
           </p14:sldIdLst>
         </p14:section>
       </p14:sectionLst>
@@ -985,7 +1011,7 @@
           <a:p>
             <a:fld id="{4F21ED49-AE0E-4D00-A253-2186B39C6321}" type="datetimeFigureOut">
               <a:rPr lang="en-IN" smtClean="0"/>
-              <a:t>23-06-2021</a:t>
+              <a:t>25-06-2021</a:t>
             </a:fld>
             <a:endParaRPr lang="en-IN"/>
           </a:p>
@@ -1236,7 +1262,7 @@
           <a:p>
             <a:fld id="{4F21ED49-AE0E-4D00-A253-2186B39C6321}" type="datetimeFigureOut">
               <a:rPr lang="en-IN" smtClean="0"/>
-              <a:t>23-06-2021</a:t>
+              <a:t>25-06-2021</a:t>
             </a:fld>
             <a:endParaRPr lang="en-IN"/>
           </a:p>
@@ -1550,7 +1576,7 @@
           <a:p>
             <a:fld id="{4F21ED49-AE0E-4D00-A253-2186B39C6321}" type="datetimeFigureOut">
               <a:rPr lang="en-IN" smtClean="0"/>
-              <a:t>23-06-2021</a:t>
+              <a:t>25-06-2021</a:t>
             </a:fld>
             <a:endParaRPr lang="en-IN"/>
           </a:p>
@@ -1891,7 +1917,7 @@
           <a:p>
             <a:fld id="{4F21ED49-AE0E-4D00-A253-2186B39C6321}" type="datetimeFigureOut">
               <a:rPr lang="en-IN" smtClean="0"/>
-              <a:t>23-06-2021</a:t>
+              <a:t>25-06-2021</a:t>
             </a:fld>
             <a:endParaRPr lang="en-IN"/>
           </a:p>
@@ -2205,7 +2231,7 @@
           <a:p>
             <a:fld id="{4F21ED49-AE0E-4D00-A253-2186B39C6321}" type="datetimeFigureOut">
               <a:rPr lang="en-IN" smtClean="0"/>
-              <a:t>23-06-2021</a:t>
+              <a:t>25-06-2021</a:t>
             </a:fld>
             <a:endParaRPr lang="en-IN"/>
           </a:p>
@@ -2598,7 +2624,7 @@
           <a:p>
             <a:fld id="{4F21ED49-AE0E-4D00-A253-2186B39C6321}" type="datetimeFigureOut">
               <a:rPr lang="en-IN" smtClean="0"/>
-              <a:t>23-06-2021</a:t>
+              <a:t>25-06-2021</a:t>
             </a:fld>
             <a:endParaRPr lang="en-IN"/>
           </a:p>
@@ -2768,7 +2794,7 @@
           <a:p>
             <a:fld id="{4F21ED49-AE0E-4D00-A253-2186B39C6321}" type="datetimeFigureOut">
               <a:rPr lang="en-IN" smtClean="0"/>
-              <a:t>23-06-2021</a:t>
+              <a:t>25-06-2021</a:t>
             </a:fld>
             <a:endParaRPr lang="en-IN"/>
           </a:p>
@@ -2948,7 +2974,7 @@
           <a:p>
             <a:fld id="{4F21ED49-AE0E-4D00-A253-2186B39C6321}" type="datetimeFigureOut">
               <a:rPr lang="en-IN" smtClean="0"/>
-              <a:t>23-06-2021</a:t>
+              <a:t>25-06-2021</a:t>
             </a:fld>
             <a:endParaRPr lang="en-IN"/>
           </a:p>
@@ -3124,7 +3150,7 @@
           <a:p>
             <a:fld id="{4F21ED49-AE0E-4D00-A253-2186B39C6321}" type="datetimeFigureOut">
               <a:rPr lang="en-IN" smtClean="0"/>
-              <a:t>23-06-2021</a:t>
+              <a:t>25-06-2021</a:t>
             </a:fld>
             <a:endParaRPr lang="en-IN"/>
           </a:p>
@@ -3371,7 +3397,7 @@
           <a:p>
             <a:fld id="{4F21ED49-AE0E-4D00-A253-2186B39C6321}" type="datetimeFigureOut">
               <a:rPr lang="en-IN" smtClean="0"/>
-              <a:t>23-06-2021</a:t>
+              <a:t>25-06-2021</a:t>
             </a:fld>
             <a:endParaRPr lang="en-IN"/>
           </a:p>
@@ -3603,7 +3629,7 @@
           <a:p>
             <a:fld id="{4F21ED49-AE0E-4D00-A253-2186B39C6321}" type="datetimeFigureOut">
               <a:rPr lang="en-IN" smtClean="0"/>
-              <a:t>23-06-2021</a:t>
+              <a:t>25-06-2021</a:t>
             </a:fld>
             <a:endParaRPr lang="en-IN"/>
           </a:p>
@@ -3977,7 +4003,7 @@
           <a:p>
             <a:fld id="{4F21ED49-AE0E-4D00-A253-2186B39C6321}" type="datetimeFigureOut">
               <a:rPr lang="en-IN" smtClean="0"/>
-              <a:t>23-06-2021</a:t>
+              <a:t>25-06-2021</a:t>
             </a:fld>
             <a:endParaRPr lang="en-IN"/>
           </a:p>
@@ -4100,7 +4126,7 @@
           <a:p>
             <a:fld id="{4F21ED49-AE0E-4D00-A253-2186B39C6321}" type="datetimeFigureOut">
               <a:rPr lang="en-IN" smtClean="0"/>
-              <a:t>23-06-2021</a:t>
+              <a:t>25-06-2021</a:t>
             </a:fld>
             <a:endParaRPr lang="en-IN"/>
           </a:p>
@@ -4195,7 +4221,7 @@
           <a:p>
             <a:fld id="{4F21ED49-AE0E-4D00-A253-2186B39C6321}" type="datetimeFigureOut">
               <a:rPr lang="en-IN" smtClean="0"/>
-              <a:t>23-06-2021</a:t>
+              <a:t>25-06-2021</a:t>
             </a:fld>
             <a:endParaRPr lang="en-IN"/>
           </a:p>
@@ -4450,7 +4476,7 @@
           <a:p>
             <a:fld id="{4F21ED49-AE0E-4D00-A253-2186B39C6321}" type="datetimeFigureOut">
               <a:rPr lang="en-IN" smtClean="0"/>
-              <a:t>23-06-2021</a:t>
+              <a:t>25-06-2021</a:t>
             </a:fld>
             <a:endParaRPr lang="en-IN"/>
           </a:p>
@@ -4713,7 +4739,7 @@
           <a:p>
             <a:fld id="{4F21ED49-AE0E-4D00-A253-2186B39C6321}" type="datetimeFigureOut">
               <a:rPr lang="en-IN" smtClean="0"/>
-              <a:t>23-06-2021</a:t>
+              <a:t>25-06-2021</a:t>
             </a:fld>
             <a:endParaRPr lang="en-IN"/>
           </a:p>
@@ -5456,7 +5482,7 @@
           <a:p>
             <a:fld id="{4F21ED49-AE0E-4D00-A253-2186B39C6321}" type="datetimeFigureOut">
               <a:rPr lang="en-IN" smtClean="0"/>
-              <a:t>23-06-2021</a:t>
+              <a:t>25-06-2021</a:t>
             </a:fld>
             <a:endParaRPr lang="en-IN"/>
           </a:p>
@@ -24340,6 +24366,2097 @@
 </p:sld>
 </file>
 
+<file path=ppt/slides/slide73.xml><?xml version="1.0" encoding="utf-8"?>
+<p:sld xmlns:a="http://schemas.openxmlformats.org/drawingml/2006/main" xmlns:r="http://schemas.openxmlformats.org/officeDocument/2006/relationships" xmlns:p="http://schemas.openxmlformats.org/presentationml/2006/main">
+  <p:cSld>
+    <p:spTree>
+      <p:nvGrpSpPr>
+        <p:cNvPr id="1" name=""/>
+        <p:cNvGrpSpPr/>
+        <p:nvPr/>
+      </p:nvGrpSpPr>
+      <p:grpSpPr>
+        <a:xfrm>
+          <a:off x="0" y="0"/>
+          <a:ext cx="0" cy="0"/>
+          <a:chOff x="0" y="0"/>
+          <a:chExt cx="0" cy="0"/>
+        </a:xfrm>
+      </p:grpSpPr>
+      <p:sp>
+        <p:nvSpPr>
+          <p:cNvPr id="4" name="Title 3">
+            <a:extLst>
+              <a:ext uri="{FF2B5EF4-FFF2-40B4-BE49-F238E27FC236}">
+                <a16:creationId xmlns:a16="http://schemas.microsoft.com/office/drawing/2014/main" id="{585873A5-32C5-424A-B3B7-6B55711FD592}"/>
+              </a:ext>
+            </a:extLst>
+          </p:cNvPr>
+          <p:cNvSpPr>
+            <a:spLocks noGrp="1"/>
+          </p:cNvSpPr>
+          <p:nvPr>
+            <p:ph type="ctrTitle"/>
+          </p:nvPr>
+        </p:nvSpPr>
+        <p:spPr/>
+        <p:txBody>
+          <a:bodyPr/>
+          <a:lstStyle/>
+          <a:p>
+            <a:r>
+              <a:rPr lang="en-US" dirty="0"/>
+              <a:t>Django Templates</a:t>
+            </a:r>
+            <a:endParaRPr lang="en-IN" dirty="0"/>
+          </a:p>
+        </p:txBody>
+      </p:sp>
+      <p:sp>
+        <p:nvSpPr>
+          <p:cNvPr id="5" name="Subtitle 4">
+            <a:extLst>
+              <a:ext uri="{FF2B5EF4-FFF2-40B4-BE49-F238E27FC236}">
+                <a16:creationId xmlns:a16="http://schemas.microsoft.com/office/drawing/2014/main" id="{2514F7D5-478E-4E38-9B65-5BB010E5DDF6}"/>
+              </a:ext>
+            </a:extLst>
+          </p:cNvPr>
+          <p:cNvSpPr>
+            <a:spLocks noGrp="1"/>
+          </p:cNvSpPr>
+          <p:nvPr>
+            <p:ph type="subTitle" idx="1"/>
+          </p:nvPr>
+        </p:nvSpPr>
+        <p:spPr/>
+        <p:txBody>
+          <a:bodyPr/>
+          <a:lstStyle/>
+          <a:p>
+            <a:endParaRPr lang="en-IN"/>
+          </a:p>
+        </p:txBody>
+      </p:sp>
+    </p:spTree>
+    <p:extLst>
+      <p:ext uri="{BB962C8B-B14F-4D97-AF65-F5344CB8AC3E}">
+        <p14:creationId xmlns:p14="http://schemas.microsoft.com/office/powerpoint/2010/main" val="1846720671"/>
+      </p:ext>
+    </p:extLst>
+  </p:cSld>
+  <p:clrMapOvr>
+    <a:masterClrMapping/>
+  </p:clrMapOvr>
+</p:sld>
+</file>
+
+<file path=ppt/slides/slide74.xml><?xml version="1.0" encoding="utf-8"?>
+<p:sld xmlns:a="http://schemas.openxmlformats.org/drawingml/2006/main" xmlns:r="http://schemas.openxmlformats.org/officeDocument/2006/relationships" xmlns:p="http://schemas.openxmlformats.org/presentationml/2006/main">
+  <p:cSld>
+    <p:spTree>
+      <p:nvGrpSpPr>
+        <p:cNvPr id="1" name=""/>
+        <p:cNvGrpSpPr/>
+        <p:nvPr/>
+      </p:nvGrpSpPr>
+      <p:grpSpPr>
+        <a:xfrm>
+          <a:off x="0" y="0"/>
+          <a:ext cx="0" cy="0"/>
+          <a:chOff x="0" y="0"/>
+          <a:chExt cx="0" cy="0"/>
+        </a:xfrm>
+      </p:grpSpPr>
+      <p:sp>
+        <p:nvSpPr>
+          <p:cNvPr id="2" name="Title 1">
+            <a:extLst>
+              <a:ext uri="{FF2B5EF4-FFF2-40B4-BE49-F238E27FC236}">
+                <a16:creationId xmlns:a16="http://schemas.microsoft.com/office/drawing/2014/main" id="{8D6EEC53-E5B6-4773-AF03-E50AD965E993}"/>
+              </a:ext>
+            </a:extLst>
+          </p:cNvPr>
+          <p:cNvSpPr>
+            <a:spLocks noGrp="1"/>
+          </p:cNvSpPr>
+          <p:nvPr>
+            <p:ph type="title"/>
+          </p:nvPr>
+        </p:nvSpPr>
+        <p:spPr/>
+        <p:txBody>
+          <a:bodyPr/>
+          <a:lstStyle/>
+          <a:p>
+            <a:r>
+              <a:rPr lang="en-US" dirty="0"/>
+              <a:t>Templates</a:t>
+            </a:r>
+            <a:endParaRPr lang="en-IN" dirty="0"/>
+          </a:p>
+        </p:txBody>
+      </p:sp>
+      <p:sp>
+        <p:nvSpPr>
+          <p:cNvPr id="3" name="Content Placeholder 2">
+            <a:extLst>
+              <a:ext uri="{FF2B5EF4-FFF2-40B4-BE49-F238E27FC236}">
+                <a16:creationId xmlns:a16="http://schemas.microsoft.com/office/drawing/2014/main" id="{A8E9ED61-E86D-49F9-82DE-17A2161E5BF2}"/>
+              </a:ext>
+            </a:extLst>
+          </p:cNvPr>
+          <p:cNvSpPr>
+            <a:spLocks noGrp="1"/>
+          </p:cNvSpPr>
+          <p:nvPr>
+            <p:ph idx="1"/>
+          </p:nvPr>
+        </p:nvSpPr>
+        <p:spPr/>
+        <p:txBody>
+          <a:bodyPr/>
+          <a:lstStyle/>
+          <a:p>
+            <a:r>
+              <a:rPr lang="en-US" dirty="0"/>
+              <a:t>Standalone HTML files</a:t>
+            </a:r>
+          </a:p>
+          <a:p>
+            <a:r>
+              <a:rPr lang="en-US" dirty="0"/>
+              <a:t>Need to be dynamic so that data could be populated</a:t>
+            </a:r>
+          </a:p>
+          <a:p>
+            <a:r>
+              <a:rPr lang="en-US" dirty="0"/>
+              <a:t>This then can be rendered so that an HTML page is created</a:t>
+            </a:r>
+          </a:p>
+          <a:p>
+            <a:endParaRPr lang="en-US" dirty="0"/>
+          </a:p>
+          <a:p>
+            <a:endParaRPr lang="en-US" dirty="0"/>
+          </a:p>
+          <a:p>
+            <a:r>
+              <a:rPr lang="en-US" dirty="0"/>
+              <a:t>Understanding Templates</a:t>
+            </a:r>
+          </a:p>
+          <a:p>
+            <a:r>
+              <a:rPr lang="en-US" dirty="0"/>
+              <a:t>Django Template Language Features</a:t>
+            </a:r>
+          </a:p>
+          <a:p>
+            <a:r>
+              <a:rPr lang="en-US" dirty="0"/>
+              <a:t>Working with Static files (CSS, JAVA Scripts, Images)</a:t>
+            </a:r>
+            <a:endParaRPr lang="en-IN" dirty="0"/>
+          </a:p>
+        </p:txBody>
+      </p:sp>
+    </p:spTree>
+    <p:extLst>
+      <p:ext uri="{BB962C8B-B14F-4D97-AF65-F5344CB8AC3E}">
+        <p14:creationId xmlns:p14="http://schemas.microsoft.com/office/powerpoint/2010/main" val="3741472934"/>
+      </p:ext>
+    </p:extLst>
+  </p:cSld>
+  <p:clrMapOvr>
+    <a:masterClrMapping/>
+  </p:clrMapOvr>
+</p:sld>
+</file>
+
+<file path=ppt/slides/slide75.xml><?xml version="1.0" encoding="utf-8"?>
+<p:sld xmlns:a="http://schemas.openxmlformats.org/drawingml/2006/main" xmlns:r="http://schemas.openxmlformats.org/officeDocument/2006/relationships" xmlns:p="http://schemas.openxmlformats.org/presentationml/2006/main">
+  <p:cSld>
+    <p:spTree>
+      <p:nvGrpSpPr>
+        <p:cNvPr id="1" name=""/>
+        <p:cNvGrpSpPr/>
+        <p:nvPr/>
+      </p:nvGrpSpPr>
+      <p:grpSpPr>
+        <a:xfrm>
+          <a:off x="0" y="0"/>
+          <a:ext cx="0" cy="0"/>
+          <a:chOff x="0" y="0"/>
+          <a:chExt cx="0" cy="0"/>
+        </a:xfrm>
+      </p:grpSpPr>
+      <p:sp>
+        <p:nvSpPr>
+          <p:cNvPr id="2" name="Title 1">
+            <a:extLst>
+              <a:ext uri="{FF2B5EF4-FFF2-40B4-BE49-F238E27FC236}">
+                <a16:creationId xmlns:a16="http://schemas.microsoft.com/office/drawing/2014/main" id="{836F6EE7-6068-4976-A462-65AE69363863}"/>
+              </a:ext>
+            </a:extLst>
+          </p:cNvPr>
+          <p:cNvSpPr>
+            <a:spLocks noGrp="1"/>
+          </p:cNvSpPr>
+          <p:nvPr>
+            <p:ph type="title"/>
+          </p:nvPr>
+        </p:nvSpPr>
+        <p:spPr/>
+        <p:txBody>
+          <a:bodyPr/>
+          <a:lstStyle/>
+          <a:p>
+            <a:r>
+              <a:rPr lang="en-US" dirty="0"/>
+              <a:t>Adding and Registering Templates</a:t>
+            </a:r>
+            <a:endParaRPr lang="en-IN" dirty="0"/>
+          </a:p>
+        </p:txBody>
+      </p:sp>
+      <p:sp>
+        <p:nvSpPr>
+          <p:cNvPr id="3" name="Content Placeholder 2">
+            <a:extLst>
+              <a:ext uri="{FF2B5EF4-FFF2-40B4-BE49-F238E27FC236}">
+                <a16:creationId xmlns:a16="http://schemas.microsoft.com/office/drawing/2014/main" id="{8C24A543-65CB-429F-A9E1-DC210BD175FD}"/>
+              </a:ext>
+            </a:extLst>
+          </p:cNvPr>
+          <p:cNvSpPr>
+            <a:spLocks noGrp="1"/>
+          </p:cNvSpPr>
+          <p:nvPr>
+            <p:ph idx="1"/>
+          </p:nvPr>
+        </p:nvSpPr>
+        <p:spPr/>
+        <p:txBody>
+          <a:bodyPr/>
+          <a:lstStyle/>
+          <a:p>
+            <a:r>
+              <a:rPr lang="en-US" dirty="0"/>
+              <a:t>Folder Structure is represented as</a:t>
+            </a:r>
+          </a:p>
+          <a:p>
+            <a:pPr lvl="1"/>
+            <a:r>
+              <a:rPr lang="en-US" dirty="0"/>
+              <a:t>Templates</a:t>
+            </a:r>
+          </a:p>
+          <a:p>
+            <a:pPr lvl="2"/>
+            <a:r>
+              <a:rPr lang="en-US" dirty="0"/>
+              <a:t>&lt;</a:t>
+            </a:r>
+            <a:r>
+              <a:rPr lang="en-US" dirty="0" err="1"/>
+              <a:t>App_Name</a:t>
+            </a:r>
+            <a:r>
+              <a:rPr lang="en-US" dirty="0"/>
+              <a:t>&gt;</a:t>
+            </a:r>
+          </a:p>
+          <a:p>
+            <a:pPr lvl="3"/>
+            <a:r>
+              <a:rPr lang="en-US" dirty="0"/>
+              <a:t>.HTML files</a:t>
+            </a:r>
+          </a:p>
+          <a:p>
+            <a:r>
+              <a:rPr lang="en-US" dirty="0"/>
+              <a:t>To configure your templates go to settings.py file</a:t>
+            </a:r>
+          </a:p>
+          <a:p>
+            <a:pPr lvl="1"/>
+            <a:r>
+              <a:rPr lang="en-US" dirty="0"/>
+              <a:t>Update the DIRS key in the templates variable</a:t>
+            </a:r>
+          </a:p>
+          <a:p>
+            <a:pPr lvl="1"/>
+            <a:r>
+              <a:rPr lang="en-US" dirty="0"/>
+              <a:t>This value should be the absolute path to the template folder</a:t>
+            </a:r>
+          </a:p>
+          <a:p>
+            <a:pPr lvl="1"/>
+            <a:r>
+              <a:rPr lang="en-US" dirty="0"/>
+              <a:t>BASE_DIR + “/challenges” + “/templates”</a:t>
+            </a:r>
+          </a:p>
+          <a:p>
+            <a:endParaRPr lang="en-IN" dirty="0"/>
+          </a:p>
+        </p:txBody>
+      </p:sp>
+    </p:spTree>
+    <p:extLst>
+      <p:ext uri="{BB962C8B-B14F-4D97-AF65-F5344CB8AC3E}">
+        <p14:creationId xmlns:p14="http://schemas.microsoft.com/office/powerpoint/2010/main" val="4086994297"/>
+      </p:ext>
+    </p:extLst>
+  </p:cSld>
+  <p:clrMapOvr>
+    <a:masterClrMapping/>
+  </p:clrMapOvr>
+</p:sld>
+</file>
+
+<file path=ppt/slides/slide76.xml><?xml version="1.0" encoding="utf-8"?>
+<p:sld xmlns:a="http://schemas.openxmlformats.org/drawingml/2006/main" xmlns:r="http://schemas.openxmlformats.org/officeDocument/2006/relationships" xmlns:p="http://schemas.openxmlformats.org/presentationml/2006/main">
+  <p:cSld>
+    <p:spTree>
+      <p:nvGrpSpPr>
+        <p:cNvPr id="1" name=""/>
+        <p:cNvGrpSpPr/>
+        <p:nvPr/>
+      </p:nvGrpSpPr>
+      <p:grpSpPr>
+        <a:xfrm>
+          <a:off x="0" y="0"/>
+          <a:ext cx="0" cy="0"/>
+          <a:chOff x="0" y="0"/>
+          <a:chExt cx="0" cy="0"/>
+        </a:xfrm>
+      </p:grpSpPr>
+      <p:sp>
+        <p:nvSpPr>
+          <p:cNvPr id="2" name="Title 1">
+            <a:extLst>
+              <a:ext uri="{FF2B5EF4-FFF2-40B4-BE49-F238E27FC236}">
+                <a16:creationId xmlns:a16="http://schemas.microsoft.com/office/drawing/2014/main" id="{88F14082-2171-4B60-BB0D-68BF52443CC3}"/>
+              </a:ext>
+            </a:extLst>
+          </p:cNvPr>
+          <p:cNvSpPr>
+            <a:spLocks noGrp="1"/>
+          </p:cNvSpPr>
+          <p:nvPr>
+            <p:ph type="title"/>
+          </p:nvPr>
+        </p:nvSpPr>
+        <p:spPr/>
+        <p:txBody>
+          <a:bodyPr/>
+          <a:lstStyle/>
+          <a:p>
+            <a:r>
+              <a:rPr lang="en-US" dirty="0"/>
+              <a:t>Adding and Registering Templates</a:t>
+            </a:r>
+            <a:endParaRPr lang="en-IN" dirty="0"/>
+          </a:p>
+        </p:txBody>
+      </p:sp>
+      <p:sp>
+        <p:nvSpPr>
+          <p:cNvPr id="3" name="Content Placeholder 2">
+            <a:extLst>
+              <a:ext uri="{FF2B5EF4-FFF2-40B4-BE49-F238E27FC236}">
+                <a16:creationId xmlns:a16="http://schemas.microsoft.com/office/drawing/2014/main" id="{560E5EC8-ACE2-40F6-9A53-42469D2BDA50}"/>
+              </a:ext>
+            </a:extLst>
+          </p:cNvPr>
+          <p:cNvSpPr>
+            <a:spLocks noGrp="1"/>
+          </p:cNvSpPr>
+          <p:nvPr>
+            <p:ph idx="1"/>
+          </p:nvPr>
+        </p:nvSpPr>
+        <p:spPr/>
+        <p:txBody>
+          <a:bodyPr/>
+          <a:lstStyle/>
+          <a:p>
+            <a:r>
+              <a:rPr lang="en-US" dirty="0"/>
+              <a:t>But there is a better way to specify our templates locations</a:t>
+            </a:r>
+          </a:p>
+          <a:p>
+            <a:r>
+              <a:rPr lang="en-US" dirty="0"/>
+              <a:t>APP_DIR : true</a:t>
+            </a:r>
+          </a:p>
+          <a:p>
+            <a:r>
+              <a:rPr lang="en-US" dirty="0"/>
+              <a:t>Just add your app name to the list of INSTALLED_APPS</a:t>
+            </a:r>
+          </a:p>
+          <a:p>
+            <a:r>
+              <a:rPr lang="en-US" dirty="0"/>
+              <a:t>So Django would look for the templates folder in your application.</a:t>
+            </a:r>
+            <a:endParaRPr lang="en-IN" dirty="0"/>
+          </a:p>
+        </p:txBody>
+      </p:sp>
+    </p:spTree>
+    <p:extLst>
+      <p:ext uri="{BB962C8B-B14F-4D97-AF65-F5344CB8AC3E}">
+        <p14:creationId xmlns:p14="http://schemas.microsoft.com/office/powerpoint/2010/main" val="2590532695"/>
+      </p:ext>
+    </p:extLst>
+  </p:cSld>
+  <p:clrMapOvr>
+    <a:masterClrMapping/>
+  </p:clrMapOvr>
+</p:sld>
+</file>
+
+<file path=ppt/slides/slide77.xml><?xml version="1.0" encoding="utf-8"?>
+<p:sld xmlns:a="http://schemas.openxmlformats.org/drawingml/2006/main" xmlns:r="http://schemas.openxmlformats.org/officeDocument/2006/relationships" xmlns:p="http://schemas.openxmlformats.org/presentationml/2006/main">
+  <p:cSld>
+    <p:spTree>
+      <p:nvGrpSpPr>
+        <p:cNvPr id="1" name=""/>
+        <p:cNvGrpSpPr/>
+        <p:nvPr/>
+      </p:nvGrpSpPr>
+      <p:grpSpPr>
+        <a:xfrm>
+          <a:off x="0" y="0"/>
+          <a:ext cx="0" cy="0"/>
+          <a:chOff x="0" y="0"/>
+          <a:chExt cx="0" cy="0"/>
+        </a:xfrm>
+      </p:grpSpPr>
+      <p:sp>
+        <p:nvSpPr>
+          <p:cNvPr id="2" name="Title 1">
+            <a:extLst>
+              <a:ext uri="{FF2B5EF4-FFF2-40B4-BE49-F238E27FC236}">
+                <a16:creationId xmlns:a16="http://schemas.microsoft.com/office/drawing/2014/main" id="{96E314FA-5362-4581-B77F-5C4C4534F329}"/>
+              </a:ext>
+            </a:extLst>
+          </p:cNvPr>
+          <p:cNvSpPr>
+            <a:spLocks noGrp="1"/>
+          </p:cNvSpPr>
+          <p:nvPr>
+            <p:ph type="title"/>
+          </p:nvPr>
+        </p:nvSpPr>
+        <p:spPr/>
+        <p:txBody>
+          <a:bodyPr/>
+          <a:lstStyle/>
+          <a:p>
+            <a:r>
+              <a:rPr lang="en-US" dirty="0"/>
+              <a:t>Rendering Templates</a:t>
+            </a:r>
+            <a:endParaRPr lang="en-IN" dirty="0"/>
+          </a:p>
+        </p:txBody>
+      </p:sp>
+      <p:sp>
+        <p:nvSpPr>
+          <p:cNvPr id="3" name="Content Placeholder 2">
+            <a:extLst>
+              <a:ext uri="{FF2B5EF4-FFF2-40B4-BE49-F238E27FC236}">
+                <a16:creationId xmlns:a16="http://schemas.microsoft.com/office/drawing/2014/main" id="{1B65C89B-FDA5-439E-9606-DD14E3EF6D6D}"/>
+              </a:ext>
+            </a:extLst>
+          </p:cNvPr>
+          <p:cNvSpPr>
+            <a:spLocks noGrp="1"/>
+          </p:cNvSpPr>
+          <p:nvPr>
+            <p:ph idx="1"/>
+          </p:nvPr>
+        </p:nvSpPr>
+        <p:spPr/>
+        <p:txBody>
+          <a:bodyPr/>
+          <a:lstStyle/>
+          <a:p>
+            <a:r>
+              <a:rPr lang="en-US" dirty="0"/>
+              <a:t>Why do we repeat the app name in the templates folder</a:t>
+            </a:r>
+          </a:p>
+          <a:p>
+            <a:r>
+              <a:rPr lang="en-US" dirty="0"/>
+              <a:t>Django essentially merges all the templates data to a big template folder which it later uses.</a:t>
+            </a:r>
+          </a:p>
+          <a:p>
+            <a:r>
+              <a:rPr lang="en-US" dirty="0"/>
+              <a:t>So as not to confuse Django always place your templates under template/&lt;</a:t>
+            </a:r>
+            <a:r>
+              <a:rPr lang="en-US" dirty="0" err="1"/>
+              <a:t>app_name</a:t>
+            </a:r>
+            <a:r>
+              <a:rPr lang="en-US" dirty="0"/>
+              <a:t>&gt; folder</a:t>
+            </a:r>
+          </a:p>
+          <a:p>
+            <a:endParaRPr lang="en-IN" dirty="0"/>
+          </a:p>
+        </p:txBody>
+      </p:sp>
+    </p:spTree>
+    <p:extLst>
+      <p:ext uri="{BB962C8B-B14F-4D97-AF65-F5344CB8AC3E}">
+        <p14:creationId xmlns:p14="http://schemas.microsoft.com/office/powerpoint/2010/main" val="604486970"/>
+      </p:ext>
+    </p:extLst>
+  </p:cSld>
+  <p:clrMapOvr>
+    <a:masterClrMapping/>
+  </p:clrMapOvr>
+</p:sld>
+</file>
+
+<file path=ppt/slides/slide78.xml><?xml version="1.0" encoding="utf-8"?>
+<p:sld xmlns:a="http://schemas.openxmlformats.org/drawingml/2006/main" xmlns:r="http://schemas.openxmlformats.org/officeDocument/2006/relationships" xmlns:p="http://schemas.openxmlformats.org/presentationml/2006/main">
+  <p:cSld>
+    <p:spTree>
+      <p:nvGrpSpPr>
+        <p:cNvPr id="1" name=""/>
+        <p:cNvGrpSpPr/>
+        <p:nvPr/>
+      </p:nvGrpSpPr>
+      <p:grpSpPr>
+        <a:xfrm>
+          <a:off x="0" y="0"/>
+          <a:ext cx="0" cy="0"/>
+          <a:chOff x="0" y="0"/>
+          <a:chExt cx="0" cy="0"/>
+        </a:xfrm>
+      </p:grpSpPr>
+      <p:sp>
+        <p:nvSpPr>
+          <p:cNvPr id="2" name="Title 1">
+            <a:extLst>
+              <a:ext uri="{FF2B5EF4-FFF2-40B4-BE49-F238E27FC236}">
+                <a16:creationId xmlns:a16="http://schemas.microsoft.com/office/drawing/2014/main" id="{986F5474-0D80-46C7-A88F-7FB46054551C}"/>
+              </a:ext>
+            </a:extLst>
+          </p:cNvPr>
+          <p:cNvSpPr>
+            <a:spLocks noGrp="1"/>
+          </p:cNvSpPr>
+          <p:nvPr>
+            <p:ph type="title"/>
+          </p:nvPr>
+        </p:nvSpPr>
+        <p:spPr/>
+        <p:txBody>
+          <a:bodyPr/>
+          <a:lstStyle/>
+          <a:p>
+            <a:r>
+              <a:rPr lang="en-US" dirty="0"/>
+              <a:t>Adding Dynamic Code (Django Template Language DTL)</a:t>
+            </a:r>
+            <a:endParaRPr lang="en-IN" dirty="0"/>
+          </a:p>
+        </p:txBody>
+      </p:sp>
+      <p:sp>
+        <p:nvSpPr>
+          <p:cNvPr id="3" name="Content Placeholder 2">
+            <a:extLst>
+              <a:ext uri="{FF2B5EF4-FFF2-40B4-BE49-F238E27FC236}">
+                <a16:creationId xmlns:a16="http://schemas.microsoft.com/office/drawing/2014/main" id="{CD63C31C-6950-4472-A166-CA8823BF1329}"/>
+              </a:ext>
+            </a:extLst>
+          </p:cNvPr>
+          <p:cNvSpPr>
+            <a:spLocks noGrp="1"/>
+          </p:cNvSpPr>
+          <p:nvPr>
+            <p:ph idx="1"/>
+          </p:nvPr>
+        </p:nvSpPr>
+        <p:spPr/>
+        <p:txBody>
+          <a:bodyPr/>
+          <a:lstStyle/>
+          <a:p>
+            <a:r>
+              <a:rPr lang="en-US" dirty="0"/>
+              <a:t>Enhances HTML files to create dynamic pages</a:t>
+            </a:r>
+          </a:p>
+          <a:p>
+            <a:endParaRPr lang="en-IN" dirty="0"/>
+          </a:p>
+        </p:txBody>
+      </p:sp>
+      <p:sp>
+        <p:nvSpPr>
+          <p:cNvPr id="4" name="Rectangle: Rounded Corners 3">
+            <a:extLst>
+              <a:ext uri="{FF2B5EF4-FFF2-40B4-BE49-F238E27FC236}">
+                <a16:creationId xmlns:a16="http://schemas.microsoft.com/office/drawing/2014/main" id="{79F6DC2A-83D9-4200-93AD-D88645508C43}"/>
+              </a:ext>
+            </a:extLst>
+          </p:cNvPr>
+          <p:cNvSpPr/>
+          <p:nvPr/>
+        </p:nvSpPr>
+        <p:spPr>
+          <a:xfrm>
+            <a:off x="922789" y="3087149"/>
+            <a:ext cx="2365695" cy="1140902"/>
+          </a:xfrm>
+          <a:prstGeom prst="roundRect">
+            <a:avLst/>
+          </a:prstGeom>
+        </p:spPr>
+        <p:style>
+          <a:lnRef idx="2">
+            <a:schemeClr val="accent1">
+              <a:shade val="50000"/>
+            </a:schemeClr>
+          </a:lnRef>
+          <a:fillRef idx="1">
+            <a:schemeClr val="accent1"/>
+          </a:fillRef>
+          <a:effectRef idx="0">
+            <a:schemeClr val="accent1"/>
+          </a:effectRef>
+          <a:fontRef idx="minor">
+            <a:schemeClr val="lt1"/>
+          </a:fontRef>
+        </p:style>
+        <p:txBody>
+          <a:bodyPr rtlCol="0" anchor="ctr"/>
+          <a:lstStyle/>
+          <a:p>
+            <a:pPr algn="ctr"/>
+            <a:r>
+              <a:rPr lang="en-US" dirty="0"/>
+              <a:t>Standard HTML Syntax</a:t>
+            </a:r>
+            <a:endParaRPr lang="en-IN" dirty="0"/>
+          </a:p>
+        </p:txBody>
+      </p:sp>
+      <p:sp>
+        <p:nvSpPr>
+          <p:cNvPr id="5" name="Rectangle: Rounded Corners 4">
+            <a:extLst>
+              <a:ext uri="{FF2B5EF4-FFF2-40B4-BE49-F238E27FC236}">
+                <a16:creationId xmlns:a16="http://schemas.microsoft.com/office/drawing/2014/main" id="{F7B3C9B2-4DD5-482B-9D03-F3CEBD409199}"/>
+              </a:ext>
+            </a:extLst>
+          </p:cNvPr>
+          <p:cNvSpPr/>
+          <p:nvPr/>
+        </p:nvSpPr>
+        <p:spPr>
+          <a:xfrm>
+            <a:off x="5801660" y="3087149"/>
+            <a:ext cx="2365695" cy="1140902"/>
+          </a:xfrm>
+          <a:prstGeom prst="roundRect">
+            <a:avLst/>
+          </a:prstGeom>
+        </p:spPr>
+        <p:style>
+          <a:lnRef idx="2">
+            <a:schemeClr val="accent1">
+              <a:shade val="50000"/>
+            </a:schemeClr>
+          </a:lnRef>
+          <a:fillRef idx="1">
+            <a:schemeClr val="accent1"/>
+          </a:fillRef>
+          <a:effectRef idx="0">
+            <a:schemeClr val="accent1"/>
+          </a:effectRef>
+          <a:fontRef idx="minor">
+            <a:schemeClr val="lt1"/>
+          </a:fontRef>
+        </p:style>
+        <p:txBody>
+          <a:bodyPr rtlCol="0" anchor="ctr"/>
+          <a:lstStyle/>
+          <a:p>
+            <a:pPr algn="ctr"/>
+            <a:r>
+              <a:rPr lang="en-US" dirty="0"/>
+              <a:t>Special DTL syntax</a:t>
+            </a:r>
+            <a:endParaRPr lang="en-IN" dirty="0"/>
+          </a:p>
+        </p:txBody>
+      </p:sp>
+      <p:sp>
+        <p:nvSpPr>
+          <p:cNvPr id="7" name="Cross 6">
+            <a:extLst>
+              <a:ext uri="{FF2B5EF4-FFF2-40B4-BE49-F238E27FC236}">
+                <a16:creationId xmlns:a16="http://schemas.microsoft.com/office/drawing/2014/main" id="{8305DEA2-A22C-4A54-B9AB-EE4D2D75E543}"/>
+              </a:ext>
+            </a:extLst>
+          </p:cNvPr>
+          <p:cNvSpPr/>
+          <p:nvPr/>
+        </p:nvSpPr>
+        <p:spPr>
+          <a:xfrm>
+            <a:off x="4185744" y="3246540"/>
+            <a:ext cx="727383" cy="704675"/>
+          </a:xfrm>
+          <a:prstGeom prst="plus">
+            <a:avLst>
+              <a:gd name="adj" fmla="val 43537"/>
+            </a:avLst>
+          </a:prstGeom>
+        </p:spPr>
+        <p:style>
+          <a:lnRef idx="2">
+            <a:schemeClr val="accent3">
+              <a:shade val="50000"/>
+            </a:schemeClr>
+          </a:lnRef>
+          <a:fillRef idx="1">
+            <a:schemeClr val="accent3"/>
+          </a:fillRef>
+          <a:effectRef idx="0">
+            <a:schemeClr val="accent3"/>
+          </a:effectRef>
+          <a:fontRef idx="minor">
+            <a:schemeClr val="lt1"/>
+          </a:fontRef>
+        </p:style>
+        <p:txBody>
+          <a:bodyPr rtlCol="0" anchor="ctr"/>
+          <a:lstStyle/>
+          <a:p>
+            <a:pPr algn="ctr"/>
+            <a:endParaRPr lang="en-IN"/>
+          </a:p>
+        </p:txBody>
+      </p:sp>
+      <p:sp>
+        <p:nvSpPr>
+          <p:cNvPr id="8" name="Rectangle: Rounded Corners 7">
+            <a:extLst>
+              <a:ext uri="{FF2B5EF4-FFF2-40B4-BE49-F238E27FC236}">
+                <a16:creationId xmlns:a16="http://schemas.microsoft.com/office/drawing/2014/main" id="{A7B79C9C-86F9-4D7D-A126-7B0DE1D898A8}"/>
+              </a:ext>
+            </a:extLst>
+          </p:cNvPr>
+          <p:cNvSpPr/>
+          <p:nvPr/>
+        </p:nvSpPr>
+        <p:spPr>
+          <a:xfrm>
+            <a:off x="3521252" y="4581033"/>
+            <a:ext cx="2365695" cy="1140902"/>
+          </a:xfrm>
+          <a:prstGeom prst="roundRect">
+            <a:avLst/>
+          </a:prstGeom>
+        </p:spPr>
+        <p:style>
+          <a:lnRef idx="2">
+            <a:schemeClr val="accent1">
+              <a:shade val="50000"/>
+            </a:schemeClr>
+          </a:lnRef>
+          <a:fillRef idx="1">
+            <a:schemeClr val="accent1"/>
+          </a:fillRef>
+          <a:effectRef idx="0">
+            <a:schemeClr val="accent1"/>
+          </a:effectRef>
+          <a:fontRef idx="minor">
+            <a:schemeClr val="lt1"/>
+          </a:fontRef>
+        </p:style>
+        <p:txBody>
+          <a:bodyPr rtlCol="0" anchor="ctr"/>
+          <a:lstStyle/>
+          <a:p>
+            <a:pPr algn="ctr"/>
+            <a:r>
+              <a:rPr lang="en-US" dirty="0"/>
+              <a:t>Dynamic HTML Page</a:t>
+            </a:r>
+            <a:endParaRPr lang="en-IN" dirty="0"/>
+          </a:p>
+        </p:txBody>
+      </p:sp>
+    </p:spTree>
+    <p:extLst>
+      <p:ext uri="{BB962C8B-B14F-4D97-AF65-F5344CB8AC3E}">
+        <p14:creationId xmlns:p14="http://schemas.microsoft.com/office/powerpoint/2010/main" val="3696028226"/>
+      </p:ext>
+    </p:extLst>
+  </p:cSld>
+  <p:clrMapOvr>
+    <a:masterClrMapping/>
+  </p:clrMapOvr>
+</p:sld>
+</file>
+
+<file path=ppt/slides/slide79.xml><?xml version="1.0" encoding="utf-8"?>
+<p:sld xmlns:a="http://schemas.openxmlformats.org/drawingml/2006/main" xmlns:r="http://schemas.openxmlformats.org/officeDocument/2006/relationships" xmlns:p="http://schemas.openxmlformats.org/presentationml/2006/main">
+  <p:cSld>
+    <p:spTree>
+      <p:nvGrpSpPr>
+        <p:cNvPr id="1" name=""/>
+        <p:cNvGrpSpPr/>
+        <p:nvPr/>
+      </p:nvGrpSpPr>
+      <p:grpSpPr>
+        <a:xfrm>
+          <a:off x="0" y="0"/>
+          <a:ext cx="0" cy="0"/>
+          <a:chOff x="0" y="0"/>
+          <a:chExt cx="0" cy="0"/>
+        </a:xfrm>
+      </p:grpSpPr>
+      <p:sp>
+        <p:nvSpPr>
+          <p:cNvPr id="2" name="Title 1">
+            <a:extLst>
+              <a:ext uri="{FF2B5EF4-FFF2-40B4-BE49-F238E27FC236}">
+                <a16:creationId xmlns:a16="http://schemas.microsoft.com/office/drawing/2014/main" id="{F89B960A-2586-4970-8D8A-D52FB5E96413}"/>
+              </a:ext>
+            </a:extLst>
+          </p:cNvPr>
+          <p:cNvSpPr>
+            <a:spLocks noGrp="1"/>
+          </p:cNvSpPr>
+          <p:nvPr>
+            <p:ph type="title"/>
+          </p:nvPr>
+        </p:nvSpPr>
+        <p:spPr/>
+        <p:txBody>
+          <a:bodyPr/>
+          <a:lstStyle/>
+          <a:p>
+            <a:r>
+              <a:rPr lang="en-US" dirty="0"/>
+              <a:t>Variable Interpolation</a:t>
+            </a:r>
+            <a:endParaRPr lang="en-IN" dirty="0"/>
+          </a:p>
+        </p:txBody>
+      </p:sp>
+      <p:sp>
+        <p:nvSpPr>
+          <p:cNvPr id="3" name="Content Placeholder 2">
+            <a:extLst>
+              <a:ext uri="{FF2B5EF4-FFF2-40B4-BE49-F238E27FC236}">
+                <a16:creationId xmlns:a16="http://schemas.microsoft.com/office/drawing/2014/main" id="{983C4B62-A48F-4552-9831-51EECE273525}"/>
+              </a:ext>
+            </a:extLst>
+          </p:cNvPr>
+          <p:cNvSpPr>
+            <a:spLocks noGrp="1"/>
+          </p:cNvSpPr>
+          <p:nvPr>
+            <p:ph idx="1"/>
+          </p:nvPr>
+        </p:nvSpPr>
+        <p:spPr/>
+        <p:txBody>
+          <a:bodyPr/>
+          <a:lstStyle/>
+          <a:p>
+            <a:r>
+              <a:rPr lang="en-US" dirty="0"/>
+              <a:t>For rendering now we will be using render function in the view</a:t>
+            </a:r>
+          </a:p>
+          <a:p>
+            <a:pPr lvl="1"/>
+            <a:r>
+              <a:rPr lang="en-US" dirty="0"/>
+              <a:t>Return render(request, “challenges/challenge.html”)</a:t>
+            </a:r>
+          </a:p>
+          <a:p>
+            <a:r>
+              <a:rPr lang="en-IN" dirty="0"/>
+              <a:t>You can also send value from the views.py to the template which would be parsed via DTL</a:t>
+            </a:r>
+          </a:p>
+          <a:p>
+            <a:endParaRPr lang="en-IN" dirty="0"/>
+          </a:p>
+          <a:p>
+            <a:endParaRPr lang="en-IN" dirty="0"/>
+          </a:p>
+          <a:p>
+            <a:endParaRPr lang="en-IN" dirty="0"/>
+          </a:p>
+          <a:p>
+            <a:r>
+              <a:rPr lang="en-IN" dirty="0"/>
+              <a:t>And in the template to display the text variable use:</a:t>
+            </a:r>
+          </a:p>
+        </p:txBody>
+      </p:sp>
+      <p:sp>
+        <p:nvSpPr>
+          <p:cNvPr id="4" name="Rectangle 1">
+            <a:extLst>
+              <a:ext uri="{FF2B5EF4-FFF2-40B4-BE49-F238E27FC236}">
+                <a16:creationId xmlns:a16="http://schemas.microsoft.com/office/drawing/2014/main" id="{235B7DAB-F44D-4072-AD86-EE7EA7ED1446}"/>
+              </a:ext>
+            </a:extLst>
+          </p:cNvPr>
+          <p:cNvSpPr>
+            <a:spLocks noChangeArrowheads="1"/>
+          </p:cNvSpPr>
+          <p:nvPr/>
+        </p:nvSpPr>
+        <p:spPr bwMode="auto">
+          <a:xfrm>
+            <a:off x="1023457" y="3623921"/>
+            <a:ext cx="5318620" cy="954107"/>
+          </a:xfrm>
+          <a:prstGeom prst="rect">
+            <a:avLst/>
+          </a:prstGeom>
+          <a:solidFill>
+            <a:srgbClr val="FFFFFF"/>
+          </a:solidFill>
+          <a:ln>
+            <a:noFill/>
+          </a:ln>
+          <a:effectLst/>
+          <a:extLst>
+            <a:ext uri="{91240B29-F687-4F45-9708-019B960494DF}">
+              <a14:hiddenLine xmlns:a14="http://schemas.microsoft.com/office/drawing/2010/main" w="9525">
+                <a:solidFill>
+                  <a:schemeClr val="tx1"/>
+                </a:solidFill>
+                <a:miter lim="800000"/>
+                <a:headEnd/>
+                <a:tailEnd/>
+              </a14:hiddenLine>
+            </a:ext>
+            <a:ext uri="{AF507438-7753-43E0-B8FC-AC1667EBCBE1}">
+              <a14:hiddenEffects xmlns:a14="http://schemas.microsoft.com/office/drawing/2010/main">
+                <a:effectLst>
+                  <a:outerShdw dist="35921" dir="2700000" algn="ctr" rotWithShape="0">
+                    <a:schemeClr val="bg2"/>
+                  </a:outerShdw>
+                </a:effectLst>
+              </a14:hiddenEffects>
+            </a:ext>
+          </a:extLst>
+        </p:spPr>
+        <p:txBody>
+          <a:bodyPr vert="horz" wrap="square" lIns="91440" tIns="45720" rIns="91440" bIns="45720" numCol="1" anchor="ctr" anchorCtr="0" compatLnSpc="1">
+            <a:prstTxWarp prst="textNoShape">
+              <a:avLst/>
+            </a:prstTxWarp>
+            <a:spAutoFit/>
+          </a:bodyPr>
+          <a:lstStyle/>
+          <a:p>
+            <a:pPr marL="0" marR="0" lvl="0" indent="0" algn="l" defTabSz="914400" rtl="0" eaLnBrk="0" fontAlgn="base" latinLnBrk="0" hangingPunct="0">
+              <a:lnSpc>
+                <a:spcPct val="100000"/>
+              </a:lnSpc>
+              <a:spcBef>
+                <a:spcPct val="0"/>
+              </a:spcBef>
+              <a:spcAft>
+                <a:spcPct val="0"/>
+              </a:spcAft>
+              <a:buClrTx/>
+              <a:buSzTx/>
+              <a:buFontTx/>
+              <a:buNone/>
+              <a:tabLst/>
+            </a:pPr>
+            <a:r>
+              <a:rPr kumimoji="0" lang="en-US" altLang="en-US" sz="1400" b="1" i="0" u="none" strike="noStrike" cap="none" normalizeH="0" baseline="0" dirty="0">
+                <a:ln>
+                  <a:noFill/>
+                </a:ln>
+                <a:solidFill>
+                  <a:srgbClr val="000080"/>
+                </a:solidFill>
+                <a:effectLst/>
+                <a:latin typeface="Courier New" panose="02070309020205020404" pitchFamily="49" charset="0"/>
+                <a:cs typeface="Courier New" panose="02070309020205020404" pitchFamily="49" charset="0"/>
+              </a:rPr>
+              <a:t>return </a:t>
+            </a:r>
+            <a:r>
+              <a:rPr kumimoji="0" lang="en-US" altLang="en-US" sz="1400" b="0" i="0" u="none" strike="noStrike" cap="none" normalizeH="0" baseline="0" dirty="0">
+                <a:ln>
+                  <a:noFill/>
+                </a:ln>
+                <a:solidFill>
+                  <a:srgbClr val="000000"/>
+                </a:solidFill>
+                <a:effectLst/>
+                <a:latin typeface="Courier New" panose="02070309020205020404" pitchFamily="49" charset="0"/>
+                <a:cs typeface="Courier New" panose="02070309020205020404" pitchFamily="49" charset="0"/>
+              </a:rPr>
+              <a:t>render(request, </a:t>
+            </a:r>
+            <a:r>
+              <a:rPr kumimoji="0" lang="en-US" altLang="en-US" sz="1400" b="1" i="0" u="none" strike="noStrike" cap="none" normalizeH="0" baseline="0" dirty="0">
+                <a:ln>
+                  <a:noFill/>
+                </a:ln>
+                <a:solidFill>
+                  <a:srgbClr val="008080"/>
+                </a:solidFill>
+                <a:effectLst/>
+                <a:latin typeface="Courier New" panose="02070309020205020404" pitchFamily="49" charset="0"/>
+                <a:cs typeface="Courier New" panose="02070309020205020404" pitchFamily="49" charset="0"/>
+              </a:rPr>
+              <a:t>"challenges/challenge.html"</a:t>
+            </a:r>
+            <a:r>
+              <a:rPr kumimoji="0" lang="en-US" altLang="en-US" sz="1400" b="0" i="0" u="none" strike="noStrike" cap="none" normalizeH="0" baseline="0" dirty="0">
+                <a:ln>
+                  <a:noFill/>
+                </a:ln>
+                <a:solidFill>
+                  <a:srgbClr val="000000"/>
+                </a:solidFill>
+                <a:effectLst/>
+                <a:latin typeface="Courier New" panose="02070309020205020404" pitchFamily="49" charset="0"/>
+                <a:cs typeface="Courier New" panose="02070309020205020404" pitchFamily="49" charset="0"/>
+              </a:rPr>
+              <a:t>, {</a:t>
+            </a:r>
+            <a:br>
+              <a:rPr kumimoji="0" lang="en-US" altLang="en-US" sz="1400" b="0" i="0" u="none" strike="noStrike" cap="none" normalizeH="0" baseline="0" dirty="0">
+                <a:ln>
+                  <a:noFill/>
+                </a:ln>
+                <a:solidFill>
+                  <a:srgbClr val="000000"/>
+                </a:solidFill>
+                <a:effectLst/>
+                <a:latin typeface="Courier New" panose="02070309020205020404" pitchFamily="49" charset="0"/>
+                <a:cs typeface="Courier New" panose="02070309020205020404" pitchFamily="49" charset="0"/>
+              </a:rPr>
+            </a:br>
+            <a:r>
+              <a:rPr kumimoji="0" lang="en-US" altLang="en-US" sz="1400" b="0" i="0" u="none" strike="noStrike" cap="none" normalizeH="0" baseline="0" dirty="0">
+                <a:ln>
+                  <a:noFill/>
+                </a:ln>
+                <a:solidFill>
+                  <a:srgbClr val="000000"/>
+                </a:solidFill>
+                <a:effectLst/>
+                <a:latin typeface="Courier New" panose="02070309020205020404" pitchFamily="49" charset="0"/>
+                <a:cs typeface="Courier New" panose="02070309020205020404" pitchFamily="49" charset="0"/>
+              </a:rPr>
+              <a:t>    </a:t>
+            </a:r>
+            <a:r>
+              <a:rPr kumimoji="0" lang="en-US" altLang="en-US" sz="1400" b="1" i="0" u="none" strike="noStrike" cap="none" normalizeH="0" baseline="0" dirty="0">
+                <a:ln>
+                  <a:noFill/>
+                </a:ln>
+                <a:solidFill>
+                  <a:srgbClr val="008080"/>
+                </a:solidFill>
+                <a:effectLst/>
+                <a:latin typeface="Courier New" panose="02070309020205020404" pitchFamily="49" charset="0"/>
+                <a:cs typeface="Courier New" panose="02070309020205020404" pitchFamily="49" charset="0"/>
+              </a:rPr>
+              <a:t>"text"</a:t>
+            </a:r>
+            <a:r>
+              <a:rPr kumimoji="0" lang="en-US" altLang="en-US" sz="1400" b="0" i="0" u="none" strike="noStrike" cap="none" normalizeH="0" baseline="0" dirty="0">
+                <a:ln>
+                  <a:noFill/>
+                </a:ln>
+                <a:solidFill>
+                  <a:srgbClr val="000000"/>
+                </a:solidFill>
+                <a:effectLst/>
+                <a:latin typeface="Courier New" panose="02070309020205020404" pitchFamily="49" charset="0"/>
+                <a:cs typeface="Courier New" panose="02070309020205020404" pitchFamily="49" charset="0"/>
+              </a:rPr>
+              <a:t>: </a:t>
+            </a:r>
+            <a:r>
+              <a:rPr kumimoji="0" lang="en-US" altLang="en-US" sz="1400" b="0" i="0" u="none" strike="noStrike" cap="none" normalizeH="0" baseline="0" dirty="0" err="1">
+                <a:ln>
+                  <a:noFill/>
+                </a:ln>
+                <a:solidFill>
+                  <a:srgbClr val="000000"/>
+                </a:solidFill>
+                <a:effectLst/>
+                <a:latin typeface="Courier New" panose="02070309020205020404" pitchFamily="49" charset="0"/>
+                <a:cs typeface="Courier New" panose="02070309020205020404" pitchFamily="49" charset="0"/>
+              </a:rPr>
+              <a:t>challenge_text</a:t>
+            </a:r>
+            <a:br>
+              <a:rPr kumimoji="0" lang="en-US" altLang="en-US" sz="1400" b="0" i="0" u="none" strike="noStrike" cap="none" normalizeH="0" baseline="0" dirty="0">
+                <a:ln>
+                  <a:noFill/>
+                </a:ln>
+                <a:solidFill>
+                  <a:srgbClr val="000000"/>
+                </a:solidFill>
+                <a:effectLst/>
+                <a:latin typeface="Courier New" panose="02070309020205020404" pitchFamily="49" charset="0"/>
+                <a:cs typeface="Courier New" panose="02070309020205020404" pitchFamily="49" charset="0"/>
+              </a:rPr>
+            </a:br>
+            <a:r>
+              <a:rPr kumimoji="0" lang="en-US" altLang="en-US" sz="1400" b="0" i="0" u="none" strike="noStrike" cap="none" normalizeH="0" baseline="0" dirty="0">
+                <a:ln>
+                  <a:noFill/>
+                </a:ln>
+                <a:solidFill>
+                  <a:srgbClr val="000000"/>
+                </a:solidFill>
+                <a:effectLst/>
+                <a:latin typeface="Courier New" panose="02070309020205020404" pitchFamily="49" charset="0"/>
+                <a:cs typeface="Courier New" panose="02070309020205020404" pitchFamily="49" charset="0"/>
+              </a:rPr>
+              <a:t>})</a:t>
+            </a:r>
+            <a:endParaRPr kumimoji="0" lang="en-US" altLang="en-US" sz="1400" b="0" i="0" u="none" strike="noStrike" cap="none" normalizeH="0" baseline="0" dirty="0">
+              <a:ln>
+                <a:noFill/>
+              </a:ln>
+              <a:solidFill>
+                <a:schemeClr val="tx1"/>
+              </a:solidFill>
+              <a:effectLst/>
+              <a:latin typeface="Arial" panose="020B0604020202020204" pitchFamily="34" charset="0"/>
+            </a:endParaRPr>
+          </a:p>
+        </p:txBody>
+      </p:sp>
+      <p:sp>
+        <p:nvSpPr>
+          <p:cNvPr id="5" name="Rectangle 2">
+            <a:extLst>
+              <a:ext uri="{FF2B5EF4-FFF2-40B4-BE49-F238E27FC236}">
+                <a16:creationId xmlns:a16="http://schemas.microsoft.com/office/drawing/2014/main" id="{266F0DA3-41BA-458B-A502-09B0D51FACDA}"/>
+              </a:ext>
+            </a:extLst>
+          </p:cNvPr>
+          <p:cNvSpPr>
+            <a:spLocks noChangeArrowheads="1"/>
+          </p:cNvSpPr>
+          <p:nvPr/>
+        </p:nvSpPr>
+        <p:spPr bwMode="auto">
+          <a:xfrm>
+            <a:off x="6769915" y="4139027"/>
+            <a:ext cx="4949505" cy="2462213"/>
+          </a:xfrm>
+          <a:prstGeom prst="rect">
+            <a:avLst/>
+          </a:prstGeom>
+          <a:solidFill>
+            <a:srgbClr val="FFFFFF"/>
+          </a:solidFill>
+          <a:ln>
+            <a:noFill/>
+          </a:ln>
+          <a:effectLst/>
+          <a:extLst>
+            <a:ext uri="{91240B29-F687-4F45-9708-019B960494DF}">
+              <a14:hiddenLine xmlns:a14="http://schemas.microsoft.com/office/drawing/2010/main" w="9525">
+                <a:solidFill>
+                  <a:schemeClr val="tx1"/>
+                </a:solidFill>
+                <a:miter lim="800000"/>
+                <a:headEnd/>
+                <a:tailEnd/>
+              </a14:hiddenLine>
+            </a:ext>
+            <a:ext uri="{AF507438-7753-43E0-B8FC-AC1667EBCBE1}">
+              <a14:hiddenEffects xmlns:a14="http://schemas.microsoft.com/office/drawing/2010/main">
+                <a:effectLst>
+                  <a:outerShdw dist="35921" dir="2700000" algn="ctr" rotWithShape="0">
+                    <a:schemeClr val="bg2"/>
+                  </a:outerShdw>
+                </a:effectLst>
+              </a14:hiddenEffects>
+            </a:ext>
+          </a:extLst>
+        </p:spPr>
+        <p:txBody>
+          <a:bodyPr vert="horz" wrap="square" lIns="91440" tIns="45720" rIns="91440" bIns="45720" numCol="1" anchor="ctr" anchorCtr="0" compatLnSpc="1">
+            <a:prstTxWarp prst="textNoShape">
+              <a:avLst/>
+            </a:prstTxWarp>
+            <a:spAutoFit/>
+          </a:bodyPr>
+          <a:lstStyle/>
+          <a:p>
+            <a:pPr marL="0" marR="0" lvl="0" indent="0" algn="l" defTabSz="914400" rtl="0" eaLnBrk="0" fontAlgn="base" latinLnBrk="0" hangingPunct="0">
+              <a:lnSpc>
+                <a:spcPct val="100000"/>
+              </a:lnSpc>
+              <a:spcBef>
+                <a:spcPct val="0"/>
+              </a:spcBef>
+              <a:spcAft>
+                <a:spcPct val="0"/>
+              </a:spcAft>
+              <a:buClrTx/>
+              <a:buSzTx/>
+              <a:buFontTx/>
+              <a:buNone/>
+              <a:tabLst/>
+            </a:pPr>
+            <a:r>
+              <a:rPr kumimoji="0" lang="en-US" altLang="en-US" sz="1400" b="0" i="0" u="none" strike="noStrike" cap="none" normalizeH="0" baseline="0" dirty="0">
+                <a:ln>
+                  <a:noFill/>
+                </a:ln>
+                <a:solidFill>
+                  <a:srgbClr val="000000"/>
+                </a:solidFill>
+                <a:effectLst/>
+                <a:latin typeface="Courier New" panose="02070309020205020404" pitchFamily="49" charset="0"/>
+                <a:cs typeface="Courier New" panose="02070309020205020404" pitchFamily="49" charset="0"/>
+              </a:rPr>
+              <a:t>&lt;!DOCTYPE </a:t>
+            </a:r>
+            <a:r>
+              <a:rPr kumimoji="0" lang="en-US" altLang="en-US" sz="1400" b="1" i="0" u="none" strike="noStrike" cap="none" normalizeH="0" baseline="0" dirty="0">
+                <a:ln>
+                  <a:noFill/>
+                </a:ln>
+                <a:solidFill>
+                  <a:srgbClr val="0000FF"/>
+                </a:solidFill>
+                <a:effectLst/>
+                <a:latin typeface="Courier New" panose="02070309020205020404" pitchFamily="49" charset="0"/>
+                <a:cs typeface="Courier New" panose="02070309020205020404" pitchFamily="49" charset="0"/>
+              </a:rPr>
+              <a:t>html</a:t>
+            </a:r>
+            <a:r>
+              <a:rPr kumimoji="0" lang="en-US" altLang="en-US" sz="1400" b="0" i="0" u="none" strike="noStrike" cap="none" normalizeH="0" baseline="0" dirty="0">
+                <a:ln>
+                  <a:noFill/>
+                </a:ln>
+                <a:solidFill>
+                  <a:srgbClr val="000000"/>
+                </a:solidFill>
+                <a:effectLst/>
+                <a:latin typeface="Courier New" panose="02070309020205020404" pitchFamily="49" charset="0"/>
+                <a:cs typeface="Courier New" panose="02070309020205020404" pitchFamily="49" charset="0"/>
+              </a:rPr>
+              <a:t>&gt;</a:t>
+            </a:r>
+            <a:br>
+              <a:rPr kumimoji="0" lang="en-US" altLang="en-US" sz="1400" b="0" i="0" u="none" strike="noStrike" cap="none" normalizeH="0" baseline="0" dirty="0">
+                <a:ln>
+                  <a:noFill/>
+                </a:ln>
+                <a:solidFill>
+                  <a:srgbClr val="000000"/>
+                </a:solidFill>
+                <a:effectLst/>
+                <a:latin typeface="Courier New" panose="02070309020205020404" pitchFamily="49" charset="0"/>
+                <a:cs typeface="Courier New" panose="02070309020205020404" pitchFamily="49" charset="0"/>
+              </a:rPr>
+            </a:br>
+            <a:r>
+              <a:rPr kumimoji="0" lang="en-US" altLang="en-US" sz="1400" b="0" i="0" u="none" strike="noStrike" cap="none" normalizeH="0" baseline="0" dirty="0">
+                <a:ln>
+                  <a:noFill/>
+                </a:ln>
+                <a:solidFill>
+                  <a:srgbClr val="000000"/>
+                </a:solidFill>
+                <a:effectLst/>
+                <a:latin typeface="Courier New" panose="02070309020205020404" pitchFamily="49" charset="0"/>
+                <a:cs typeface="Courier New" panose="02070309020205020404" pitchFamily="49" charset="0"/>
+              </a:rPr>
+              <a:t>&lt;</a:t>
+            </a:r>
+            <a:r>
+              <a:rPr kumimoji="0" lang="en-US" altLang="en-US" sz="1400" b="1" i="0" u="none" strike="noStrike" cap="none" normalizeH="0" baseline="0" dirty="0">
+                <a:ln>
+                  <a:noFill/>
+                </a:ln>
+                <a:solidFill>
+                  <a:srgbClr val="000080"/>
+                </a:solidFill>
+                <a:effectLst/>
+                <a:latin typeface="Courier New" panose="02070309020205020404" pitchFamily="49" charset="0"/>
+                <a:cs typeface="Courier New" panose="02070309020205020404" pitchFamily="49" charset="0"/>
+              </a:rPr>
+              <a:t>html </a:t>
+            </a:r>
+            <a:r>
+              <a:rPr kumimoji="0" lang="en-US" altLang="en-US" sz="1400" b="1" i="0" u="none" strike="noStrike" cap="none" normalizeH="0" baseline="0" dirty="0">
+                <a:ln>
+                  <a:noFill/>
+                </a:ln>
+                <a:solidFill>
+                  <a:srgbClr val="0000FF"/>
+                </a:solidFill>
+                <a:effectLst/>
+                <a:latin typeface="Courier New" panose="02070309020205020404" pitchFamily="49" charset="0"/>
+                <a:cs typeface="Courier New" panose="02070309020205020404" pitchFamily="49" charset="0"/>
+              </a:rPr>
+              <a:t>lang=</a:t>
+            </a:r>
+            <a:r>
+              <a:rPr kumimoji="0" lang="en-US" altLang="en-US" sz="1400" b="1" i="0" u="none" strike="noStrike" cap="none" normalizeH="0" baseline="0" dirty="0">
+                <a:ln>
+                  <a:noFill/>
+                </a:ln>
+                <a:solidFill>
+                  <a:srgbClr val="008000"/>
+                </a:solidFill>
+                <a:effectLst/>
+                <a:latin typeface="Courier New" panose="02070309020205020404" pitchFamily="49" charset="0"/>
+                <a:cs typeface="Courier New" panose="02070309020205020404" pitchFamily="49" charset="0"/>
+              </a:rPr>
+              <a:t>"</a:t>
+            </a:r>
+            <a:r>
+              <a:rPr kumimoji="0" lang="en-US" altLang="en-US" sz="1400" b="1" i="0" u="none" strike="noStrike" cap="none" normalizeH="0" baseline="0" dirty="0" err="1">
+                <a:ln>
+                  <a:noFill/>
+                </a:ln>
+                <a:solidFill>
+                  <a:srgbClr val="008000"/>
+                </a:solidFill>
+                <a:effectLst/>
+                <a:latin typeface="Courier New" panose="02070309020205020404" pitchFamily="49" charset="0"/>
+                <a:cs typeface="Courier New" panose="02070309020205020404" pitchFamily="49" charset="0"/>
+              </a:rPr>
+              <a:t>en</a:t>
+            </a:r>
+            <a:r>
+              <a:rPr kumimoji="0" lang="en-US" altLang="en-US" sz="1400" b="1" i="0" u="none" strike="noStrike" cap="none" normalizeH="0" baseline="0" dirty="0">
+                <a:ln>
+                  <a:noFill/>
+                </a:ln>
+                <a:solidFill>
+                  <a:srgbClr val="008000"/>
+                </a:solidFill>
+                <a:effectLst/>
+                <a:latin typeface="Courier New" panose="02070309020205020404" pitchFamily="49" charset="0"/>
+                <a:cs typeface="Courier New" panose="02070309020205020404" pitchFamily="49" charset="0"/>
+              </a:rPr>
+              <a:t>"</a:t>
+            </a:r>
+            <a:r>
+              <a:rPr kumimoji="0" lang="en-US" altLang="en-US" sz="1400" b="0" i="0" u="none" strike="noStrike" cap="none" normalizeH="0" baseline="0" dirty="0">
+                <a:ln>
+                  <a:noFill/>
+                </a:ln>
+                <a:solidFill>
+                  <a:srgbClr val="000000"/>
+                </a:solidFill>
+                <a:effectLst/>
+                <a:latin typeface="Courier New" panose="02070309020205020404" pitchFamily="49" charset="0"/>
+                <a:cs typeface="Courier New" panose="02070309020205020404" pitchFamily="49" charset="0"/>
+              </a:rPr>
+              <a:t>&gt;</a:t>
+            </a:r>
+            <a:br>
+              <a:rPr kumimoji="0" lang="en-US" altLang="en-US" sz="1400" b="0" i="0" u="none" strike="noStrike" cap="none" normalizeH="0" baseline="0" dirty="0">
+                <a:ln>
+                  <a:noFill/>
+                </a:ln>
+                <a:solidFill>
+                  <a:srgbClr val="000000"/>
+                </a:solidFill>
+                <a:effectLst/>
+                <a:latin typeface="Courier New" panose="02070309020205020404" pitchFamily="49" charset="0"/>
+                <a:cs typeface="Courier New" panose="02070309020205020404" pitchFamily="49" charset="0"/>
+              </a:rPr>
+            </a:br>
+            <a:r>
+              <a:rPr kumimoji="0" lang="en-US" altLang="en-US" sz="1400" b="0" i="0" u="none" strike="noStrike" cap="none" normalizeH="0" baseline="0" dirty="0">
+                <a:ln>
+                  <a:noFill/>
+                </a:ln>
+                <a:solidFill>
+                  <a:srgbClr val="000000"/>
+                </a:solidFill>
+                <a:effectLst/>
+                <a:latin typeface="Courier New" panose="02070309020205020404" pitchFamily="49" charset="0"/>
+                <a:cs typeface="Courier New" panose="02070309020205020404" pitchFamily="49" charset="0"/>
+              </a:rPr>
+              <a:t>&lt;</a:t>
+            </a:r>
+            <a:r>
+              <a:rPr kumimoji="0" lang="en-US" altLang="en-US" sz="1400" b="1" i="0" u="none" strike="noStrike" cap="none" normalizeH="0" baseline="0" dirty="0">
+                <a:ln>
+                  <a:noFill/>
+                </a:ln>
+                <a:solidFill>
+                  <a:srgbClr val="000080"/>
+                </a:solidFill>
+                <a:effectLst/>
+                <a:latin typeface="Courier New" panose="02070309020205020404" pitchFamily="49" charset="0"/>
+                <a:cs typeface="Courier New" panose="02070309020205020404" pitchFamily="49" charset="0"/>
+              </a:rPr>
+              <a:t>head</a:t>
+            </a:r>
+            <a:r>
+              <a:rPr kumimoji="0" lang="en-US" altLang="en-US" sz="1400" b="0" i="0" u="none" strike="noStrike" cap="none" normalizeH="0" baseline="0" dirty="0">
+                <a:ln>
+                  <a:noFill/>
+                </a:ln>
+                <a:solidFill>
+                  <a:srgbClr val="000000"/>
+                </a:solidFill>
+                <a:effectLst/>
+                <a:latin typeface="Courier New" panose="02070309020205020404" pitchFamily="49" charset="0"/>
+                <a:cs typeface="Courier New" panose="02070309020205020404" pitchFamily="49" charset="0"/>
+              </a:rPr>
+              <a:t>&gt;</a:t>
+            </a:r>
+            <a:br>
+              <a:rPr kumimoji="0" lang="en-US" altLang="en-US" sz="1400" b="0" i="0" u="none" strike="noStrike" cap="none" normalizeH="0" baseline="0" dirty="0">
+                <a:ln>
+                  <a:noFill/>
+                </a:ln>
+                <a:solidFill>
+                  <a:srgbClr val="000000"/>
+                </a:solidFill>
+                <a:effectLst/>
+                <a:latin typeface="Courier New" panose="02070309020205020404" pitchFamily="49" charset="0"/>
+                <a:cs typeface="Courier New" panose="02070309020205020404" pitchFamily="49" charset="0"/>
+              </a:rPr>
+            </a:br>
+            <a:r>
+              <a:rPr kumimoji="0" lang="en-US" altLang="en-US" sz="1400" b="0" i="0" u="none" strike="noStrike" cap="none" normalizeH="0" baseline="0" dirty="0">
+                <a:ln>
+                  <a:noFill/>
+                </a:ln>
+                <a:solidFill>
+                  <a:srgbClr val="000000"/>
+                </a:solidFill>
+                <a:effectLst/>
+                <a:latin typeface="Courier New" panose="02070309020205020404" pitchFamily="49" charset="0"/>
+                <a:cs typeface="Courier New" panose="02070309020205020404" pitchFamily="49" charset="0"/>
+              </a:rPr>
+              <a:t>    &lt;</a:t>
+            </a:r>
+            <a:r>
+              <a:rPr kumimoji="0" lang="en-US" altLang="en-US" sz="1400" b="1" i="0" u="none" strike="noStrike" cap="none" normalizeH="0" baseline="0" dirty="0">
+                <a:ln>
+                  <a:noFill/>
+                </a:ln>
+                <a:solidFill>
+                  <a:srgbClr val="000080"/>
+                </a:solidFill>
+                <a:effectLst/>
+                <a:latin typeface="Courier New" panose="02070309020205020404" pitchFamily="49" charset="0"/>
+                <a:cs typeface="Courier New" panose="02070309020205020404" pitchFamily="49" charset="0"/>
+              </a:rPr>
+              <a:t>meta </a:t>
+            </a:r>
+            <a:r>
+              <a:rPr kumimoji="0" lang="en-US" altLang="en-US" sz="1400" b="1" i="0" u="none" strike="noStrike" cap="none" normalizeH="0" baseline="0" dirty="0">
+                <a:ln>
+                  <a:noFill/>
+                </a:ln>
+                <a:solidFill>
+                  <a:srgbClr val="0000FF"/>
+                </a:solidFill>
+                <a:effectLst/>
+                <a:latin typeface="Courier New" panose="02070309020205020404" pitchFamily="49" charset="0"/>
+                <a:cs typeface="Courier New" panose="02070309020205020404" pitchFamily="49" charset="0"/>
+              </a:rPr>
+              <a:t>charset=</a:t>
+            </a:r>
+            <a:r>
+              <a:rPr kumimoji="0" lang="en-US" altLang="en-US" sz="1400" b="1" i="0" u="none" strike="noStrike" cap="none" normalizeH="0" baseline="0" dirty="0">
+                <a:ln>
+                  <a:noFill/>
+                </a:ln>
+                <a:solidFill>
+                  <a:srgbClr val="008000"/>
+                </a:solidFill>
+                <a:effectLst/>
+                <a:latin typeface="Courier New" panose="02070309020205020404" pitchFamily="49" charset="0"/>
+                <a:cs typeface="Courier New" panose="02070309020205020404" pitchFamily="49" charset="0"/>
+              </a:rPr>
+              <a:t>"UTF-8"</a:t>
+            </a:r>
+            <a:r>
+              <a:rPr kumimoji="0" lang="en-US" altLang="en-US" sz="1400" b="0" i="0" u="none" strike="noStrike" cap="none" normalizeH="0" baseline="0" dirty="0">
+                <a:ln>
+                  <a:noFill/>
+                </a:ln>
+                <a:solidFill>
+                  <a:srgbClr val="000000"/>
+                </a:solidFill>
+                <a:effectLst/>
+                <a:latin typeface="Courier New" panose="02070309020205020404" pitchFamily="49" charset="0"/>
+                <a:cs typeface="Courier New" panose="02070309020205020404" pitchFamily="49" charset="0"/>
+              </a:rPr>
+              <a:t>&gt;</a:t>
+            </a:r>
+            <a:br>
+              <a:rPr kumimoji="0" lang="en-US" altLang="en-US" sz="1400" b="0" i="0" u="none" strike="noStrike" cap="none" normalizeH="0" baseline="0" dirty="0">
+                <a:ln>
+                  <a:noFill/>
+                </a:ln>
+                <a:solidFill>
+                  <a:srgbClr val="000000"/>
+                </a:solidFill>
+                <a:effectLst/>
+                <a:latin typeface="Courier New" panose="02070309020205020404" pitchFamily="49" charset="0"/>
+                <a:cs typeface="Courier New" panose="02070309020205020404" pitchFamily="49" charset="0"/>
+              </a:rPr>
+            </a:br>
+            <a:r>
+              <a:rPr kumimoji="0" lang="en-US" altLang="en-US" sz="1400" b="0" i="0" u="none" strike="noStrike" cap="none" normalizeH="0" baseline="0" dirty="0">
+                <a:ln>
+                  <a:noFill/>
+                </a:ln>
+                <a:solidFill>
+                  <a:srgbClr val="000000"/>
+                </a:solidFill>
+                <a:effectLst/>
+                <a:latin typeface="Courier New" panose="02070309020205020404" pitchFamily="49" charset="0"/>
+                <a:cs typeface="Courier New" panose="02070309020205020404" pitchFamily="49" charset="0"/>
+              </a:rPr>
+              <a:t>    &lt;</a:t>
+            </a:r>
+            <a:r>
+              <a:rPr kumimoji="0" lang="en-US" altLang="en-US" sz="1400" b="1" i="0" u="none" strike="noStrike" cap="none" normalizeH="0" baseline="0" dirty="0">
+                <a:ln>
+                  <a:noFill/>
+                </a:ln>
+                <a:solidFill>
+                  <a:srgbClr val="000080"/>
+                </a:solidFill>
+                <a:effectLst/>
+                <a:latin typeface="Courier New" panose="02070309020205020404" pitchFamily="49" charset="0"/>
+                <a:cs typeface="Courier New" panose="02070309020205020404" pitchFamily="49" charset="0"/>
+              </a:rPr>
+              <a:t>title</a:t>
+            </a:r>
+            <a:r>
+              <a:rPr kumimoji="0" lang="en-US" altLang="en-US" sz="1400" b="0" i="0" u="none" strike="noStrike" cap="none" normalizeH="0" baseline="0" dirty="0">
+                <a:ln>
+                  <a:noFill/>
+                </a:ln>
+                <a:solidFill>
+                  <a:srgbClr val="000000"/>
+                </a:solidFill>
+                <a:effectLst/>
+                <a:latin typeface="Courier New" panose="02070309020205020404" pitchFamily="49" charset="0"/>
+                <a:cs typeface="Courier New" panose="02070309020205020404" pitchFamily="49" charset="0"/>
+              </a:rPr>
+              <a:t>&gt;Monthly Challenge&lt;/</a:t>
+            </a:r>
+            <a:r>
+              <a:rPr kumimoji="0" lang="en-US" altLang="en-US" sz="1400" b="1" i="0" u="none" strike="noStrike" cap="none" normalizeH="0" baseline="0" dirty="0">
+                <a:ln>
+                  <a:noFill/>
+                </a:ln>
+                <a:solidFill>
+                  <a:srgbClr val="000080"/>
+                </a:solidFill>
+                <a:effectLst/>
+                <a:latin typeface="Courier New" panose="02070309020205020404" pitchFamily="49" charset="0"/>
+                <a:cs typeface="Courier New" panose="02070309020205020404" pitchFamily="49" charset="0"/>
+              </a:rPr>
+              <a:t>title</a:t>
+            </a:r>
+            <a:r>
+              <a:rPr kumimoji="0" lang="en-US" altLang="en-US" sz="1400" b="0" i="0" u="none" strike="noStrike" cap="none" normalizeH="0" baseline="0" dirty="0">
+                <a:ln>
+                  <a:noFill/>
+                </a:ln>
+                <a:solidFill>
+                  <a:srgbClr val="000000"/>
+                </a:solidFill>
+                <a:effectLst/>
+                <a:latin typeface="Courier New" panose="02070309020205020404" pitchFamily="49" charset="0"/>
+                <a:cs typeface="Courier New" panose="02070309020205020404" pitchFamily="49" charset="0"/>
+              </a:rPr>
+              <a:t>&gt;</a:t>
+            </a:r>
+            <a:br>
+              <a:rPr kumimoji="0" lang="en-US" altLang="en-US" sz="1400" b="0" i="0" u="none" strike="noStrike" cap="none" normalizeH="0" baseline="0" dirty="0">
+                <a:ln>
+                  <a:noFill/>
+                </a:ln>
+                <a:solidFill>
+                  <a:srgbClr val="000000"/>
+                </a:solidFill>
+                <a:effectLst/>
+                <a:latin typeface="Courier New" panose="02070309020205020404" pitchFamily="49" charset="0"/>
+                <a:cs typeface="Courier New" panose="02070309020205020404" pitchFamily="49" charset="0"/>
+              </a:rPr>
+            </a:br>
+            <a:r>
+              <a:rPr kumimoji="0" lang="en-US" altLang="en-US" sz="1400" b="0" i="0" u="none" strike="noStrike" cap="none" normalizeH="0" baseline="0" dirty="0">
+                <a:ln>
+                  <a:noFill/>
+                </a:ln>
+                <a:solidFill>
+                  <a:srgbClr val="000000"/>
+                </a:solidFill>
+                <a:effectLst/>
+                <a:latin typeface="Courier New" panose="02070309020205020404" pitchFamily="49" charset="0"/>
+                <a:cs typeface="Courier New" panose="02070309020205020404" pitchFamily="49" charset="0"/>
+              </a:rPr>
+              <a:t>&lt;/</a:t>
+            </a:r>
+            <a:r>
+              <a:rPr kumimoji="0" lang="en-US" altLang="en-US" sz="1400" b="1" i="0" u="none" strike="noStrike" cap="none" normalizeH="0" baseline="0" dirty="0">
+                <a:ln>
+                  <a:noFill/>
+                </a:ln>
+                <a:solidFill>
+                  <a:srgbClr val="000080"/>
+                </a:solidFill>
+                <a:effectLst/>
+                <a:latin typeface="Courier New" panose="02070309020205020404" pitchFamily="49" charset="0"/>
+                <a:cs typeface="Courier New" panose="02070309020205020404" pitchFamily="49" charset="0"/>
+              </a:rPr>
+              <a:t>head</a:t>
+            </a:r>
+            <a:r>
+              <a:rPr kumimoji="0" lang="en-US" altLang="en-US" sz="1400" b="0" i="0" u="none" strike="noStrike" cap="none" normalizeH="0" baseline="0" dirty="0">
+                <a:ln>
+                  <a:noFill/>
+                </a:ln>
+                <a:solidFill>
+                  <a:srgbClr val="000000"/>
+                </a:solidFill>
+                <a:effectLst/>
+                <a:latin typeface="Courier New" panose="02070309020205020404" pitchFamily="49" charset="0"/>
+                <a:cs typeface="Courier New" panose="02070309020205020404" pitchFamily="49" charset="0"/>
+              </a:rPr>
+              <a:t>&gt;</a:t>
+            </a:r>
+            <a:br>
+              <a:rPr kumimoji="0" lang="en-US" altLang="en-US" sz="1400" b="0" i="0" u="none" strike="noStrike" cap="none" normalizeH="0" baseline="0" dirty="0">
+                <a:ln>
+                  <a:noFill/>
+                </a:ln>
+                <a:solidFill>
+                  <a:srgbClr val="000000"/>
+                </a:solidFill>
+                <a:effectLst/>
+                <a:latin typeface="Courier New" panose="02070309020205020404" pitchFamily="49" charset="0"/>
+                <a:cs typeface="Courier New" panose="02070309020205020404" pitchFamily="49" charset="0"/>
+              </a:rPr>
+            </a:br>
+            <a:r>
+              <a:rPr kumimoji="0" lang="en-US" altLang="en-US" sz="1400" b="0" i="0" u="none" strike="noStrike" cap="none" normalizeH="0" baseline="0" dirty="0">
+                <a:ln>
+                  <a:noFill/>
+                </a:ln>
+                <a:solidFill>
+                  <a:srgbClr val="000000"/>
+                </a:solidFill>
+                <a:effectLst/>
+                <a:latin typeface="Courier New" panose="02070309020205020404" pitchFamily="49" charset="0"/>
+                <a:cs typeface="Courier New" panose="02070309020205020404" pitchFamily="49" charset="0"/>
+              </a:rPr>
+              <a:t>&lt;</a:t>
+            </a:r>
+            <a:r>
+              <a:rPr kumimoji="0" lang="en-US" altLang="en-US" sz="1400" b="1" i="0" u="none" strike="noStrike" cap="none" normalizeH="0" baseline="0" dirty="0">
+                <a:ln>
+                  <a:noFill/>
+                </a:ln>
+                <a:solidFill>
+                  <a:srgbClr val="000080"/>
+                </a:solidFill>
+                <a:effectLst/>
+                <a:latin typeface="Courier New" panose="02070309020205020404" pitchFamily="49" charset="0"/>
+                <a:cs typeface="Courier New" panose="02070309020205020404" pitchFamily="49" charset="0"/>
+              </a:rPr>
+              <a:t>body</a:t>
+            </a:r>
+            <a:r>
+              <a:rPr kumimoji="0" lang="en-US" altLang="en-US" sz="1400" b="0" i="0" u="none" strike="noStrike" cap="none" normalizeH="0" baseline="0" dirty="0">
+                <a:ln>
+                  <a:noFill/>
+                </a:ln>
+                <a:solidFill>
+                  <a:srgbClr val="000000"/>
+                </a:solidFill>
+                <a:effectLst/>
+                <a:latin typeface="Courier New" panose="02070309020205020404" pitchFamily="49" charset="0"/>
+                <a:cs typeface="Courier New" panose="02070309020205020404" pitchFamily="49" charset="0"/>
+              </a:rPr>
+              <a:t>&gt;</a:t>
+            </a:r>
+            <a:br>
+              <a:rPr kumimoji="0" lang="en-US" altLang="en-US" sz="1400" b="0" i="0" u="none" strike="noStrike" cap="none" normalizeH="0" baseline="0" dirty="0">
+                <a:ln>
+                  <a:noFill/>
+                </a:ln>
+                <a:solidFill>
+                  <a:srgbClr val="000000"/>
+                </a:solidFill>
+                <a:effectLst/>
+                <a:latin typeface="Courier New" panose="02070309020205020404" pitchFamily="49" charset="0"/>
+                <a:cs typeface="Courier New" panose="02070309020205020404" pitchFamily="49" charset="0"/>
+              </a:rPr>
+            </a:br>
+            <a:r>
+              <a:rPr kumimoji="0" lang="en-US" altLang="en-US" sz="1400" b="0" i="0" u="none" strike="noStrike" cap="none" normalizeH="0" baseline="0" dirty="0">
+                <a:ln>
+                  <a:noFill/>
+                </a:ln>
+                <a:solidFill>
+                  <a:srgbClr val="000000"/>
+                </a:solidFill>
+                <a:effectLst/>
+                <a:latin typeface="Courier New" panose="02070309020205020404" pitchFamily="49" charset="0"/>
+                <a:cs typeface="Courier New" panose="02070309020205020404" pitchFamily="49" charset="0"/>
+              </a:rPr>
+              <a:t>    &lt;</a:t>
+            </a:r>
+            <a:r>
+              <a:rPr kumimoji="0" lang="en-US" altLang="en-US" sz="1400" b="1" i="0" u="none" strike="noStrike" cap="none" normalizeH="0" baseline="0" dirty="0">
+                <a:ln>
+                  <a:noFill/>
+                </a:ln>
+                <a:solidFill>
+                  <a:srgbClr val="000080"/>
+                </a:solidFill>
+                <a:effectLst/>
+                <a:latin typeface="Courier New" panose="02070309020205020404" pitchFamily="49" charset="0"/>
+                <a:cs typeface="Courier New" panose="02070309020205020404" pitchFamily="49" charset="0"/>
+              </a:rPr>
+              <a:t>h1</a:t>
+            </a:r>
+            <a:r>
+              <a:rPr kumimoji="0" lang="en-US" altLang="en-US" sz="1400" b="0" i="0" u="none" strike="noStrike" cap="none" normalizeH="0" baseline="0" dirty="0">
+                <a:ln>
+                  <a:noFill/>
+                </a:ln>
+                <a:solidFill>
+                  <a:srgbClr val="000000"/>
+                </a:solidFill>
+                <a:effectLst/>
+                <a:latin typeface="Courier New" panose="02070309020205020404" pitchFamily="49" charset="0"/>
+                <a:cs typeface="Courier New" panose="02070309020205020404" pitchFamily="49" charset="0"/>
+              </a:rPr>
+              <a:t>&gt;This is a monthly challenge&lt;/</a:t>
+            </a:r>
+            <a:r>
+              <a:rPr kumimoji="0" lang="en-US" altLang="en-US" sz="1400" b="1" i="0" u="none" strike="noStrike" cap="none" normalizeH="0" baseline="0" dirty="0">
+                <a:ln>
+                  <a:noFill/>
+                </a:ln>
+                <a:solidFill>
+                  <a:srgbClr val="000080"/>
+                </a:solidFill>
+                <a:effectLst/>
+                <a:latin typeface="Courier New" panose="02070309020205020404" pitchFamily="49" charset="0"/>
+                <a:cs typeface="Courier New" panose="02070309020205020404" pitchFamily="49" charset="0"/>
+              </a:rPr>
+              <a:t>h1</a:t>
+            </a:r>
+            <a:r>
+              <a:rPr kumimoji="0" lang="en-US" altLang="en-US" sz="1400" b="0" i="0" u="none" strike="noStrike" cap="none" normalizeH="0" baseline="0" dirty="0">
+                <a:ln>
+                  <a:noFill/>
+                </a:ln>
+                <a:solidFill>
+                  <a:srgbClr val="000000"/>
+                </a:solidFill>
+                <a:effectLst/>
+                <a:latin typeface="Courier New" panose="02070309020205020404" pitchFamily="49" charset="0"/>
+                <a:cs typeface="Courier New" panose="02070309020205020404" pitchFamily="49" charset="0"/>
+              </a:rPr>
+              <a:t>&gt;</a:t>
+            </a:r>
+            <a:br>
+              <a:rPr kumimoji="0" lang="en-US" altLang="en-US" sz="1400" b="0" i="0" u="none" strike="noStrike" cap="none" normalizeH="0" baseline="0" dirty="0">
+                <a:ln>
+                  <a:noFill/>
+                </a:ln>
+                <a:solidFill>
+                  <a:srgbClr val="000000"/>
+                </a:solidFill>
+                <a:effectLst/>
+                <a:latin typeface="Courier New" panose="02070309020205020404" pitchFamily="49" charset="0"/>
+                <a:cs typeface="Courier New" panose="02070309020205020404" pitchFamily="49" charset="0"/>
+              </a:rPr>
+            </a:br>
+            <a:r>
+              <a:rPr kumimoji="0" lang="en-US" altLang="en-US" sz="1400" b="0" i="0" u="none" strike="noStrike" cap="none" normalizeH="0" baseline="0" dirty="0">
+                <a:ln>
+                  <a:noFill/>
+                </a:ln>
+                <a:solidFill>
+                  <a:srgbClr val="000000"/>
+                </a:solidFill>
+                <a:effectLst/>
+                <a:latin typeface="Courier New" panose="02070309020205020404" pitchFamily="49" charset="0"/>
+                <a:cs typeface="Courier New" panose="02070309020205020404" pitchFamily="49" charset="0"/>
+              </a:rPr>
+              <a:t>    &lt;</a:t>
+            </a:r>
+            <a:r>
+              <a:rPr kumimoji="0" lang="en-US" altLang="en-US" sz="1400" b="1" i="0" u="none" strike="noStrike" cap="none" normalizeH="0" baseline="0" dirty="0">
+                <a:ln>
+                  <a:noFill/>
+                </a:ln>
+                <a:solidFill>
+                  <a:srgbClr val="000080"/>
+                </a:solidFill>
+                <a:effectLst/>
+                <a:latin typeface="Courier New" panose="02070309020205020404" pitchFamily="49" charset="0"/>
+                <a:cs typeface="Courier New" panose="02070309020205020404" pitchFamily="49" charset="0"/>
+              </a:rPr>
+              <a:t>h2</a:t>
+            </a:r>
+            <a:r>
+              <a:rPr kumimoji="0" lang="en-US" altLang="en-US" sz="1400" b="0" i="0" u="none" strike="noStrike" cap="none" normalizeH="0" baseline="0" dirty="0">
+                <a:ln>
+                  <a:noFill/>
+                </a:ln>
+                <a:solidFill>
+                  <a:srgbClr val="000000"/>
+                </a:solidFill>
+                <a:effectLst/>
+                <a:latin typeface="Courier New" panose="02070309020205020404" pitchFamily="49" charset="0"/>
+                <a:cs typeface="Courier New" panose="02070309020205020404" pitchFamily="49" charset="0"/>
+              </a:rPr>
+              <a:t>&gt;</a:t>
+            </a:r>
+            <a:r>
+              <a:rPr kumimoji="0" lang="en-US" altLang="en-US" sz="1400" b="0" i="0" u="none" strike="noStrike" cap="none" normalizeH="0" baseline="0" dirty="0">
+                <a:ln>
+                  <a:noFill/>
+                </a:ln>
+                <a:solidFill>
+                  <a:srgbClr val="FF0000"/>
+                </a:solidFill>
+                <a:effectLst/>
+                <a:latin typeface="Courier New" panose="02070309020205020404" pitchFamily="49" charset="0"/>
+                <a:cs typeface="Courier New" panose="02070309020205020404" pitchFamily="49" charset="0"/>
+              </a:rPr>
+              <a:t>{{ text }}</a:t>
+            </a:r>
+            <a:r>
+              <a:rPr kumimoji="0" lang="en-US" altLang="en-US" sz="1400" b="0" i="0" u="none" strike="noStrike" cap="none" normalizeH="0" baseline="0" dirty="0">
+                <a:ln>
+                  <a:noFill/>
+                </a:ln>
+                <a:solidFill>
+                  <a:srgbClr val="000000"/>
+                </a:solidFill>
+                <a:effectLst/>
+                <a:latin typeface="Courier New" panose="02070309020205020404" pitchFamily="49" charset="0"/>
+                <a:cs typeface="Courier New" panose="02070309020205020404" pitchFamily="49" charset="0"/>
+              </a:rPr>
+              <a:t>&lt;/</a:t>
+            </a:r>
+            <a:r>
+              <a:rPr kumimoji="0" lang="en-US" altLang="en-US" sz="1400" b="1" i="0" u="none" strike="noStrike" cap="none" normalizeH="0" baseline="0" dirty="0">
+                <a:ln>
+                  <a:noFill/>
+                </a:ln>
+                <a:solidFill>
+                  <a:srgbClr val="000080"/>
+                </a:solidFill>
+                <a:effectLst/>
+                <a:latin typeface="Courier New" panose="02070309020205020404" pitchFamily="49" charset="0"/>
+                <a:cs typeface="Courier New" panose="02070309020205020404" pitchFamily="49" charset="0"/>
+              </a:rPr>
+              <a:t>h2</a:t>
+            </a:r>
+            <a:r>
+              <a:rPr kumimoji="0" lang="en-US" altLang="en-US" sz="1400" b="0" i="0" u="none" strike="noStrike" cap="none" normalizeH="0" baseline="0" dirty="0">
+                <a:ln>
+                  <a:noFill/>
+                </a:ln>
+                <a:solidFill>
+                  <a:srgbClr val="000000"/>
+                </a:solidFill>
+                <a:effectLst/>
+                <a:latin typeface="Courier New" panose="02070309020205020404" pitchFamily="49" charset="0"/>
+                <a:cs typeface="Courier New" panose="02070309020205020404" pitchFamily="49" charset="0"/>
+              </a:rPr>
+              <a:t>&gt;</a:t>
+            </a:r>
+            <a:br>
+              <a:rPr kumimoji="0" lang="en-US" altLang="en-US" sz="1400" b="0" i="0" u="none" strike="noStrike" cap="none" normalizeH="0" baseline="0" dirty="0">
+                <a:ln>
+                  <a:noFill/>
+                </a:ln>
+                <a:solidFill>
+                  <a:srgbClr val="000000"/>
+                </a:solidFill>
+                <a:effectLst/>
+                <a:latin typeface="Courier New" panose="02070309020205020404" pitchFamily="49" charset="0"/>
+                <a:cs typeface="Courier New" panose="02070309020205020404" pitchFamily="49" charset="0"/>
+              </a:rPr>
+            </a:br>
+            <a:r>
+              <a:rPr kumimoji="0" lang="en-US" altLang="en-US" sz="1400" b="0" i="0" u="none" strike="noStrike" cap="none" normalizeH="0" baseline="0" dirty="0">
+                <a:ln>
+                  <a:noFill/>
+                </a:ln>
+                <a:solidFill>
+                  <a:srgbClr val="000000"/>
+                </a:solidFill>
+                <a:effectLst/>
+                <a:latin typeface="Courier New" panose="02070309020205020404" pitchFamily="49" charset="0"/>
+                <a:cs typeface="Courier New" panose="02070309020205020404" pitchFamily="49" charset="0"/>
+              </a:rPr>
+              <a:t>&lt;/</a:t>
+            </a:r>
+            <a:r>
+              <a:rPr kumimoji="0" lang="en-US" altLang="en-US" sz="1400" b="1" i="0" u="none" strike="noStrike" cap="none" normalizeH="0" baseline="0" dirty="0">
+                <a:ln>
+                  <a:noFill/>
+                </a:ln>
+                <a:solidFill>
+                  <a:srgbClr val="000080"/>
+                </a:solidFill>
+                <a:effectLst/>
+                <a:latin typeface="Courier New" panose="02070309020205020404" pitchFamily="49" charset="0"/>
+                <a:cs typeface="Courier New" panose="02070309020205020404" pitchFamily="49" charset="0"/>
+              </a:rPr>
+              <a:t>body</a:t>
+            </a:r>
+            <a:r>
+              <a:rPr kumimoji="0" lang="en-US" altLang="en-US" sz="1400" b="0" i="0" u="none" strike="noStrike" cap="none" normalizeH="0" baseline="0" dirty="0">
+                <a:ln>
+                  <a:noFill/>
+                </a:ln>
+                <a:solidFill>
+                  <a:srgbClr val="000000"/>
+                </a:solidFill>
+                <a:effectLst/>
+                <a:latin typeface="Courier New" panose="02070309020205020404" pitchFamily="49" charset="0"/>
+                <a:cs typeface="Courier New" panose="02070309020205020404" pitchFamily="49" charset="0"/>
+              </a:rPr>
+              <a:t>&gt;</a:t>
+            </a:r>
+            <a:br>
+              <a:rPr kumimoji="0" lang="en-US" altLang="en-US" sz="1400" b="0" i="0" u="none" strike="noStrike" cap="none" normalizeH="0" baseline="0" dirty="0">
+                <a:ln>
+                  <a:noFill/>
+                </a:ln>
+                <a:solidFill>
+                  <a:srgbClr val="000000"/>
+                </a:solidFill>
+                <a:effectLst/>
+                <a:latin typeface="Courier New" panose="02070309020205020404" pitchFamily="49" charset="0"/>
+                <a:cs typeface="Courier New" panose="02070309020205020404" pitchFamily="49" charset="0"/>
+              </a:rPr>
+            </a:br>
+            <a:r>
+              <a:rPr kumimoji="0" lang="en-US" altLang="en-US" sz="1400" b="0" i="0" u="none" strike="noStrike" cap="none" normalizeH="0" baseline="0" dirty="0">
+                <a:ln>
+                  <a:noFill/>
+                </a:ln>
+                <a:solidFill>
+                  <a:srgbClr val="000000"/>
+                </a:solidFill>
+                <a:effectLst/>
+                <a:latin typeface="Courier New" panose="02070309020205020404" pitchFamily="49" charset="0"/>
+                <a:cs typeface="Courier New" panose="02070309020205020404" pitchFamily="49" charset="0"/>
+              </a:rPr>
+              <a:t>&lt;/</a:t>
+            </a:r>
+            <a:r>
+              <a:rPr kumimoji="0" lang="en-US" altLang="en-US" sz="1400" b="1" i="0" u="none" strike="noStrike" cap="none" normalizeH="0" baseline="0" dirty="0">
+                <a:ln>
+                  <a:noFill/>
+                </a:ln>
+                <a:solidFill>
+                  <a:srgbClr val="000080"/>
+                </a:solidFill>
+                <a:effectLst/>
+                <a:latin typeface="Courier New" panose="02070309020205020404" pitchFamily="49" charset="0"/>
+                <a:cs typeface="Courier New" panose="02070309020205020404" pitchFamily="49" charset="0"/>
+              </a:rPr>
+              <a:t>html</a:t>
+            </a:r>
+            <a:r>
+              <a:rPr kumimoji="0" lang="en-US" altLang="en-US" sz="1400" b="0" i="0" u="none" strike="noStrike" cap="none" normalizeH="0" baseline="0" dirty="0">
+                <a:ln>
+                  <a:noFill/>
+                </a:ln>
+                <a:solidFill>
+                  <a:srgbClr val="000000"/>
+                </a:solidFill>
+                <a:effectLst/>
+                <a:latin typeface="Courier New" panose="02070309020205020404" pitchFamily="49" charset="0"/>
+                <a:cs typeface="Courier New" panose="02070309020205020404" pitchFamily="49" charset="0"/>
+              </a:rPr>
+              <a:t>&gt;</a:t>
+            </a:r>
+            <a:endParaRPr kumimoji="0" lang="en-US" altLang="en-US" sz="1400" b="0" i="0" u="none" strike="noStrike" cap="none" normalizeH="0" baseline="0" dirty="0">
+              <a:ln>
+                <a:noFill/>
+              </a:ln>
+              <a:solidFill>
+                <a:schemeClr val="tx1"/>
+              </a:solidFill>
+              <a:effectLst/>
+              <a:latin typeface="Arial" panose="020B0604020202020204" pitchFamily="34" charset="0"/>
+            </a:endParaRPr>
+          </a:p>
+        </p:txBody>
+      </p:sp>
+    </p:spTree>
+    <p:extLst>
+      <p:ext uri="{BB962C8B-B14F-4D97-AF65-F5344CB8AC3E}">
+        <p14:creationId xmlns:p14="http://schemas.microsoft.com/office/powerpoint/2010/main" val="3975982349"/>
+      </p:ext>
+    </p:extLst>
+  </p:cSld>
+  <p:clrMapOvr>
+    <a:masterClrMapping/>
+  </p:clrMapOvr>
+</p:sld>
+</file>
+
 <file path=ppt/slides/slide8.xml><?xml version="1.0" encoding="utf-8"?>
 <p:sld xmlns:a="http://schemas.openxmlformats.org/drawingml/2006/main" xmlns:r="http://schemas.openxmlformats.org/officeDocument/2006/relationships" xmlns:p="http://schemas.openxmlformats.org/presentationml/2006/main">
   <p:cSld>
@@ -24554,6 +26671,2698 @@
     <p:extLst>
       <p:ext uri="{BB962C8B-B14F-4D97-AF65-F5344CB8AC3E}">
         <p14:creationId xmlns:p14="http://schemas.microsoft.com/office/powerpoint/2010/main" val="3059033956"/>
+      </p:ext>
+    </p:extLst>
+  </p:cSld>
+  <p:clrMapOvr>
+    <a:masterClrMapping/>
+  </p:clrMapOvr>
+</p:sld>
+</file>
+
+<file path=ppt/slides/slide80.xml><?xml version="1.0" encoding="utf-8"?>
+<p:sld xmlns:a="http://schemas.openxmlformats.org/drawingml/2006/main" xmlns:r="http://schemas.openxmlformats.org/officeDocument/2006/relationships" xmlns:p="http://schemas.openxmlformats.org/presentationml/2006/main">
+  <p:cSld>
+    <p:spTree>
+      <p:nvGrpSpPr>
+        <p:cNvPr id="1" name=""/>
+        <p:cNvGrpSpPr/>
+        <p:nvPr/>
+      </p:nvGrpSpPr>
+      <p:grpSpPr>
+        <a:xfrm>
+          <a:off x="0" y="0"/>
+          <a:ext cx="0" cy="0"/>
+          <a:chOff x="0" y="0"/>
+          <a:chExt cx="0" cy="0"/>
+        </a:xfrm>
+      </p:grpSpPr>
+      <p:sp>
+        <p:nvSpPr>
+          <p:cNvPr id="2" name="Title 1">
+            <a:extLst>
+              <a:ext uri="{FF2B5EF4-FFF2-40B4-BE49-F238E27FC236}">
+                <a16:creationId xmlns:a16="http://schemas.microsoft.com/office/drawing/2014/main" id="{620E098D-5539-40B1-AD06-B446BFBD94E0}"/>
+              </a:ext>
+            </a:extLst>
+          </p:cNvPr>
+          <p:cNvSpPr>
+            <a:spLocks noGrp="1"/>
+          </p:cNvSpPr>
+          <p:nvPr>
+            <p:ph type="title"/>
+          </p:nvPr>
+        </p:nvSpPr>
+        <p:spPr/>
+        <p:txBody>
+          <a:bodyPr/>
+          <a:lstStyle/>
+          <a:p>
+            <a:r>
+              <a:rPr lang="en-US" dirty="0"/>
+              <a:t>Filters</a:t>
+            </a:r>
+            <a:endParaRPr lang="en-IN" dirty="0"/>
+          </a:p>
+        </p:txBody>
+      </p:sp>
+      <p:sp>
+        <p:nvSpPr>
+          <p:cNvPr id="3" name="Content Placeholder 2">
+            <a:extLst>
+              <a:ext uri="{FF2B5EF4-FFF2-40B4-BE49-F238E27FC236}">
+                <a16:creationId xmlns:a16="http://schemas.microsoft.com/office/drawing/2014/main" id="{D690B3F0-1774-4102-A95F-FBB06E8B37AE}"/>
+              </a:ext>
+            </a:extLst>
+          </p:cNvPr>
+          <p:cNvSpPr>
+            <a:spLocks noGrp="1"/>
+          </p:cNvSpPr>
+          <p:nvPr>
+            <p:ph idx="1"/>
+          </p:nvPr>
+        </p:nvSpPr>
+        <p:spPr/>
+        <p:txBody>
+          <a:bodyPr/>
+          <a:lstStyle/>
+          <a:p>
+            <a:r>
+              <a:rPr lang="en-US" dirty="0"/>
+              <a:t>Perform formatting on templates only</a:t>
+            </a:r>
+          </a:p>
+          <a:p>
+            <a:r>
+              <a:rPr lang="en-IN" dirty="0"/>
+              <a:t>Visit </a:t>
+            </a:r>
+            <a:r>
+              <a:rPr lang="en-IN" dirty="0">
+                <a:hlinkClick r:id="rId2"/>
+              </a:rPr>
+              <a:t>https://docs.djangoproject.com/en/3.2/ref/templates/builtins/</a:t>
+            </a:r>
+            <a:endParaRPr lang="en-IN" dirty="0"/>
+          </a:p>
+          <a:p>
+            <a:r>
+              <a:rPr lang="en-IN" dirty="0"/>
+              <a:t>Formatting that can be applied to so some simple formatting</a:t>
+            </a:r>
+          </a:p>
+          <a:p>
+            <a:r>
+              <a:rPr lang="en-IN" dirty="0"/>
+              <a:t>This are part of the DTL</a:t>
+            </a:r>
+          </a:p>
+        </p:txBody>
+      </p:sp>
+    </p:spTree>
+    <p:extLst>
+      <p:ext uri="{BB962C8B-B14F-4D97-AF65-F5344CB8AC3E}">
+        <p14:creationId xmlns:p14="http://schemas.microsoft.com/office/powerpoint/2010/main" val="304918209"/>
+      </p:ext>
+    </p:extLst>
+  </p:cSld>
+  <p:clrMapOvr>
+    <a:masterClrMapping/>
+  </p:clrMapOvr>
+</p:sld>
+</file>
+
+<file path=ppt/slides/slide81.xml><?xml version="1.0" encoding="utf-8"?>
+<p:sld xmlns:a="http://schemas.openxmlformats.org/drawingml/2006/main" xmlns:r="http://schemas.openxmlformats.org/officeDocument/2006/relationships" xmlns:p="http://schemas.openxmlformats.org/presentationml/2006/main">
+  <p:cSld>
+    <p:spTree>
+      <p:nvGrpSpPr>
+        <p:cNvPr id="1" name=""/>
+        <p:cNvGrpSpPr/>
+        <p:nvPr/>
+      </p:nvGrpSpPr>
+      <p:grpSpPr>
+        <a:xfrm>
+          <a:off x="0" y="0"/>
+          <a:ext cx="0" cy="0"/>
+          <a:chOff x="0" y="0"/>
+          <a:chExt cx="0" cy="0"/>
+        </a:xfrm>
+      </p:grpSpPr>
+      <p:sp>
+        <p:nvSpPr>
+          <p:cNvPr id="2" name="Title 1">
+            <a:extLst>
+              <a:ext uri="{FF2B5EF4-FFF2-40B4-BE49-F238E27FC236}">
+                <a16:creationId xmlns:a16="http://schemas.microsoft.com/office/drawing/2014/main" id="{83BB2357-515F-4235-9148-F197AA770B1D}"/>
+              </a:ext>
+            </a:extLst>
+          </p:cNvPr>
+          <p:cNvSpPr>
+            <a:spLocks noGrp="1"/>
+          </p:cNvSpPr>
+          <p:nvPr>
+            <p:ph type="title"/>
+          </p:nvPr>
+        </p:nvSpPr>
+        <p:spPr/>
+        <p:txBody>
+          <a:bodyPr/>
+          <a:lstStyle/>
+          <a:p>
+            <a:r>
+              <a:rPr lang="en-IN" dirty="0"/>
+              <a:t>Tags</a:t>
+            </a:r>
+          </a:p>
+        </p:txBody>
+      </p:sp>
+      <p:sp>
+        <p:nvSpPr>
+          <p:cNvPr id="3" name="Content Placeholder 2">
+            <a:extLst>
+              <a:ext uri="{FF2B5EF4-FFF2-40B4-BE49-F238E27FC236}">
+                <a16:creationId xmlns:a16="http://schemas.microsoft.com/office/drawing/2014/main" id="{13AE30CF-C5D0-4438-A8A4-A4B74189B42E}"/>
+              </a:ext>
+            </a:extLst>
+          </p:cNvPr>
+          <p:cNvSpPr>
+            <a:spLocks noGrp="1"/>
+          </p:cNvSpPr>
+          <p:nvPr>
+            <p:ph idx="1"/>
+          </p:nvPr>
+        </p:nvSpPr>
+        <p:spPr/>
+        <p:txBody>
+          <a:bodyPr/>
+          <a:lstStyle/>
+          <a:p>
+            <a:r>
+              <a:rPr lang="en-IN" dirty="0"/>
+              <a:t>All tags are created within {% %}</a:t>
+            </a:r>
+          </a:p>
+          <a:p>
+            <a:r>
+              <a:rPr lang="en-IN" dirty="0"/>
+              <a:t>Ex lets create a for tag to iterate through months</a:t>
+            </a:r>
+          </a:p>
+          <a:p>
+            <a:pPr marL="457200" lvl="1" indent="0">
+              <a:buNone/>
+            </a:pPr>
+            <a:r>
+              <a:rPr lang="en-IN" dirty="0"/>
+              <a:t>{% for month in months %}</a:t>
+            </a:r>
+          </a:p>
+          <a:p>
+            <a:pPr marL="457200" lvl="1" indent="0">
+              <a:buNone/>
+            </a:pPr>
+            <a:r>
+              <a:rPr lang="en-IN" dirty="0"/>
+              <a:t>	&lt;li&gt;{{ </a:t>
+            </a:r>
+            <a:r>
+              <a:rPr lang="en-IN" dirty="0" err="1"/>
+              <a:t>month|title</a:t>
+            </a:r>
+            <a:r>
+              <a:rPr lang="en-IN" dirty="0"/>
+              <a:t> }}&lt;/li&gt;</a:t>
+            </a:r>
+          </a:p>
+          <a:p>
+            <a:pPr marL="457200" lvl="1" indent="0">
+              <a:buNone/>
+            </a:pPr>
+            <a:r>
+              <a:rPr lang="en-IN" dirty="0"/>
+              <a:t>{% </a:t>
+            </a:r>
+            <a:r>
+              <a:rPr lang="en-IN" dirty="0" err="1"/>
+              <a:t>endfor</a:t>
+            </a:r>
+            <a:r>
+              <a:rPr lang="en-IN" dirty="0"/>
+              <a:t> %}</a:t>
+            </a:r>
+          </a:p>
+        </p:txBody>
+      </p:sp>
+    </p:spTree>
+    <p:extLst>
+      <p:ext uri="{BB962C8B-B14F-4D97-AF65-F5344CB8AC3E}">
+        <p14:creationId xmlns:p14="http://schemas.microsoft.com/office/powerpoint/2010/main" val="2080760852"/>
+      </p:ext>
+    </p:extLst>
+  </p:cSld>
+  <p:clrMapOvr>
+    <a:masterClrMapping/>
+  </p:clrMapOvr>
+</p:sld>
+</file>
+
+<file path=ppt/slides/slide82.xml><?xml version="1.0" encoding="utf-8"?>
+<p:sld xmlns:a="http://schemas.openxmlformats.org/drawingml/2006/main" xmlns:r="http://schemas.openxmlformats.org/officeDocument/2006/relationships" xmlns:p="http://schemas.openxmlformats.org/presentationml/2006/main">
+  <p:cSld>
+    <p:spTree>
+      <p:nvGrpSpPr>
+        <p:cNvPr id="1" name=""/>
+        <p:cNvGrpSpPr/>
+        <p:nvPr/>
+      </p:nvGrpSpPr>
+      <p:grpSpPr>
+        <a:xfrm>
+          <a:off x="0" y="0"/>
+          <a:ext cx="0" cy="0"/>
+          <a:chOff x="0" y="0"/>
+          <a:chExt cx="0" cy="0"/>
+        </a:xfrm>
+      </p:grpSpPr>
+      <p:sp>
+        <p:nvSpPr>
+          <p:cNvPr id="2" name="Title 1">
+            <a:extLst>
+              <a:ext uri="{FF2B5EF4-FFF2-40B4-BE49-F238E27FC236}">
+                <a16:creationId xmlns:a16="http://schemas.microsoft.com/office/drawing/2014/main" id="{AE6BC1D0-F63E-457B-9FE6-1ECAA926D4CF}"/>
+              </a:ext>
+            </a:extLst>
+          </p:cNvPr>
+          <p:cNvSpPr>
+            <a:spLocks noGrp="1"/>
+          </p:cNvSpPr>
+          <p:nvPr>
+            <p:ph type="title"/>
+          </p:nvPr>
+        </p:nvSpPr>
+        <p:spPr/>
+        <p:txBody>
+          <a:bodyPr/>
+          <a:lstStyle/>
+          <a:p>
+            <a:r>
+              <a:rPr lang="en-IN" dirty="0"/>
+              <a:t>URL tags for dynamic URLs</a:t>
+            </a:r>
+          </a:p>
+        </p:txBody>
+      </p:sp>
+      <p:sp>
+        <p:nvSpPr>
+          <p:cNvPr id="3" name="Content Placeholder 2">
+            <a:extLst>
+              <a:ext uri="{FF2B5EF4-FFF2-40B4-BE49-F238E27FC236}">
+                <a16:creationId xmlns:a16="http://schemas.microsoft.com/office/drawing/2014/main" id="{C0D57D7F-DAA0-4497-912B-EB66740FE851}"/>
+              </a:ext>
+            </a:extLst>
+          </p:cNvPr>
+          <p:cNvSpPr>
+            <a:spLocks noGrp="1"/>
+          </p:cNvSpPr>
+          <p:nvPr>
+            <p:ph idx="1"/>
+          </p:nvPr>
+        </p:nvSpPr>
+        <p:spPr/>
+        <p:txBody>
+          <a:bodyPr/>
+          <a:lstStyle/>
+          <a:p>
+            <a:r>
+              <a:rPr lang="en-IN" dirty="0"/>
+              <a:t>Lets populate the </a:t>
+            </a:r>
+            <a:r>
+              <a:rPr lang="en-IN" dirty="0" err="1"/>
+              <a:t>href</a:t>
+            </a:r>
+            <a:r>
+              <a:rPr lang="en-IN" dirty="0"/>
+              <a:t> in the previous example</a:t>
+            </a:r>
+          </a:p>
+          <a:p>
+            <a:r>
+              <a:rPr lang="en-IN" dirty="0"/>
+              <a:t>Lets use the URL tag which is essentially a reverse function </a:t>
+            </a:r>
+          </a:p>
+          <a:p>
+            <a:pPr marL="0" indent="0">
+              <a:buNone/>
+            </a:pPr>
+            <a:endParaRPr lang="en-IN" dirty="0"/>
+          </a:p>
+          <a:p>
+            <a:pPr marL="0" indent="0">
+              <a:buNone/>
+            </a:pPr>
+            <a:endParaRPr lang="en-IN" dirty="0"/>
+          </a:p>
+        </p:txBody>
+      </p:sp>
+      <p:sp>
+        <p:nvSpPr>
+          <p:cNvPr id="4" name="Rectangle 1">
+            <a:extLst>
+              <a:ext uri="{FF2B5EF4-FFF2-40B4-BE49-F238E27FC236}">
+                <a16:creationId xmlns:a16="http://schemas.microsoft.com/office/drawing/2014/main" id="{C21C2230-7F4C-4D91-90EE-C1125CA6B922}"/>
+              </a:ext>
+            </a:extLst>
+          </p:cNvPr>
+          <p:cNvSpPr>
+            <a:spLocks noChangeArrowheads="1"/>
+          </p:cNvSpPr>
+          <p:nvPr/>
+        </p:nvSpPr>
+        <p:spPr bwMode="auto">
+          <a:xfrm>
+            <a:off x="1040235" y="3090446"/>
+            <a:ext cx="6014906" cy="338554"/>
+          </a:xfrm>
+          <a:prstGeom prst="rect">
+            <a:avLst/>
+          </a:prstGeom>
+          <a:solidFill>
+            <a:srgbClr val="FFFFFF"/>
+          </a:solidFill>
+          <a:ln>
+            <a:noFill/>
+          </a:ln>
+          <a:effectLst/>
+          <a:extLst>
+            <a:ext uri="{91240B29-F687-4F45-9708-019B960494DF}">
+              <a14:hiddenLine xmlns:a14="http://schemas.microsoft.com/office/drawing/2010/main" w="9525">
+                <a:solidFill>
+                  <a:schemeClr val="tx1"/>
+                </a:solidFill>
+                <a:miter lim="800000"/>
+                <a:headEnd/>
+                <a:tailEnd/>
+              </a14:hiddenLine>
+            </a:ext>
+            <a:ext uri="{AF507438-7753-43E0-B8FC-AC1667EBCBE1}">
+              <a14:hiddenEffects xmlns:a14="http://schemas.microsoft.com/office/drawing/2010/main">
+                <a:effectLst>
+                  <a:outerShdw dist="35921" dir="2700000" algn="ctr" rotWithShape="0">
+                    <a:schemeClr val="bg2"/>
+                  </a:outerShdw>
+                </a:effectLst>
+              </a14:hiddenEffects>
+            </a:ext>
+          </a:extLst>
+        </p:spPr>
+        <p:txBody>
+          <a:bodyPr vert="horz" wrap="square" lIns="91440" tIns="45720" rIns="91440" bIns="45720" numCol="1" anchor="ctr" anchorCtr="0" compatLnSpc="1">
+            <a:prstTxWarp prst="textNoShape">
+              <a:avLst/>
+            </a:prstTxWarp>
+            <a:spAutoFit/>
+          </a:bodyPr>
+          <a:lstStyle/>
+          <a:p>
+            <a:pPr marL="0" marR="0" lvl="0" indent="0" algn="l" defTabSz="914400" rtl="0" eaLnBrk="0" fontAlgn="base" latinLnBrk="0" hangingPunct="0">
+              <a:lnSpc>
+                <a:spcPct val="100000"/>
+              </a:lnSpc>
+              <a:spcBef>
+                <a:spcPct val="0"/>
+              </a:spcBef>
+              <a:spcAft>
+                <a:spcPct val="0"/>
+              </a:spcAft>
+              <a:buClrTx/>
+              <a:buSzTx/>
+              <a:buFontTx/>
+              <a:buNone/>
+              <a:tabLst/>
+            </a:pPr>
+            <a:r>
+              <a:rPr kumimoji="0" lang="en-US" altLang="en-US" sz="1600" b="1" i="0" u="none" strike="noStrike" cap="none" normalizeH="0" baseline="0" dirty="0">
+                <a:ln>
+                  <a:noFill/>
+                </a:ln>
+                <a:solidFill>
+                  <a:srgbClr val="008000"/>
+                </a:solidFill>
+                <a:effectLst/>
+                <a:latin typeface="Courier New" panose="02070309020205020404" pitchFamily="49" charset="0"/>
+                <a:cs typeface="Courier New" panose="02070309020205020404" pitchFamily="49" charset="0"/>
+              </a:rPr>
+              <a:t>{% </a:t>
+            </a:r>
+            <a:r>
+              <a:rPr kumimoji="0" lang="en-US" altLang="en-US" sz="1600" b="1" i="0" u="none" strike="noStrike" cap="none" normalizeH="0" baseline="0" dirty="0" err="1">
+                <a:ln>
+                  <a:noFill/>
+                </a:ln>
+                <a:solidFill>
+                  <a:srgbClr val="008000"/>
+                </a:solidFill>
+                <a:effectLst/>
+                <a:latin typeface="Courier New" panose="02070309020205020404" pitchFamily="49" charset="0"/>
+                <a:cs typeface="Courier New" panose="02070309020205020404" pitchFamily="49" charset="0"/>
+              </a:rPr>
+              <a:t>url</a:t>
+            </a:r>
+            <a:r>
+              <a:rPr kumimoji="0" lang="en-US" altLang="en-US" sz="1600" b="1" i="0" u="none" strike="noStrike" cap="none" normalizeH="0" baseline="0" dirty="0">
+                <a:ln>
+                  <a:noFill/>
+                </a:ln>
+                <a:solidFill>
+                  <a:srgbClr val="008000"/>
+                </a:solidFill>
+                <a:effectLst/>
+                <a:latin typeface="Courier New" panose="02070309020205020404" pitchFamily="49" charset="0"/>
+                <a:cs typeface="Courier New" panose="02070309020205020404" pitchFamily="49" charset="0"/>
+              </a:rPr>
+              <a:t> 'monthly-challenge' month=month %}</a:t>
+            </a:r>
+            <a:endParaRPr kumimoji="0" lang="en-US" altLang="en-US" sz="1600" b="0" i="0" u="none" strike="noStrike" cap="none" normalizeH="0" baseline="0" dirty="0">
+              <a:ln>
+                <a:noFill/>
+              </a:ln>
+              <a:solidFill>
+                <a:schemeClr val="tx1"/>
+              </a:solidFill>
+              <a:effectLst/>
+              <a:latin typeface="Arial" panose="020B0604020202020204" pitchFamily="34" charset="0"/>
+            </a:endParaRPr>
+          </a:p>
+        </p:txBody>
+      </p:sp>
+    </p:spTree>
+    <p:extLst>
+      <p:ext uri="{BB962C8B-B14F-4D97-AF65-F5344CB8AC3E}">
+        <p14:creationId xmlns:p14="http://schemas.microsoft.com/office/powerpoint/2010/main" val="1697495343"/>
+      </p:ext>
+    </p:extLst>
+  </p:cSld>
+  <p:clrMapOvr>
+    <a:masterClrMapping/>
+  </p:clrMapOvr>
+</p:sld>
+</file>
+
+<file path=ppt/slides/slide83.xml><?xml version="1.0" encoding="utf-8"?>
+<p:sld xmlns:a="http://schemas.openxmlformats.org/drawingml/2006/main" xmlns:r="http://schemas.openxmlformats.org/officeDocument/2006/relationships" xmlns:p="http://schemas.openxmlformats.org/presentationml/2006/main">
+  <p:cSld>
+    <p:spTree>
+      <p:nvGrpSpPr>
+        <p:cNvPr id="1" name=""/>
+        <p:cNvGrpSpPr/>
+        <p:nvPr/>
+      </p:nvGrpSpPr>
+      <p:grpSpPr>
+        <a:xfrm>
+          <a:off x="0" y="0"/>
+          <a:ext cx="0" cy="0"/>
+          <a:chOff x="0" y="0"/>
+          <a:chExt cx="0" cy="0"/>
+        </a:xfrm>
+      </p:grpSpPr>
+      <p:sp>
+        <p:nvSpPr>
+          <p:cNvPr id="2" name="Title 1">
+            <a:extLst>
+              <a:ext uri="{FF2B5EF4-FFF2-40B4-BE49-F238E27FC236}">
+                <a16:creationId xmlns:a16="http://schemas.microsoft.com/office/drawing/2014/main" id="{4C03CAF7-399C-4FF7-BE73-A31A3BE57BF4}"/>
+              </a:ext>
+            </a:extLst>
+          </p:cNvPr>
+          <p:cNvSpPr>
+            <a:spLocks noGrp="1"/>
+          </p:cNvSpPr>
+          <p:nvPr>
+            <p:ph type="title"/>
+          </p:nvPr>
+        </p:nvSpPr>
+        <p:spPr/>
+        <p:txBody>
+          <a:bodyPr/>
+          <a:lstStyle/>
+          <a:p>
+            <a:r>
+              <a:rPr lang="en-IN" dirty="0"/>
+              <a:t>If Tag</a:t>
+            </a:r>
+          </a:p>
+        </p:txBody>
+      </p:sp>
+      <p:sp>
+        <p:nvSpPr>
+          <p:cNvPr id="3" name="Content Placeholder 2">
+            <a:extLst>
+              <a:ext uri="{FF2B5EF4-FFF2-40B4-BE49-F238E27FC236}">
+                <a16:creationId xmlns:a16="http://schemas.microsoft.com/office/drawing/2014/main" id="{73FE3192-6CFD-4889-8D29-C736187376B5}"/>
+              </a:ext>
+            </a:extLst>
+          </p:cNvPr>
+          <p:cNvSpPr>
+            <a:spLocks noGrp="1"/>
+          </p:cNvSpPr>
+          <p:nvPr>
+            <p:ph idx="1"/>
+          </p:nvPr>
+        </p:nvSpPr>
+        <p:spPr/>
+        <p:txBody>
+          <a:bodyPr/>
+          <a:lstStyle/>
+          <a:p>
+            <a:r>
+              <a:rPr lang="en-IN" dirty="0"/>
+              <a:t>Add if tag for conditional evaluation</a:t>
+            </a:r>
+          </a:p>
+          <a:p>
+            <a:r>
+              <a:rPr lang="en-IN" dirty="0"/>
+              <a:t>Example we update challenge.html as below</a:t>
+            </a:r>
+          </a:p>
+          <a:p>
+            <a:pPr marL="457200" lvl="1" indent="0">
+              <a:buNone/>
+            </a:pPr>
+            <a:endParaRPr lang="en-IN" dirty="0"/>
+          </a:p>
+        </p:txBody>
+      </p:sp>
+      <p:sp>
+        <p:nvSpPr>
+          <p:cNvPr id="4" name="Rectangle 1">
+            <a:extLst>
+              <a:ext uri="{FF2B5EF4-FFF2-40B4-BE49-F238E27FC236}">
+                <a16:creationId xmlns:a16="http://schemas.microsoft.com/office/drawing/2014/main" id="{977AA0A6-E579-4BCC-80D0-F6E44D2AB04F}"/>
+              </a:ext>
+            </a:extLst>
+          </p:cNvPr>
+          <p:cNvSpPr>
+            <a:spLocks noChangeArrowheads="1"/>
+          </p:cNvSpPr>
+          <p:nvPr/>
+        </p:nvSpPr>
+        <p:spPr bwMode="auto">
+          <a:xfrm>
+            <a:off x="998289" y="3133645"/>
+            <a:ext cx="5377344" cy="1169551"/>
+          </a:xfrm>
+          <a:prstGeom prst="rect">
+            <a:avLst/>
+          </a:prstGeom>
+          <a:solidFill>
+            <a:srgbClr val="FFFFFF"/>
+          </a:solidFill>
+          <a:ln>
+            <a:noFill/>
+          </a:ln>
+          <a:effectLst/>
+          <a:extLst>
+            <a:ext uri="{91240B29-F687-4F45-9708-019B960494DF}">
+              <a14:hiddenLine xmlns:a14="http://schemas.microsoft.com/office/drawing/2010/main" w="9525">
+                <a:solidFill>
+                  <a:schemeClr val="tx1"/>
+                </a:solidFill>
+                <a:miter lim="800000"/>
+                <a:headEnd/>
+                <a:tailEnd/>
+              </a14:hiddenLine>
+            </a:ext>
+            <a:ext uri="{AF507438-7753-43E0-B8FC-AC1667EBCBE1}">
+              <a14:hiddenEffects xmlns:a14="http://schemas.microsoft.com/office/drawing/2010/main">
+                <a:effectLst>
+                  <a:outerShdw dist="35921" dir="2700000" algn="ctr" rotWithShape="0">
+                    <a:schemeClr val="bg2"/>
+                  </a:outerShdw>
+                </a:effectLst>
+              </a14:hiddenEffects>
+            </a:ext>
+          </a:extLst>
+        </p:spPr>
+        <p:txBody>
+          <a:bodyPr vert="horz" wrap="square" lIns="91440" tIns="45720" rIns="91440" bIns="45720" numCol="1" anchor="ctr" anchorCtr="0" compatLnSpc="1">
+            <a:prstTxWarp prst="textNoShape">
+              <a:avLst/>
+            </a:prstTxWarp>
+            <a:spAutoFit/>
+          </a:bodyPr>
+          <a:lstStyle/>
+          <a:p>
+            <a:pPr marL="0" marR="0" lvl="0" indent="0" algn="l" defTabSz="914400" rtl="0" eaLnBrk="0" fontAlgn="base" latinLnBrk="0" hangingPunct="0">
+              <a:lnSpc>
+                <a:spcPct val="100000"/>
+              </a:lnSpc>
+              <a:spcBef>
+                <a:spcPct val="0"/>
+              </a:spcBef>
+              <a:spcAft>
+                <a:spcPct val="0"/>
+              </a:spcAft>
+              <a:buClrTx/>
+              <a:buSzTx/>
+              <a:buFontTx/>
+              <a:buNone/>
+              <a:tabLst/>
+            </a:pPr>
+            <a:r>
+              <a:rPr kumimoji="0" lang="en-US" altLang="en-US" sz="1400" b="0" i="0" u="none" strike="noStrike" cap="none" normalizeH="0" baseline="0" dirty="0">
+                <a:ln>
+                  <a:noFill/>
+                </a:ln>
+                <a:solidFill>
+                  <a:srgbClr val="000000"/>
+                </a:solidFill>
+                <a:effectLst/>
+                <a:latin typeface="Courier New" panose="02070309020205020404" pitchFamily="49" charset="0"/>
+                <a:cs typeface="Courier New" panose="02070309020205020404" pitchFamily="49" charset="0"/>
+              </a:rPr>
+              <a:t>{% if challenge in not None %}</a:t>
+            </a:r>
+            <a:br>
+              <a:rPr kumimoji="0" lang="en-US" altLang="en-US" sz="1400" b="0" i="0" u="none" strike="noStrike" cap="none" normalizeH="0" baseline="0" dirty="0">
+                <a:ln>
+                  <a:noFill/>
+                </a:ln>
+                <a:solidFill>
+                  <a:srgbClr val="000000"/>
+                </a:solidFill>
+                <a:effectLst/>
+                <a:latin typeface="Courier New" panose="02070309020205020404" pitchFamily="49" charset="0"/>
+                <a:cs typeface="Courier New" panose="02070309020205020404" pitchFamily="49" charset="0"/>
+              </a:rPr>
+            </a:br>
+            <a:r>
+              <a:rPr kumimoji="0" lang="en-US" altLang="en-US" sz="1400" b="0" i="0" u="none" strike="noStrike" cap="none" normalizeH="0" baseline="0" dirty="0">
+                <a:ln>
+                  <a:noFill/>
+                </a:ln>
+                <a:solidFill>
+                  <a:srgbClr val="000000"/>
+                </a:solidFill>
+                <a:effectLst/>
+                <a:latin typeface="Courier New" panose="02070309020205020404" pitchFamily="49" charset="0"/>
+                <a:cs typeface="Courier New" panose="02070309020205020404" pitchFamily="49" charset="0"/>
+              </a:rPr>
+              <a:t>    &lt;</a:t>
+            </a:r>
+            <a:r>
+              <a:rPr kumimoji="0" lang="en-US" altLang="en-US" sz="1400" b="1" i="0" u="none" strike="noStrike" cap="none" normalizeH="0" baseline="0" dirty="0">
+                <a:ln>
+                  <a:noFill/>
+                </a:ln>
+                <a:solidFill>
+                  <a:srgbClr val="000080"/>
+                </a:solidFill>
+                <a:effectLst/>
+                <a:latin typeface="Courier New" panose="02070309020205020404" pitchFamily="49" charset="0"/>
+                <a:cs typeface="Courier New" panose="02070309020205020404" pitchFamily="49" charset="0"/>
+              </a:rPr>
+              <a:t>h2</a:t>
+            </a:r>
+            <a:r>
+              <a:rPr kumimoji="0" lang="en-US" altLang="en-US" sz="1400" b="0" i="0" u="none" strike="noStrike" cap="none" normalizeH="0" baseline="0" dirty="0">
+                <a:ln>
+                  <a:noFill/>
+                </a:ln>
+                <a:solidFill>
+                  <a:srgbClr val="000000"/>
+                </a:solidFill>
+                <a:effectLst/>
+                <a:latin typeface="Courier New" panose="02070309020205020404" pitchFamily="49" charset="0"/>
+                <a:cs typeface="Courier New" panose="02070309020205020404" pitchFamily="49" charset="0"/>
+              </a:rPr>
+              <a:t>&gt;{{ challenge }}&lt;/</a:t>
+            </a:r>
+            <a:r>
+              <a:rPr kumimoji="0" lang="en-US" altLang="en-US" sz="1400" b="1" i="0" u="none" strike="noStrike" cap="none" normalizeH="0" baseline="0" dirty="0">
+                <a:ln>
+                  <a:noFill/>
+                </a:ln>
+                <a:solidFill>
+                  <a:srgbClr val="000080"/>
+                </a:solidFill>
+                <a:effectLst/>
+                <a:latin typeface="Courier New" panose="02070309020205020404" pitchFamily="49" charset="0"/>
+                <a:cs typeface="Courier New" panose="02070309020205020404" pitchFamily="49" charset="0"/>
+              </a:rPr>
+              <a:t>h2</a:t>
+            </a:r>
+            <a:r>
+              <a:rPr kumimoji="0" lang="en-US" altLang="en-US" sz="1400" b="0" i="0" u="none" strike="noStrike" cap="none" normalizeH="0" baseline="0" dirty="0">
+                <a:ln>
+                  <a:noFill/>
+                </a:ln>
+                <a:solidFill>
+                  <a:srgbClr val="000000"/>
+                </a:solidFill>
+                <a:effectLst/>
+                <a:latin typeface="Courier New" panose="02070309020205020404" pitchFamily="49" charset="0"/>
+                <a:cs typeface="Courier New" panose="02070309020205020404" pitchFamily="49" charset="0"/>
+              </a:rPr>
+              <a:t>&gt;</a:t>
+            </a:r>
+            <a:br>
+              <a:rPr kumimoji="0" lang="en-US" altLang="en-US" sz="1400" b="0" i="0" u="none" strike="noStrike" cap="none" normalizeH="0" baseline="0" dirty="0">
+                <a:ln>
+                  <a:noFill/>
+                </a:ln>
+                <a:solidFill>
+                  <a:srgbClr val="000000"/>
+                </a:solidFill>
+                <a:effectLst/>
+                <a:latin typeface="Courier New" panose="02070309020205020404" pitchFamily="49" charset="0"/>
+                <a:cs typeface="Courier New" panose="02070309020205020404" pitchFamily="49" charset="0"/>
+              </a:rPr>
+            </a:br>
+            <a:r>
+              <a:rPr kumimoji="0" lang="en-US" altLang="en-US" sz="1400" b="0" i="0" u="none" strike="noStrike" cap="none" normalizeH="0" baseline="0" dirty="0">
+                <a:ln>
+                  <a:noFill/>
+                </a:ln>
+                <a:solidFill>
+                  <a:srgbClr val="000000"/>
+                </a:solidFill>
+                <a:effectLst/>
+                <a:latin typeface="Courier New" panose="02070309020205020404" pitchFamily="49" charset="0"/>
+                <a:cs typeface="Courier New" panose="02070309020205020404" pitchFamily="49" charset="0"/>
+              </a:rPr>
+              <a:t>{% else %}</a:t>
+            </a:r>
+            <a:br>
+              <a:rPr kumimoji="0" lang="en-US" altLang="en-US" sz="1400" b="0" i="0" u="none" strike="noStrike" cap="none" normalizeH="0" baseline="0" dirty="0">
+                <a:ln>
+                  <a:noFill/>
+                </a:ln>
+                <a:solidFill>
+                  <a:srgbClr val="000000"/>
+                </a:solidFill>
+                <a:effectLst/>
+                <a:latin typeface="Courier New" panose="02070309020205020404" pitchFamily="49" charset="0"/>
+                <a:cs typeface="Courier New" panose="02070309020205020404" pitchFamily="49" charset="0"/>
+              </a:rPr>
+            </a:br>
+            <a:r>
+              <a:rPr kumimoji="0" lang="en-US" altLang="en-US" sz="1400" b="0" i="0" u="none" strike="noStrike" cap="none" normalizeH="0" baseline="0" dirty="0">
+                <a:ln>
+                  <a:noFill/>
+                </a:ln>
+                <a:solidFill>
+                  <a:srgbClr val="000000"/>
+                </a:solidFill>
+                <a:effectLst/>
+                <a:latin typeface="Courier New" panose="02070309020205020404" pitchFamily="49" charset="0"/>
+                <a:cs typeface="Courier New" panose="02070309020205020404" pitchFamily="49" charset="0"/>
+              </a:rPr>
+              <a:t>    &lt;</a:t>
+            </a:r>
+            <a:r>
+              <a:rPr kumimoji="0" lang="en-US" altLang="en-US" sz="1400" b="1" i="0" u="none" strike="noStrike" cap="none" normalizeH="0" baseline="0" dirty="0">
+                <a:ln>
+                  <a:noFill/>
+                </a:ln>
+                <a:solidFill>
+                  <a:srgbClr val="000080"/>
+                </a:solidFill>
+                <a:effectLst/>
+                <a:latin typeface="Courier New" panose="02070309020205020404" pitchFamily="49" charset="0"/>
+                <a:cs typeface="Courier New" panose="02070309020205020404" pitchFamily="49" charset="0"/>
+              </a:rPr>
+              <a:t>p</a:t>
+            </a:r>
+            <a:r>
+              <a:rPr kumimoji="0" lang="en-US" altLang="en-US" sz="1400" b="0" i="0" u="none" strike="noStrike" cap="none" normalizeH="0" baseline="0" dirty="0">
+                <a:ln>
+                  <a:noFill/>
+                </a:ln>
+                <a:solidFill>
+                  <a:srgbClr val="000000"/>
+                </a:solidFill>
+                <a:effectLst/>
+                <a:latin typeface="Courier New" panose="02070309020205020404" pitchFamily="49" charset="0"/>
+                <a:cs typeface="Courier New" panose="02070309020205020404" pitchFamily="49" charset="0"/>
+              </a:rPr>
+              <a:t>&gt;The is no challenge set for this yet&lt;/</a:t>
+            </a:r>
+            <a:r>
+              <a:rPr kumimoji="0" lang="en-US" altLang="en-US" sz="1400" b="1" i="0" u="none" strike="noStrike" cap="none" normalizeH="0" baseline="0" dirty="0">
+                <a:ln>
+                  <a:noFill/>
+                </a:ln>
+                <a:solidFill>
+                  <a:srgbClr val="000080"/>
+                </a:solidFill>
+                <a:effectLst/>
+                <a:latin typeface="Courier New" panose="02070309020205020404" pitchFamily="49" charset="0"/>
+                <a:cs typeface="Courier New" panose="02070309020205020404" pitchFamily="49" charset="0"/>
+              </a:rPr>
+              <a:t>p</a:t>
+            </a:r>
+            <a:r>
+              <a:rPr kumimoji="0" lang="en-US" altLang="en-US" sz="1400" b="0" i="0" u="none" strike="noStrike" cap="none" normalizeH="0" baseline="0" dirty="0">
+                <a:ln>
+                  <a:noFill/>
+                </a:ln>
+                <a:solidFill>
+                  <a:srgbClr val="000000"/>
+                </a:solidFill>
+                <a:effectLst/>
+                <a:latin typeface="Courier New" panose="02070309020205020404" pitchFamily="49" charset="0"/>
+                <a:cs typeface="Courier New" panose="02070309020205020404" pitchFamily="49" charset="0"/>
+              </a:rPr>
+              <a:t>&gt;</a:t>
+            </a:r>
+            <a:br>
+              <a:rPr kumimoji="0" lang="en-US" altLang="en-US" sz="1400" b="0" i="0" u="none" strike="noStrike" cap="none" normalizeH="0" baseline="0" dirty="0">
+                <a:ln>
+                  <a:noFill/>
+                </a:ln>
+                <a:solidFill>
+                  <a:srgbClr val="000000"/>
+                </a:solidFill>
+                <a:effectLst/>
+                <a:latin typeface="Courier New" panose="02070309020205020404" pitchFamily="49" charset="0"/>
+                <a:cs typeface="Courier New" panose="02070309020205020404" pitchFamily="49" charset="0"/>
+              </a:rPr>
+            </a:br>
+            <a:r>
+              <a:rPr kumimoji="0" lang="en-US" altLang="en-US" sz="1400" b="0" i="0" u="none" strike="noStrike" cap="none" normalizeH="0" baseline="0" dirty="0">
+                <a:ln>
+                  <a:noFill/>
+                </a:ln>
+                <a:solidFill>
+                  <a:srgbClr val="000000"/>
+                </a:solidFill>
+                <a:effectLst/>
+                <a:latin typeface="Courier New" panose="02070309020205020404" pitchFamily="49" charset="0"/>
+                <a:cs typeface="Courier New" panose="02070309020205020404" pitchFamily="49" charset="0"/>
+              </a:rPr>
+              <a:t>{% endif %}</a:t>
+            </a:r>
+            <a:endParaRPr kumimoji="0" lang="en-US" altLang="en-US" sz="1400" b="0" i="0" u="none" strike="noStrike" cap="none" normalizeH="0" baseline="0" dirty="0">
+              <a:ln>
+                <a:noFill/>
+              </a:ln>
+              <a:solidFill>
+                <a:schemeClr val="tx1"/>
+              </a:solidFill>
+              <a:effectLst/>
+              <a:latin typeface="Arial" panose="020B0604020202020204" pitchFamily="34" charset="0"/>
+            </a:endParaRPr>
+          </a:p>
+        </p:txBody>
+      </p:sp>
+    </p:spTree>
+    <p:extLst>
+      <p:ext uri="{BB962C8B-B14F-4D97-AF65-F5344CB8AC3E}">
+        <p14:creationId xmlns:p14="http://schemas.microsoft.com/office/powerpoint/2010/main" val="2288437131"/>
+      </p:ext>
+    </p:extLst>
+  </p:cSld>
+  <p:clrMapOvr>
+    <a:masterClrMapping/>
+  </p:clrMapOvr>
+</p:sld>
+</file>
+
+<file path=ppt/slides/slide84.xml><?xml version="1.0" encoding="utf-8"?>
+<p:sld xmlns:a="http://schemas.openxmlformats.org/drawingml/2006/main" xmlns:r="http://schemas.openxmlformats.org/officeDocument/2006/relationships" xmlns:p="http://schemas.openxmlformats.org/presentationml/2006/main">
+  <p:cSld>
+    <p:spTree>
+      <p:nvGrpSpPr>
+        <p:cNvPr id="1" name=""/>
+        <p:cNvGrpSpPr/>
+        <p:nvPr/>
+      </p:nvGrpSpPr>
+      <p:grpSpPr>
+        <a:xfrm>
+          <a:off x="0" y="0"/>
+          <a:ext cx="0" cy="0"/>
+          <a:chOff x="0" y="0"/>
+          <a:chExt cx="0" cy="0"/>
+        </a:xfrm>
+      </p:grpSpPr>
+      <p:sp>
+        <p:nvSpPr>
+          <p:cNvPr id="2" name="Title 1">
+            <a:extLst>
+              <a:ext uri="{FF2B5EF4-FFF2-40B4-BE49-F238E27FC236}">
+                <a16:creationId xmlns:a16="http://schemas.microsoft.com/office/drawing/2014/main" id="{08F484E1-8386-4429-8E8E-5CF2E2E90FA5}"/>
+              </a:ext>
+            </a:extLst>
+          </p:cNvPr>
+          <p:cNvSpPr>
+            <a:spLocks noGrp="1"/>
+          </p:cNvSpPr>
+          <p:nvPr>
+            <p:ph type="title"/>
+          </p:nvPr>
+        </p:nvSpPr>
+        <p:spPr/>
+        <p:txBody>
+          <a:bodyPr/>
+          <a:lstStyle/>
+          <a:p>
+            <a:r>
+              <a:rPr lang="en-IN" dirty="0"/>
+              <a:t>Template Inheritance and block Tag</a:t>
+            </a:r>
+          </a:p>
+        </p:txBody>
+      </p:sp>
+      <p:sp>
+        <p:nvSpPr>
+          <p:cNvPr id="3" name="Content Placeholder 2">
+            <a:extLst>
+              <a:ext uri="{FF2B5EF4-FFF2-40B4-BE49-F238E27FC236}">
+                <a16:creationId xmlns:a16="http://schemas.microsoft.com/office/drawing/2014/main" id="{F02421FF-3D9F-4C7A-AD8A-2E6200554A1A}"/>
+              </a:ext>
+            </a:extLst>
+          </p:cNvPr>
+          <p:cNvSpPr>
+            <a:spLocks noGrp="1"/>
+          </p:cNvSpPr>
+          <p:nvPr>
+            <p:ph idx="1"/>
+          </p:nvPr>
+        </p:nvSpPr>
+        <p:spPr/>
+        <p:txBody>
+          <a:bodyPr/>
+          <a:lstStyle/>
+          <a:p>
+            <a:r>
+              <a:rPr lang="en-IN" dirty="0"/>
+              <a:t>We have a similar data between index.html and challenge.html</a:t>
+            </a:r>
+          </a:p>
+          <a:p>
+            <a:r>
+              <a:rPr lang="en-IN" dirty="0"/>
+              <a:t>The core template is same.</a:t>
+            </a:r>
+          </a:p>
+          <a:p>
+            <a:r>
+              <a:rPr lang="en-IN" dirty="0"/>
+              <a:t>Lets create a template folder in your project</a:t>
+            </a:r>
+          </a:p>
+          <a:p>
+            <a:r>
+              <a:rPr lang="en-IN" dirty="0"/>
+              <a:t>Create a base.html file</a:t>
+            </a:r>
+          </a:p>
+        </p:txBody>
+      </p:sp>
+      <p:sp>
+        <p:nvSpPr>
+          <p:cNvPr id="4" name="Rectangle 1">
+            <a:extLst>
+              <a:ext uri="{FF2B5EF4-FFF2-40B4-BE49-F238E27FC236}">
+                <a16:creationId xmlns:a16="http://schemas.microsoft.com/office/drawing/2014/main" id="{C5B36146-3482-44B0-8B38-C653A05661FC}"/>
+              </a:ext>
+            </a:extLst>
+          </p:cNvPr>
+          <p:cNvSpPr>
+            <a:spLocks noChangeArrowheads="1"/>
+          </p:cNvSpPr>
+          <p:nvPr/>
+        </p:nvSpPr>
+        <p:spPr bwMode="auto">
+          <a:xfrm>
+            <a:off x="1090569" y="3854721"/>
+            <a:ext cx="7743038" cy="2462213"/>
+          </a:xfrm>
+          <a:prstGeom prst="rect">
+            <a:avLst/>
+          </a:prstGeom>
+          <a:solidFill>
+            <a:srgbClr val="FFFFFF"/>
+          </a:solidFill>
+          <a:ln>
+            <a:noFill/>
+          </a:ln>
+          <a:effectLst/>
+          <a:extLst>
+            <a:ext uri="{91240B29-F687-4F45-9708-019B960494DF}">
+              <a14:hiddenLine xmlns:a14="http://schemas.microsoft.com/office/drawing/2010/main" w="9525">
+                <a:solidFill>
+                  <a:schemeClr val="tx1"/>
+                </a:solidFill>
+                <a:miter lim="800000"/>
+                <a:headEnd/>
+                <a:tailEnd/>
+              </a14:hiddenLine>
+            </a:ext>
+            <a:ext uri="{AF507438-7753-43E0-B8FC-AC1667EBCBE1}">
+              <a14:hiddenEffects xmlns:a14="http://schemas.microsoft.com/office/drawing/2010/main">
+                <a:effectLst>
+                  <a:outerShdw dist="35921" dir="2700000" algn="ctr" rotWithShape="0">
+                    <a:schemeClr val="bg2"/>
+                  </a:outerShdw>
+                </a:effectLst>
+              </a14:hiddenEffects>
+            </a:ext>
+          </a:extLst>
+        </p:spPr>
+        <p:txBody>
+          <a:bodyPr vert="horz" wrap="square" lIns="91440" tIns="45720" rIns="91440" bIns="45720" numCol="1" anchor="ctr" anchorCtr="0" compatLnSpc="1">
+            <a:prstTxWarp prst="textNoShape">
+              <a:avLst/>
+            </a:prstTxWarp>
+            <a:spAutoFit/>
+          </a:bodyPr>
+          <a:lstStyle/>
+          <a:p>
+            <a:pPr marL="0" marR="0" lvl="0" indent="0" algn="l" defTabSz="914400" rtl="0" eaLnBrk="0" fontAlgn="base" latinLnBrk="0" hangingPunct="0">
+              <a:lnSpc>
+                <a:spcPct val="100000"/>
+              </a:lnSpc>
+              <a:spcBef>
+                <a:spcPct val="0"/>
+              </a:spcBef>
+              <a:spcAft>
+                <a:spcPct val="0"/>
+              </a:spcAft>
+              <a:buClrTx/>
+              <a:buSzTx/>
+              <a:buFontTx/>
+              <a:buNone/>
+              <a:tabLst/>
+            </a:pPr>
+            <a:r>
+              <a:rPr kumimoji="0" lang="en-US" altLang="en-US" sz="1400" b="0" i="0" u="none" strike="noStrike" cap="none" normalizeH="0" baseline="0" dirty="0">
+                <a:ln>
+                  <a:noFill/>
+                </a:ln>
+                <a:solidFill>
+                  <a:srgbClr val="000000"/>
+                </a:solidFill>
+                <a:effectLst/>
+                <a:latin typeface="Courier New" panose="02070309020205020404" pitchFamily="49" charset="0"/>
+                <a:cs typeface="Courier New" panose="02070309020205020404" pitchFamily="49" charset="0"/>
+              </a:rPr>
+              <a:t>&lt;!DOCTYPE </a:t>
+            </a:r>
+            <a:r>
+              <a:rPr kumimoji="0" lang="en-US" altLang="en-US" sz="1400" b="1" i="0" u="none" strike="noStrike" cap="none" normalizeH="0" baseline="0" dirty="0">
+                <a:ln>
+                  <a:noFill/>
+                </a:ln>
+                <a:solidFill>
+                  <a:srgbClr val="0000FF"/>
+                </a:solidFill>
+                <a:effectLst/>
+                <a:latin typeface="Courier New" panose="02070309020205020404" pitchFamily="49" charset="0"/>
+                <a:cs typeface="Courier New" panose="02070309020205020404" pitchFamily="49" charset="0"/>
+              </a:rPr>
+              <a:t>html</a:t>
+            </a:r>
+            <a:r>
+              <a:rPr kumimoji="0" lang="en-US" altLang="en-US" sz="1400" b="0" i="0" u="none" strike="noStrike" cap="none" normalizeH="0" baseline="0" dirty="0">
+                <a:ln>
+                  <a:noFill/>
+                </a:ln>
+                <a:solidFill>
+                  <a:srgbClr val="000000"/>
+                </a:solidFill>
+                <a:effectLst/>
+                <a:latin typeface="Courier New" panose="02070309020205020404" pitchFamily="49" charset="0"/>
+                <a:cs typeface="Courier New" panose="02070309020205020404" pitchFamily="49" charset="0"/>
+              </a:rPr>
+              <a:t>&gt;</a:t>
+            </a:r>
+            <a:br>
+              <a:rPr kumimoji="0" lang="en-US" altLang="en-US" sz="1400" b="0" i="0" u="none" strike="noStrike" cap="none" normalizeH="0" baseline="0" dirty="0">
+                <a:ln>
+                  <a:noFill/>
+                </a:ln>
+                <a:solidFill>
+                  <a:srgbClr val="000000"/>
+                </a:solidFill>
+                <a:effectLst/>
+                <a:latin typeface="Courier New" panose="02070309020205020404" pitchFamily="49" charset="0"/>
+                <a:cs typeface="Courier New" panose="02070309020205020404" pitchFamily="49" charset="0"/>
+              </a:rPr>
+            </a:br>
+            <a:r>
+              <a:rPr kumimoji="0" lang="en-US" altLang="en-US" sz="1400" b="0" i="0" u="none" strike="noStrike" cap="none" normalizeH="0" baseline="0" dirty="0">
+                <a:ln>
+                  <a:noFill/>
+                </a:ln>
+                <a:solidFill>
+                  <a:srgbClr val="000000"/>
+                </a:solidFill>
+                <a:effectLst/>
+                <a:latin typeface="Courier New" panose="02070309020205020404" pitchFamily="49" charset="0"/>
+                <a:cs typeface="Courier New" panose="02070309020205020404" pitchFamily="49" charset="0"/>
+              </a:rPr>
+              <a:t>&lt;</a:t>
+            </a:r>
+            <a:r>
+              <a:rPr kumimoji="0" lang="en-US" altLang="en-US" sz="1400" b="1" i="0" u="none" strike="noStrike" cap="none" normalizeH="0" baseline="0" dirty="0">
+                <a:ln>
+                  <a:noFill/>
+                </a:ln>
+                <a:solidFill>
+                  <a:srgbClr val="000080"/>
+                </a:solidFill>
+                <a:effectLst/>
+                <a:latin typeface="Courier New" panose="02070309020205020404" pitchFamily="49" charset="0"/>
+                <a:cs typeface="Courier New" panose="02070309020205020404" pitchFamily="49" charset="0"/>
+              </a:rPr>
+              <a:t>html </a:t>
+            </a:r>
+            <a:r>
+              <a:rPr kumimoji="0" lang="en-US" altLang="en-US" sz="1400" b="1" i="0" u="none" strike="noStrike" cap="none" normalizeH="0" baseline="0" dirty="0">
+                <a:ln>
+                  <a:noFill/>
+                </a:ln>
+                <a:solidFill>
+                  <a:srgbClr val="0000FF"/>
+                </a:solidFill>
+                <a:effectLst/>
+                <a:latin typeface="Courier New" panose="02070309020205020404" pitchFamily="49" charset="0"/>
+                <a:cs typeface="Courier New" panose="02070309020205020404" pitchFamily="49" charset="0"/>
+              </a:rPr>
+              <a:t>lang=</a:t>
+            </a:r>
+            <a:r>
+              <a:rPr kumimoji="0" lang="en-US" altLang="en-US" sz="1400" b="1" i="0" u="none" strike="noStrike" cap="none" normalizeH="0" baseline="0" dirty="0">
+                <a:ln>
+                  <a:noFill/>
+                </a:ln>
+                <a:solidFill>
+                  <a:srgbClr val="008000"/>
+                </a:solidFill>
+                <a:effectLst/>
+                <a:latin typeface="Courier New" panose="02070309020205020404" pitchFamily="49" charset="0"/>
+                <a:cs typeface="Courier New" panose="02070309020205020404" pitchFamily="49" charset="0"/>
+              </a:rPr>
+              <a:t>"</a:t>
+            </a:r>
+            <a:r>
+              <a:rPr kumimoji="0" lang="en-US" altLang="en-US" sz="1400" b="1" i="0" u="none" strike="noStrike" cap="none" normalizeH="0" baseline="0" dirty="0" err="1">
+                <a:ln>
+                  <a:noFill/>
+                </a:ln>
+                <a:solidFill>
+                  <a:srgbClr val="008000"/>
+                </a:solidFill>
+                <a:effectLst/>
+                <a:latin typeface="Courier New" panose="02070309020205020404" pitchFamily="49" charset="0"/>
+                <a:cs typeface="Courier New" panose="02070309020205020404" pitchFamily="49" charset="0"/>
+              </a:rPr>
+              <a:t>en</a:t>
+            </a:r>
+            <a:r>
+              <a:rPr kumimoji="0" lang="en-US" altLang="en-US" sz="1400" b="1" i="0" u="none" strike="noStrike" cap="none" normalizeH="0" baseline="0" dirty="0">
+                <a:ln>
+                  <a:noFill/>
+                </a:ln>
+                <a:solidFill>
+                  <a:srgbClr val="008000"/>
+                </a:solidFill>
+                <a:effectLst/>
+                <a:latin typeface="Courier New" panose="02070309020205020404" pitchFamily="49" charset="0"/>
+                <a:cs typeface="Courier New" panose="02070309020205020404" pitchFamily="49" charset="0"/>
+              </a:rPr>
+              <a:t>"</a:t>
+            </a:r>
+            <a:r>
+              <a:rPr kumimoji="0" lang="en-US" altLang="en-US" sz="1400" b="0" i="0" u="none" strike="noStrike" cap="none" normalizeH="0" baseline="0" dirty="0">
+                <a:ln>
+                  <a:noFill/>
+                </a:ln>
+                <a:solidFill>
+                  <a:srgbClr val="000000"/>
+                </a:solidFill>
+                <a:effectLst/>
+                <a:latin typeface="Courier New" panose="02070309020205020404" pitchFamily="49" charset="0"/>
+                <a:cs typeface="Courier New" panose="02070309020205020404" pitchFamily="49" charset="0"/>
+              </a:rPr>
+              <a:t>&gt;</a:t>
+            </a:r>
+            <a:br>
+              <a:rPr kumimoji="0" lang="en-US" altLang="en-US" sz="1400" b="0" i="0" u="none" strike="noStrike" cap="none" normalizeH="0" baseline="0" dirty="0">
+                <a:ln>
+                  <a:noFill/>
+                </a:ln>
+                <a:solidFill>
+                  <a:srgbClr val="000000"/>
+                </a:solidFill>
+                <a:effectLst/>
+                <a:latin typeface="Courier New" panose="02070309020205020404" pitchFamily="49" charset="0"/>
+                <a:cs typeface="Courier New" panose="02070309020205020404" pitchFamily="49" charset="0"/>
+              </a:rPr>
+            </a:br>
+            <a:r>
+              <a:rPr kumimoji="0" lang="en-US" altLang="en-US" sz="1400" b="0" i="0" u="none" strike="noStrike" cap="none" normalizeH="0" baseline="0" dirty="0">
+                <a:ln>
+                  <a:noFill/>
+                </a:ln>
+                <a:solidFill>
+                  <a:srgbClr val="000000"/>
+                </a:solidFill>
+                <a:effectLst/>
+                <a:latin typeface="Courier New" panose="02070309020205020404" pitchFamily="49" charset="0"/>
+                <a:cs typeface="Courier New" panose="02070309020205020404" pitchFamily="49" charset="0"/>
+              </a:rPr>
+              <a:t>&lt;</a:t>
+            </a:r>
+            <a:r>
+              <a:rPr kumimoji="0" lang="en-US" altLang="en-US" sz="1400" b="1" i="0" u="none" strike="noStrike" cap="none" normalizeH="0" baseline="0" dirty="0">
+                <a:ln>
+                  <a:noFill/>
+                </a:ln>
+                <a:solidFill>
+                  <a:srgbClr val="000080"/>
+                </a:solidFill>
+                <a:effectLst/>
+                <a:latin typeface="Courier New" panose="02070309020205020404" pitchFamily="49" charset="0"/>
+                <a:cs typeface="Courier New" panose="02070309020205020404" pitchFamily="49" charset="0"/>
+              </a:rPr>
+              <a:t>head</a:t>
+            </a:r>
+            <a:r>
+              <a:rPr kumimoji="0" lang="en-US" altLang="en-US" sz="1400" b="0" i="0" u="none" strike="noStrike" cap="none" normalizeH="0" baseline="0" dirty="0">
+                <a:ln>
+                  <a:noFill/>
+                </a:ln>
+                <a:solidFill>
+                  <a:srgbClr val="000000"/>
+                </a:solidFill>
+                <a:effectLst/>
+                <a:latin typeface="Courier New" panose="02070309020205020404" pitchFamily="49" charset="0"/>
+                <a:cs typeface="Courier New" panose="02070309020205020404" pitchFamily="49" charset="0"/>
+              </a:rPr>
+              <a:t>&gt;</a:t>
+            </a:r>
+            <a:br>
+              <a:rPr kumimoji="0" lang="en-US" altLang="en-US" sz="1400" b="0" i="0" u="none" strike="noStrike" cap="none" normalizeH="0" baseline="0" dirty="0">
+                <a:ln>
+                  <a:noFill/>
+                </a:ln>
+                <a:solidFill>
+                  <a:srgbClr val="000000"/>
+                </a:solidFill>
+                <a:effectLst/>
+                <a:latin typeface="Courier New" panose="02070309020205020404" pitchFamily="49" charset="0"/>
+                <a:cs typeface="Courier New" panose="02070309020205020404" pitchFamily="49" charset="0"/>
+              </a:rPr>
+            </a:br>
+            <a:r>
+              <a:rPr kumimoji="0" lang="en-US" altLang="en-US" sz="1400" b="0" i="0" u="none" strike="noStrike" cap="none" normalizeH="0" baseline="0" dirty="0">
+                <a:ln>
+                  <a:noFill/>
+                </a:ln>
+                <a:solidFill>
+                  <a:srgbClr val="000000"/>
+                </a:solidFill>
+                <a:effectLst/>
+                <a:latin typeface="Courier New" panose="02070309020205020404" pitchFamily="49" charset="0"/>
+                <a:cs typeface="Courier New" panose="02070309020205020404" pitchFamily="49" charset="0"/>
+              </a:rPr>
+              <a:t>    &lt;</a:t>
+            </a:r>
+            <a:r>
+              <a:rPr kumimoji="0" lang="en-US" altLang="en-US" sz="1400" b="1" i="0" u="none" strike="noStrike" cap="none" normalizeH="0" baseline="0" dirty="0">
+                <a:ln>
+                  <a:noFill/>
+                </a:ln>
+                <a:solidFill>
+                  <a:srgbClr val="000080"/>
+                </a:solidFill>
+                <a:effectLst/>
+                <a:latin typeface="Courier New" panose="02070309020205020404" pitchFamily="49" charset="0"/>
+                <a:cs typeface="Courier New" panose="02070309020205020404" pitchFamily="49" charset="0"/>
+              </a:rPr>
+              <a:t>meta </a:t>
+            </a:r>
+            <a:r>
+              <a:rPr kumimoji="0" lang="en-US" altLang="en-US" sz="1400" b="1" i="0" u="none" strike="noStrike" cap="none" normalizeH="0" baseline="0" dirty="0">
+                <a:ln>
+                  <a:noFill/>
+                </a:ln>
+                <a:solidFill>
+                  <a:srgbClr val="0000FF"/>
+                </a:solidFill>
+                <a:effectLst/>
+                <a:latin typeface="Courier New" panose="02070309020205020404" pitchFamily="49" charset="0"/>
+                <a:cs typeface="Courier New" panose="02070309020205020404" pitchFamily="49" charset="0"/>
+              </a:rPr>
+              <a:t>charset=</a:t>
+            </a:r>
+            <a:r>
+              <a:rPr kumimoji="0" lang="en-US" altLang="en-US" sz="1400" b="1" i="0" u="none" strike="noStrike" cap="none" normalizeH="0" baseline="0" dirty="0">
+                <a:ln>
+                  <a:noFill/>
+                </a:ln>
+                <a:solidFill>
+                  <a:srgbClr val="008000"/>
+                </a:solidFill>
+                <a:effectLst/>
+                <a:latin typeface="Courier New" panose="02070309020205020404" pitchFamily="49" charset="0"/>
+                <a:cs typeface="Courier New" panose="02070309020205020404" pitchFamily="49" charset="0"/>
+              </a:rPr>
+              <a:t>"UTF-8"</a:t>
+            </a:r>
+            <a:r>
+              <a:rPr kumimoji="0" lang="en-US" altLang="en-US" sz="1400" b="0" i="0" u="none" strike="noStrike" cap="none" normalizeH="0" baseline="0" dirty="0">
+                <a:ln>
+                  <a:noFill/>
+                </a:ln>
+                <a:solidFill>
+                  <a:srgbClr val="000000"/>
+                </a:solidFill>
+                <a:effectLst/>
+                <a:latin typeface="Courier New" panose="02070309020205020404" pitchFamily="49" charset="0"/>
+                <a:cs typeface="Courier New" panose="02070309020205020404" pitchFamily="49" charset="0"/>
+              </a:rPr>
+              <a:t>&gt;</a:t>
+            </a:r>
+            <a:br>
+              <a:rPr kumimoji="0" lang="en-US" altLang="en-US" sz="1400" b="0" i="0" u="none" strike="noStrike" cap="none" normalizeH="0" baseline="0" dirty="0">
+                <a:ln>
+                  <a:noFill/>
+                </a:ln>
+                <a:solidFill>
+                  <a:srgbClr val="000000"/>
+                </a:solidFill>
+                <a:effectLst/>
+                <a:latin typeface="Courier New" panose="02070309020205020404" pitchFamily="49" charset="0"/>
+                <a:cs typeface="Courier New" panose="02070309020205020404" pitchFamily="49" charset="0"/>
+              </a:rPr>
+            </a:br>
+            <a:r>
+              <a:rPr kumimoji="0" lang="en-US" altLang="en-US" sz="1400" b="0" i="0" u="none" strike="noStrike" cap="none" normalizeH="0" baseline="0" dirty="0">
+                <a:ln>
+                  <a:noFill/>
+                </a:ln>
+                <a:solidFill>
+                  <a:srgbClr val="000000"/>
+                </a:solidFill>
+                <a:effectLst/>
+                <a:latin typeface="Courier New" panose="02070309020205020404" pitchFamily="49" charset="0"/>
+                <a:cs typeface="Courier New" panose="02070309020205020404" pitchFamily="49" charset="0"/>
+              </a:rPr>
+              <a:t>    &lt;</a:t>
+            </a:r>
+            <a:r>
+              <a:rPr kumimoji="0" lang="en-US" altLang="en-US" sz="1400" b="1" i="0" u="none" strike="noStrike" cap="none" normalizeH="0" baseline="0" dirty="0">
+                <a:ln>
+                  <a:noFill/>
+                </a:ln>
+                <a:solidFill>
+                  <a:srgbClr val="000080"/>
+                </a:solidFill>
+                <a:effectLst/>
+                <a:latin typeface="Courier New" panose="02070309020205020404" pitchFamily="49" charset="0"/>
+                <a:cs typeface="Courier New" panose="02070309020205020404" pitchFamily="49" charset="0"/>
+              </a:rPr>
+              <a:t>title</a:t>
+            </a:r>
+            <a:r>
+              <a:rPr kumimoji="0" lang="en-US" altLang="en-US" sz="1400" b="0" i="0" u="none" strike="noStrike" cap="none" normalizeH="0" baseline="0" dirty="0">
+                <a:ln>
+                  <a:noFill/>
+                </a:ln>
+                <a:solidFill>
+                  <a:srgbClr val="000000"/>
+                </a:solidFill>
+                <a:effectLst/>
+                <a:latin typeface="Courier New" panose="02070309020205020404" pitchFamily="49" charset="0"/>
+                <a:cs typeface="Courier New" panose="02070309020205020404" pitchFamily="49" charset="0"/>
+              </a:rPr>
+              <a:t>&gt;{% block </a:t>
+            </a:r>
+            <a:r>
+              <a:rPr kumimoji="0" lang="en-US" altLang="en-US" sz="1400" b="0" i="0" u="none" strike="noStrike" cap="none" normalizeH="0" baseline="0" dirty="0" err="1">
+                <a:ln>
+                  <a:noFill/>
+                </a:ln>
+                <a:solidFill>
+                  <a:srgbClr val="000000"/>
+                </a:solidFill>
+                <a:effectLst/>
+                <a:latin typeface="Courier New" panose="02070309020205020404" pitchFamily="49" charset="0"/>
+                <a:cs typeface="Courier New" panose="02070309020205020404" pitchFamily="49" charset="0"/>
+              </a:rPr>
+              <a:t>page_title</a:t>
+            </a:r>
+            <a:r>
+              <a:rPr kumimoji="0" lang="en-US" altLang="en-US" sz="1400" b="0" i="0" u="none" strike="noStrike" cap="none" normalizeH="0" baseline="0" dirty="0">
+                <a:ln>
+                  <a:noFill/>
+                </a:ln>
+                <a:solidFill>
+                  <a:srgbClr val="000000"/>
+                </a:solidFill>
+                <a:effectLst/>
+                <a:latin typeface="Courier New" panose="02070309020205020404" pitchFamily="49" charset="0"/>
+                <a:cs typeface="Courier New" panose="02070309020205020404" pitchFamily="49" charset="0"/>
+              </a:rPr>
+              <a:t> %}My Challenges{% </a:t>
+            </a:r>
+            <a:r>
+              <a:rPr kumimoji="0" lang="en-US" altLang="en-US" sz="1400" b="0" i="0" u="none" strike="noStrike" cap="none" normalizeH="0" baseline="0" dirty="0" err="1">
+                <a:ln>
+                  <a:noFill/>
+                </a:ln>
+                <a:solidFill>
+                  <a:srgbClr val="000000"/>
+                </a:solidFill>
+                <a:effectLst/>
+                <a:latin typeface="Courier New" panose="02070309020205020404" pitchFamily="49" charset="0"/>
+                <a:cs typeface="Courier New" panose="02070309020205020404" pitchFamily="49" charset="0"/>
+              </a:rPr>
+              <a:t>endblock</a:t>
+            </a:r>
+            <a:r>
+              <a:rPr kumimoji="0" lang="en-US" altLang="en-US" sz="1400" b="0" i="0" u="none" strike="noStrike" cap="none" normalizeH="0" baseline="0" dirty="0">
+                <a:ln>
+                  <a:noFill/>
+                </a:ln>
+                <a:solidFill>
+                  <a:srgbClr val="000000"/>
+                </a:solidFill>
+                <a:effectLst/>
+                <a:latin typeface="Courier New" panose="02070309020205020404" pitchFamily="49" charset="0"/>
+                <a:cs typeface="Courier New" panose="02070309020205020404" pitchFamily="49" charset="0"/>
+              </a:rPr>
+              <a:t> %}&lt;/</a:t>
+            </a:r>
+            <a:r>
+              <a:rPr kumimoji="0" lang="en-US" altLang="en-US" sz="1400" b="1" i="0" u="none" strike="noStrike" cap="none" normalizeH="0" baseline="0" dirty="0">
+                <a:ln>
+                  <a:noFill/>
+                </a:ln>
+                <a:solidFill>
+                  <a:srgbClr val="000080"/>
+                </a:solidFill>
+                <a:effectLst/>
+                <a:latin typeface="Courier New" panose="02070309020205020404" pitchFamily="49" charset="0"/>
+                <a:cs typeface="Courier New" panose="02070309020205020404" pitchFamily="49" charset="0"/>
+              </a:rPr>
+              <a:t>title</a:t>
+            </a:r>
+            <a:r>
+              <a:rPr kumimoji="0" lang="en-US" altLang="en-US" sz="1400" b="0" i="0" u="none" strike="noStrike" cap="none" normalizeH="0" baseline="0" dirty="0">
+                <a:ln>
+                  <a:noFill/>
+                </a:ln>
+                <a:solidFill>
+                  <a:srgbClr val="000000"/>
+                </a:solidFill>
+                <a:effectLst/>
+                <a:latin typeface="Courier New" panose="02070309020205020404" pitchFamily="49" charset="0"/>
+                <a:cs typeface="Courier New" panose="02070309020205020404" pitchFamily="49" charset="0"/>
+              </a:rPr>
+              <a:t>&gt;</a:t>
+            </a:r>
+            <a:br>
+              <a:rPr kumimoji="0" lang="en-US" altLang="en-US" sz="1400" b="0" i="0" u="none" strike="noStrike" cap="none" normalizeH="0" baseline="0" dirty="0">
+                <a:ln>
+                  <a:noFill/>
+                </a:ln>
+                <a:solidFill>
+                  <a:srgbClr val="000000"/>
+                </a:solidFill>
+                <a:effectLst/>
+                <a:latin typeface="Courier New" panose="02070309020205020404" pitchFamily="49" charset="0"/>
+                <a:cs typeface="Courier New" panose="02070309020205020404" pitchFamily="49" charset="0"/>
+              </a:rPr>
+            </a:br>
+            <a:r>
+              <a:rPr kumimoji="0" lang="en-US" altLang="en-US" sz="1400" b="0" i="0" u="none" strike="noStrike" cap="none" normalizeH="0" baseline="0" dirty="0">
+                <a:ln>
+                  <a:noFill/>
+                </a:ln>
+                <a:solidFill>
+                  <a:srgbClr val="000000"/>
+                </a:solidFill>
+                <a:effectLst/>
+                <a:latin typeface="Courier New" panose="02070309020205020404" pitchFamily="49" charset="0"/>
+                <a:cs typeface="Courier New" panose="02070309020205020404" pitchFamily="49" charset="0"/>
+              </a:rPr>
+              <a:t>&lt;/</a:t>
+            </a:r>
+            <a:r>
+              <a:rPr kumimoji="0" lang="en-US" altLang="en-US" sz="1400" b="1" i="0" u="none" strike="noStrike" cap="none" normalizeH="0" baseline="0" dirty="0">
+                <a:ln>
+                  <a:noFill/>
+                </a:ln>
+                <a:solidFill>
+                  <a:srgbClr val="000080"/>
+                </a:solidFill>
+                <a:effectLst/>
+                <a:latin typeface="Courier New" panose="02070309020205020404" pitchFamily="49" charset="0"/>
+                <a:cs typeface="Courier New" panose="02070309020205020404" pitchFamily="49" charset="0"/>
+              </a:rPr>
+              <a:t>head</a:t>
+            </a:r>
+            <a:r>
+              <a:rPr kumimoji="0" lang="en-US" altLang="en-US" sz="1400" b="0" i="0" u="none" strike="noStrike" cap="none" normalizeH="0" baseline="0" dirty="0">
+                <a:ln>
+                  <a:noFill/>
+                </a:ln>
+                <a:solidFill>
+                  <a:srgbClr val="000000"/>
+                </a:solidFill>
+                <a:effectLst/>
+                <a:latin typeface="Courier New" panose="02070309020205020404" pitchFamily="49" charset="0"/>
+                <a:cs typeface="Courier New" panose="02070309020205020404" pitchFamily="49" charset="0"/>
+              </a:rPr>
+              <a:t>&gt;</a:t>
+            </a:r>
+            <a:br>
+              <a:rPr kumimoji="0" lang="en-US" altLang="en-US" sz="1400" b="0" i="0" u="none" strike="noStrike" cap="none" normalizeH="0" baseline="0" dirty="0">
+                <a:ln>
+                  <a:noFill/>
+                </a:ln>
+                <a:solidFill>
+                  <a:srgbClr val="000000"/>
+                </a:solidFill>
+                <a:effectLst/>
+                <a:latin typeface="Courier New" panose="02070309020205020404" pitchFamily="49" charset="0"/>
+                <a:cs typeface="Courier New" panose="02070309020205020404" pitchFamily="49" charset="0"/>
+              </a:rPr>
+            </a:br>
+            <a:r>
+              <a:rPr kumimoji="0" lang="en-US" altLang="en-US" sz="1400" b="0" i="0" u="none" strike="noStrike" cap="none" normalizeH="0" baseline="0" dirty="0">
+                <a:ln>
+                  <a:noFill/>
+                </a:ln>
+                <a:solidFill>
+                  <a:srgbClr val="000000"/>
+                </a:solidFill>
+                <a:effectLst/>
+                <a:latin typeface="Courier New" panose="02070309020205020404" pitchFamily="49" charset="0"/>
+                <a:cs typeface="Courier New" panose="02070309020205020404" pitchFamily="49" charset="0"/>
+              </a:rPr>
+              <a:t>&lt;</a:t>
+            </a:r>
+            <a:r>
+              <a:rPr kumimoji="0" lang="en-US" altLang="en-US" sz="1400" b="1" i="0" u="none" strike="noStrike" cap="none" normalizeH="0" baseline="0" dirty="0">
+                <a:ln>
+                  <a:noFill/>
+                </a:ln>
+                <a:solidFill>
+                  <a:srgbClr val="000080"/>
+                </a:solidFill>
+                <a:effectLst/>
+                <a:latin typeface="Courier New" panose="02070309020205020404" pitchFamily="49" charset="0"/>
+                <a:cs typeface="Courier New" panose="02070309020205020404" pitchFamily="49" charset="0"/>
+              </a:rPr>
+              <a:t>body</a:t>
+            </a:r>
+            <a:r>
+              <a:rPr kumimoji="0" lang="en-US" altLang="en-US" sz="1400" b="0" i="0" u="none" strike="noStrike" cap="none" normalizeH="0" baseline="0" dirty="0">
+                <a:ln>
+                  <a:noFill/>
+                </a:ln>
+                <a:solidFill>
+                  <a:srgbClr val="000000"/>
+                </a:solidFill>
+                <a:effectLst/>
+                <a:latin typeface="Courier New" panose="02070309020205020404" pitchFamily="49" charset="0"/>
+                <a:cs typeface="Courier New" panose="02070309020205020404" pitchFamily="49" charset="0"/>
+              </a:rPr>
+              <a:t>&gt;</a:t>
+            </a:r>
+            <a:br>
+              <a:rPr kumimoji="0" lang="en-US" altLang="en-US" sz="1400" b="0" i="0" u="none" strike="noStrike" cap="none" normalizeH="0" baseline="0" dirty="0">
+                <a:ln>
+                  <a:noFill/>
+                </a:ln>
+                <a:solidFill>
+                  <a:srgbClr val="000000"/>
+                </a:solidFill>
+                <a:effectLst/>
+                <a:latin typeface="Courier New" panose="02070309020205020404" pitchFamily="49" charset="0"/>
+                <a:cs typeface="Courier New" panose="02070309020205020404" pitchFamily="49" charset="0"/>
+              </a:rPr>
+            </a:br>
+            <a:r>
+              <a:rPr kumimoji="0" lang="en-US" altLang="en-US" sz="1400" b="0" i="0" u="none" strike="noStrike" cap="none" normalizeH="0" baseline="0" dirty="0">
+                <a:ln>
+                  <a:noFill/>
+                </a:ln>
+                <a:solidFill>
+                  <a:srgbClr val="000000"/>
+                </a:solidFill>
+                <a:effectLst/>
+                <a:latin typeface="Courier New" panose="02070309020205020404" pitchFamily="49" charset="0"/>
+                <a:cs typeface="Courier New" panose="02070309020205020404" pitchFamily="49" charset="0"/>
+              </a:rPr>
+              <a:t>    {% block content %}</a:t>
+            </a:r>
+            <a:br>
+              <a:rPr kumimoji="0" lang="en-US" altLang="en-US" sz="1400" b="0" i="0" u="none" strike="noStrike" cap="none" normalizeH="0" baseline="0" dirty="0">
+                <a:ln>
+                  <a:noFill/>
+                </a:ln>
+                <a:solidFill>
+                  <a:srgbClr val="000000"/>
+                </a:solidFill>
+                <a:effectLst/>
+                <a:latin typeface="Courier New" panose="02070309020205020404" pitchFamily="49" charset="0"/>
+                <a:cs typeface="Courier New" panose="02070309020205020404" pitchFamily="49" charset="0"/>
+              </a:rPr>
+            </a:br>
+            <a:r>
+              <a:rPr kumimoji="0" lang="en-US" altLang="en-US" sz="1400" b="0" i="0" u="none" strike="noStrike" cap="none" normalizeH="0" baseline="0" dirty="0">
+                <a:ln>
+                  <a:noFill/>
+                </a:ln>
+                <a:solidFill>
+                  <a:srgbClr val="000000"/>
+                </a:solidFill>
+                <a:effectLst/>
+                <a:latin typeface="Courier New" panose="02070309020205020404" pitchFamily="49" charset="0"/>
+                <a:cs typeface="Courier New" panose="02070309020205020404" pitchFamily="49" charset="0"/>
+              </a:rPr>
+              <a:t>    {% </a:t>
+            </a:r>
+            <a:r>
+              <a:rPr kumimoji="0" lang="en-US" altLang="en-US" sz="1400" b="0" i="0" u="none" strike="noStrike" cap="none" normalizeH="0" baseline="0" dirty="0" err="1">
+                <a:ln>
+                  <a:noFill/>
+                </a:ln>
+                <a:solidFill>
+                  <a:srgbClr val="000000"/>
+                </a:solidFill>
+                <a:effectLst/>
+                <a:latin typeface="Courier New" panose="02070309020205020404" pitchFamily="49" charset="0"/>
+                <a:cs typeface="Courier New" panose="02070309020205020404" pitchFamily="49" charset="0"/>
+              </a:rPr>
+              <a:t>endblock</a:t>
+            </a:r>
+            <a:r>
+              <a:rPr kumimoji="0" lang="en-US" altLang="en-US" sz="1400" b="0" i="0" u="none" strike="noStrike" cap="none" normalizeH="0" baseline="0" dirty="0">
+                <a:ln>
+                  <a:noFill/>
+                </a:ln>
+                <a:solidFill>
+                  <a:srgbClr val="000000"/>
+                </a:solidFill>
+                <a:effectLst/>
+                <a:latin typeface="Courier New" panose="02070309020205020404" pitchFamily="49" charset="0"/>
+                <a:cs typeface="Courier New" panose="02070309020205020404" pitchFamily="49" charset="0"/>
+              </a:rPr>
+              <a:t> %}</a:t>
+            </a:r>
+            <a:br>
+              <a:rPr kumimoji="0" lang="en-US" altLang="en-US" sz="1400" b="0" i="0" u="none" strike="noStrike" cap="none" normalizeH="0" baseline="0" dirty="0">
+                <a:ln>
+                  <a:noFill/>
+                </a:ln>
+                <a:solidFill>
+                  <a:srgbClr val="000000"/>
+                </a:solidFill>
+                <a:effectLst/>
+                <a:latin typeface="Courier New" panose="02070309020205020404" pitchFamily="49" charset="0"/>
+                <a:cs typeface="Courier New" panose="02070309020205020404" pitchFamily="49" charset="0"/>
+              </a:rPr>
+            </a:br>
+            <a:r>
+              <a:rPr kumimoji="0" lang="en-US" altLang="en-US" sz="1400" b="0" i="0" u="none" strike="noStrike" cap="none" normalizeH="0" baseline="0" dirty="0">
+                <a:ln>
+                  <a:noFill/>
+                </a:ln>
+                <a:solidFill>
+                  <a:srgbClr val="000000"/>
+                </a:solidFill>
+                <a:effectLst/>
+                <a:latin typeface="Courier New" panose="02070309020205020404" pitchFamily="49" charset="0"/>
+                <a:cs typeface="Courier New" panose="02070309020205020404" pitchFamily="49" charset="0"/>
+              </a:rPr>
+              <a:t>&lt;/</a:t>
+            </a:r>
+            <a:r>
+              <a:rPr kumimoji="0" lang="en-US" altLang="en-US" sz="1400" b="1" i="0" u="none" strike="noStrike" cap="none" normalizeH="0" baseline="0" dirty="0">
+                <a:ln>
+                  <a:noFill/>
+                </a:ln>
+                <a:solidFill>
+                  <a:srgbClr val="000080"/>
+                </a:solidFill>
+                <a:effectLst/>
+                <a:latin typeface="Courier New" panose="02070309020205020404" pitchFamily="49" charset="0"/>
+                <a:cs typeface="Courier New" panose="02070309020205020404" pitchFamily="49" charset="0"/>
+              </a:rPr>
+              <a:t>body</a:t>
+            </a:r>
+            <a:r>
+              <a:rPr kumimoji="0" lang="en-US" altLang="en-US" sz="1400" b="0" i="0" u="none" strike="noStrike" cap="none" normalizeH="0" baseline="0" dirty="0">
+                <a:ln>
+                  <a:noFill/>
+                </a:ln>
+                <a:solidFill>
+                  <a:srgbClr val="000000"/>
+                </a:solidFill>
+                <a:effectLst/>
+                <a:latin typeface="Courier New" panose="02070309020205020404" pitchFamily="49" charset="0"/>
+                <a:cs typeface="Courier New" panose="02070309020205020404" pitchFamily="49" charset="0"/>
+              </a:rPr>
+              <a:t>&gt;</a:t>
+            </a:r>
+            <a:br>
+              <a:rPr kumimoji="0" lang="en-US" altLang="en-US" sz="1400" b="0" i="0" u="none" strike="noStrike" cap="none" normalizeH="0" baseline="0" dirty="0">
+                <a:ln>
+                  <a:noFill/>
+                </a:ln>
+                <a:solidFill>
+                  <a:srgbClr val="000000"/>
+                </a:solidFill>
+                <a:effectLst/>
+                <a:latin typeface="Courier New" panose="02070309020205020404" pitchFamily="49" charset="0"/>
+                <a:cs typeface="Courier New" panose="02070309020205020404" pitchFamily="49" charset="0"/>
+              </a:rPr>
+            </a:br>
+            <a:r>
+              <a:rPr kumimoji="0" lang="en-US" altLang="en-US" sz="1400" b="0" i="0" u="none" strike="noStrike" cap="none" normalizeH="0" baseline="0" dirty="0">
+                <a:ln>
+                  <a:noFill/>
+                </a:ln>
+                <a:solidFill>
+                  <a:srgbClr val="000000"/>
+                </a:solidFill>
+                <a:effectLst/>
+                <a:latin typeface="Courier New" panose="02070309020205020404" pitchFamily="49" charset="0"/>
+                <a:cs typeface="Courier New" panose="02070309020205020404" pitchFamily="49" charset="0"/>
+              </a:rPr>
+              <a:t>&lt;/</a:t>
+            </a:r>
+            <a:r>
+              <a:rPr kumimoji="0" lang="en-US" altLang="en-US" sz="1400" b="1" i="0" u="none" strike="noStrike" cap="none" normalizeH="0" baseline="0" dirty="0">
+                <a:ln>
+                  <a:noFill/>
+                </a:ln>
+                <a:solidFill>
+                  <a:srgbClr val="000080"/>
+                </a:solidFill>
+                <a:effectLst/>
+                <a:latin typeface="Courier New" panose="02070309020205020404" pitchFamily="49" charset="0"/>
+                <a:cs typeface="Courier New" panose="02070309020205020404" pitchFamily="49" charset="0"/>
+              </a:rPr>
+              <a:t>html</a:t>
+            </a:r>
+            <a:r>
+              <a:rPr kumimoji="0" lang="en-US" altLang="en-US" sz="1400" b="0" i="0" u="none" strike="noStrike" cap="none" normalizeH="0" baseline="0" dirty="0">
+                <a:ln>
+                  <a:noFill/>
+                </a:ln>
+                <a:solidFill>
+                  <a:srgbClr val="000000"/>
+                </a:solidFill>
+                <a:effectLst/>
+                <a:latin typeface="Courier New" panose="02070309020205020404" pitchFamily="49" charset="0"/>
+                <a:cs typeface="Courier New" panose="02070309020205020404" pitchFamily="49" charset="0"/>
+              </a:rPr>
+              <a:t>&gt;</a:t>
+            </a:r>
+            <a:endParaRPr kumimoji="0" lang="en-US" altLang="en-US" sz="1400" b="0" i="0" u="none" strike="noStrike" cap="none" normalizeH="0" baseline="0" dirty="0">
+              <a:ln>
+                <a:noFill/>
+              </a:ln>
+              <a:solidFill>
+                <a:schemeClr val="tx1"/>
+              </a:solidFill>
+              <a:effectLst/>
+              <a:latin typeface="Arial" panose="020B0604020202020204" pitchFamily="34" charset="0"/>
+            </a:endParaRPr>
+          </a:p>
+        </p:txBody>
+      </p:sp>
+    </p:spTree>
+    <p:extLst>
+      <p:ext uri="{BB962C8B-B14F-4D97-AF65-F5344CB8AC3E}">
+        <p14:creationId xmlns:p14="http://schemas.microsoft.com/office/powerpoint/2010/main" val="2121226671"/>
+      </p:ext>
+    </p:extLst>
+  </p:cSld>
+  <p:clrMapOvr>
+    <a:masterClrMapping/>
+  </p:clrMapOvr>
+</p:sld>
+</file>
+
+<file path=ppt/slides/slide85.xml><?xml version="1.0" encoding="utf-8"?>
+<p:sld xmlns:a="http://schemas.openxmlformats.org/drawingml/2006/main" xmlns:r="http://schemas.openxmlformats.org/officeDocument/2006/relationships" xmlns:p="http://schemas.openxmlformats.org/presentationml/2006/main">
+  <p:cSld>
+    <p:spTree>
+      <p:nvGrpSpPr>
+        <p:cNvPr id="1" name=""/>
+        <p:cNvGrpSpPr/>
+        <p:nvPr/>
+      </p:nvGrpSpPr>
+      <p:grpSpPr>
+        <a:xfrm>
+          <a:off x="0" y="0"/>
+          <a:ext cx="0" cy="0"/>
+          <a:chOff x="0" y="0"/>
+          <a:chExt cx="0" cy="0"/>
+        </a:xfrm>
+      </p:grpSpPr>
+      <p:sp>
+        <p:nvSpPr>
+          <p:cNvPr id="2" name="Title 1">
+            <a:extLst>
+              <a:ext uri="{FF2B5EF4-FFF2-40B4-BE49-F238E27FC236}">
+                <a16:creationId xmlns:a16="http://schemas.microsoft.com/office/drawing/2014/main" id="{D526BE25-52F4-4A1C-A6A4-795DC527BBDC}"/>
+              </a:ext>
+            </a:extLst>
+          </p:cNvPr>
+          <p:cNvSpPr>
+            <a:spLocks noGrp="1"/>
+          </p:cNvSpPr>
+          <p:nvPr>
+            <p:ph type="title"/>
+          </p:nvPr>
+        </p:nvSpPr>
+        <p:spPr/>
+        <p:txBody>
+          <a:bodyPr/>
+          <a:lstStyle/>
+          <a:p>
+            <a:r>
+              <a:rPr lang="en-IN" dirty="0"/>
+              <a:t>Extends Tag</a:t>
+            </a:r>
+          </a:p>
+        </p:txBody>
+      </p:sp>
+      <p:sp>
+        <p:nvSpPr>
+          <p:cNvPr id="3" name="Content Placeholder 2">
+            <a:extLst>
+              <a:ext uri="{FF2B5EF4-FFF2-40B4-BE49-F238E27FC236}">
+                <a16:creationId xmlns:a16="http://schemas.microsoft.com/office/drawing/2014/main" id="{3F039E51-9FE2-4575-A1BA-6EA03D6E5391}"/>
+              </a:ext>
+            </a:extLst>
+          </p:cNvPr>
+          <p:cNvSpPr>
+            <a:spLocks noGrp="1"/>
+          </p:cNvSpPr>
+          <p:nvPr>
+            <p:ph idx="1"/>
+          </p:nvPr>
+        </p:nvSpPr>
+        <p:spPr/>
+        <p:txBody>
+          <a:bodyPr/>
+          <a:lstStyle/>
+          <a:p>
+            <a:r>
+              <a:rPr lang="en-IN" dirty="0"/>
+              <a:t>Extends will enable one to extend/inherit another template</a:t>
+            </a:r>
+          </a:p>
+          <a:p>
+            <a:r>
+              <a:rPr lang="en-IN" dirty="0"/>
+              <a:t>For example in index.html</a:t>
+            </a:r>
+          </a:p>
+        </p:txBody>
+      </p:sp>
+      <p:sp>
+        <p:nvSpPr>
+          <p:cNvPr id="4" name="Rectangle 1">
+            <a:extLst>
+              <a:ext uri="{FF2B5EF4-FFF2-40B4-BE49-F238E27FC236}">
+                <a16:creationId xmlns:a16="http://schemas.microsoft.com/office/drawing/2014/main" id="{24DA070B-D629-4FE7-ADFA-AFBBBDDFDF22}"/>
+              </a:ext>
+            </a:extLst>
+          </p:cNvPr>
+          <p:cNvSpPr>
+            <a:spLocks noChangeArrowheads="1"/>
+          </p:cNvSpPr>
+          <p:nvPr/>
+        </p:nvSpPr>
+        <p:spPr bwMode="auto">
+          <a:xfrm>
+            <a:off x="1048623" y="3109434"/>
+            <a:ext cx="10528184" cy="2677656"/>
+          </a:xfrm>
+          <a:prstGeom prst="rect">
+            <a:avLst/>
+          </a:prstGeom>
+          <a:solidFill>
+            <a:srgbClr val="FFFFFF"/>
+          </a:solidFill>
+          <a:ln>
+            <a:noFill/>
+          </a:ln>
+          <a:effectLst/>
+          <a:extLst>
+            <a:ext uri="{91240B29-F687-4F45-9708-019B960494DF}">
+              <a14:hiddenLine xmlns:a14="http://schemas.microsoft.com/office/drawing/2010/main" w="9525">
+                <a:solidFill>
+                  <a:schemeClr val="tx1"/>
+                </a:solidFill>
+                <a:miter lim="800000"/>
+                <a:headEnd/>
+                <a:tailEnd/>
+              </a14:hiddenLine>
+            </a:ext>
+            <a:ext uri="{AF507438-7753-43E0-B8FC-AC1667EBCBE1}">
+              <a14:hiddenEffects xmlns:a14="http://schemas.microsoft.com/office/drawing/2010/main">
+                <a:effectLst>
+                  <a:outerShdw dist="35921" dir="2700000" algn="ctr" rotWithShape="0">
+                    <a:schemeClr val="bg2"/>
+                  </a:outerShdw>
+                </a:effectLst>
+              </a14:hiddenEffects>
+            </a:ext>
+          </a:extLst>
+        </p:spPr>
+        <p:txBody>
+          <a:bodyPr vert="horz" wrap="square" lIns="91440" tIns="45720" rIns="91440" bIns="45720" numCol="1" anchor="ctr" anchorCtr="0" compatLnSpc="1">
+            <a:prstTxWarp prst="textNoShape">
+              <a:avLst/>
+            </a:prstTxWarp>
+            <a:spAutoFit/>
+          </a:bodyPr>
+          <a:lstStyle/>
+          <a:p>
+            <a:pPr marL="0" marR="0" lvl="0" indent="0" algn="l" defTabSz="914400" rtl="0" eaLnBrk="0" fontAlgn="base" latinLnBrk="0" hangingPunct="0">
+              <a:lnSpc>
+                <a:spcPct val="100000"/>
+              </a:lnSpc>
+              <a:spcBef>
+                <a:spcPct val="0"/>
+              </a:spcBef>
+              <a:spcAft>
+                <a:spcPct val="0"/>
+              </a:spcAft>
+              <a:buClrTx/>
+              <a:buSzTx/>
+              <a:buFontTx/>
+              <a:buNone/>
+              <a:tabLst/>
+            </a:pPr>
+            <a:r>
+              <a:rPr kumimoji="0" lang="en-US" altLang="en-US" sz="1400" b="0" i="0" u="none" strike="noStrike" cap="none" normalizeH="0" baseline="0" dirty="0">
+                <a:ln>
+                  <a:noFill/>
+                </a:ln>
+                <a:solidFill>
+                  <a:srgbClr val="000000"/>
+                </a:solidFill>
+                <a:effectLst/>
+                <a:latin typeface="Courier New" panose="02070309020205020404" pitchFamily="49" charset="0"/>
+                <a:cs typeface="Courier New" panose="02070309020205020404" pitchFamily="49" charset="0"/>
+              </a:rPr>
+              <a:t>{% extends "base.html" %}</a:t>
+            </a:r>
+            <a:br>
+              <a:rPr kumimoji="0" lang="en-US" altLang="en-US" sz="1400" b="0" i="0" u="none" strike="noStrike" cap="none" normalizeH="0" baseline="0" dirty="0">
+                <a:ln>
+                  <a:noFill/>
+                </a:ln>
+                <a:solidFill>
+                  <a:srgbClr val="000000"/>
+                </a:solidFill>
+                <a:effectLst/>
+                <a:latin typeface="Courier New" panose="02070309020205020404" pitchFamily="49" charset="0"/>
+                <a:cs typeface="Courier New" panose="02070309020205020404" pitchFamily="49" charset="0"/>
+              </a:rPr>
+            </a:br>
+            <a:br>
+              <a:rPr kumimoji="0" lang="en-US" altLang="en-US" sz="1400" b="0" i="1" u="none" strike="noStrike" cap="none" normalizeH="0" baseline="0" dirty="0">
+                <a:ln>
+                  <a:noFill/>
+                </a:ln>
+                <a:solidFill>
+                  <a:srgbClr val="808080"/>
+                </a:solidFill>
+                <a:effectLst/>
+                <a:latin typeface="Courier New" panose="02070309020205020404" pitchFamily="49" charset="0"/>
+                <a:cs typeface="Courier New" panose="02070309020205020404" pitchFamily="49" charset="0"/>
+              </a:rPr>
+            </a:br>
+            <a:r>
+              <a:rPr kumimoji="0" lang="en-US" altLang="en-US" sz="1400" b="0" i="0" u="none" strike="noStrike" cap="none" normalizeH="0" baseline="0" dirty="0">
+                <a:ln>
+                  <a:noFill/>
+                </a:ln>
+                <a:solidFill>
+                  <a:srgbClr val="000000"/>
+                </a:solidFill>
+                <a:effectLst/>
+                <a:latin typeface="Courier New" panose="02070309020205020404" pitchFamily="49" charset="0"/>
+                <a:cs typeface="Courier New" panose="02070309020205020404" pitchFamily="49" charset="0"/>
+              </a:rPr>
+              <a:t>{% block </a:t>
+            </a:r>
+            <a:r>
+              <a:rPr kumimoji="0" lang="en-US" altLang="en-US" sz="1400" b="0" i="0" u="none" strike="noStrike" cap="none" normalizeH="0" baseline="0" dirty="0" err="1">
+                <a:ln>
+                  <a:noFill/>
+                </a:ln>
+                <a:solidFill>
+                  <a:srgbClr val="000000"/>
+                </a:solidFill>
+                <a:effectLst/>
+                <a:latin typeface="Courier New" panose="02070309020205020404" pitchFamily="49" charset="0"/>
+                <a:cs typeface="Courier New" panose="02070309020205020404" pitchFamily="49" charset="0"/>
+              </a:rPr>
+              <a:t>page_title</a:t>
+            </a:r>
+            <a:r>
+              <a:rPr kumimoji="0" lang="en-US" altLang="en-US" sz="1400" b="0" i="0" u="none" strike="noStrike" cap="none" normalizeH="0" baseline="0" dirty="0">
+                <a:ln>
+                  <a:noFill/>
+                </a:ln>
+                <a:solidFill>
+                  <a:srgbClr val="000000"/>
+                </a:solidFill>
+                <a:effectLst/>
+                <a:latin typeface="Courier New" panose="02070309020205020404" pitchFamily="49" charset="0"/>
+                <a:cs typeface="Courier New" panose="02070309020205020404" pitchFamily="49" charset="0"/>
+              </a:rPr>
+              <a:t> %}</a:t>
+            </a:r>
+            <a:br>
+              <a:rPr kumimoji="0" lang="en-US" altLang="en-US" sz="1400" b="0" i="0" u="none" strike="noStrike" cap="none" normalizeH="0" baseline="0" dirty="0">
+                <a:ln>
+                  <a:noFill/>
+                </a:ln>
+                <a:solidFill>
+                  <a:srgbClr val="000000"/>
+                </a:solidFill>
+                <a:effectLst/>
+                <a:latin typeface="Courier New" panose="02070309020205020404" pitchFamily="49" charset="0"/>
+                <a:cs typeface="Courier New" panose="02070309020205020404" pitchFamily="49" charset="0"/>
+              </a:rPr>
+            </a:br>
+            <a:r>
+              <a:rPr kumimoji="0" lang="en-US" altLang="en-US" sz="1400" b="0" i="0" u="none" strike="noStrike" cap="none" normalizeH="0" baseline="0" dirty="0">
+                <a:ln>
+                  <a:noFill/>
+                </a:ln>
+                <a:solidFill>
+                  <a:srgbClr val="000000"/>
+                </a:solidFill>
+                <a:effectLst/>
+                <a:latin typeface="Courier New" panose="02070309020205020404" pitchFamily="49" charset="0"/>
+                <a:cs typeface="Courier New" panose="02070309020205020404" pitchFamily="49" charset="0"/>
+              </a:rPr>
+              <a:t>All Challenges</a:t>
+            </a:r>
+            <a:br>
+              <a:rPr kumimoji="0" lang="en-US" altLang="en-US" sz="1400" b="0" i="0" u="none" strike="noStrike" cap="none" normalizeH="0" baseline="0" dirty="0">
+                <a:ln>
+                  <a:noFill/>
+                </a:ln>
+                <a:solidFill>
+                  <a:srgbClr val="000000"/>
+                </a:solidFill>
+                <a:effectLst/>
+                <a:latin typeface="Courier New" panose="02070309020205020404" pitchFamily="49" charset="0"/>
+                <a:cs typeface="Courier New" panose="02070309020205020404" pitchFamily="49" charset="0"/>
+              </a:rPr>
+            </a:br>
+            <a:r>
+              <a:rPr kumimoji="0" lang="en-US" altLang="en-US" sz="1400" b="0" i="0" u="none" strike="noStrike" cap="none" normalizeH="0" baseline="0" dirty="0">
+                <a:ln>
+                  <a:noFill/>
+                </a:ln>
+                <a:solidFill>
+                  <a:srgbClr val="000000"/>
+                </a:solidFill>
+                <a:effectLst/>
+                <a:latin typeface="Courier New" panose="02070309020205020404" pitchFamily="49" charset="0"/>
+                <a:cs typeface="Courier New" panose="02070309020205020404" pitchFamily="49" charset="0"/>
+              </a:rPr>
+              <a:t>{% </a:t>
+            </a:r>
+            <a:r>
+              <a:rPr kumimoji="0" lang="en-US" altLang="en-US" sz="1400" b="0" i="0" u="none" strike="noStrike" cap="none" normalizeH="0" baseline="0" dirty="0" err="1">
+                <a:ln>
+                  <a:noFill/>
+                </a:ln>
+                <a:solidFill>
+                  <a:srgbClr val="000000"/>
+                </a:solidFill>
+                <a:effectLst/>
+                <a:latin typeface="Courier New" panose="02070309020205020404" pitchFamily="49" charset="0"/>
+                <a:cs typeface="Courier New" panose="02070309020205020404" pitchFamily="49" charset="0"/>
+              </a:rPr>
+              <a:t>endblock</a:t>
+            </a:r>
+            <a:r>
+              <a:rPr kumimoji="0" lang="en-US" altLang="en-US" sz="1400" b="0" i="0" u="none" strike="noStrike" cap="none" normalizeH="0" baseline="0" dirty="0">
+                <a:ln>
+                  <a:noFill/>
+                </a:ln>
+                <a:solidFill>
+                  <a:srgbClr val="000000"/>
+                </a:solidFill>
+                <a:effectLst/>
+                <a:latin typeface="Courier New" panose="02070309020205020404" pitchFamily="49" charset="0"/>
+                <a:cs typeface="Courier New" panose="02070309020205020404" pitchFamily="49" charset="0"/>
+              </a:rPr>
+              <a:t> %}</a:t>
+            </a:r>
+            <a:br>
+              <a:rPr kumimoji="0" lang="en-US" altLang="en-US" sz="1400" b="0" i="0" u="none" strike="noStrike" cap="none" normalizeH="0" baseline="0" dirty="0">
+                <a:ln>
+                  <a:noFill/>
+                </a:ln>
+                <a:solidFill>
+                  <a:srgbClr val="000000"/>
+                </a:solidFill>
+                <a:effectLst/>
+                <a:latin typeface="Courier New" panose="02070309020205020404" pitchFamily="49" charset="0"/>
+                <a:cs typeface="Courier New" panose="02070309020205020404" pitchFamily="49" charset="0"/>
+              </a:rPr>
+            </a:br>
+            <a:r>
+              <a:rPr kumimoji="0" lang="en-US" altLang="en-US" sz="1400" b="0" i="0" u="none" strike="noStrike" cap="none" normalizeH="0" baseline="0" dirty="0">
+                <a:ln>
+                  <a:noFill/>
+                </a:ln>
+                <a:solidFill>
+                  <a:srgbClr val="000000"/>
+                </a:solidFill>
+                <a:effectLst/>
+                <a:latin typeface="Courier New" panose="02070309020205020404" pitchFamily="49" charset="0"/>
+                <a:cs typeface="Courier New" panose="02070309020205020404" pitchFamily="49" charset="0"/>
+              </a:rPr>
+              <a:t>{% block content %}</a:t>
+            </a:r>
+            <a:br>
+              <a:rPr kumimoji="0" lang="en-US" altLang="en-US" sz="1400" b="0" i="0" u="none" strike="noStrike" cap="none" normalizeH="0" baseline="0" dirty="0">
+                <a:ln>
+                  <a:noFill/>
+                </a:ln>
+                <a:solidFill>
+                  <a:srgbClr val="000000"/>
+                </a:solidFill>
+                <a:effectLst/>
+                <a:latin typeface="Courier New" panose="02070309020205020404" pitchFamily="49" charset="0"/>
+                <a:cs typeface="Courier New" panose="02070309020205020404" pitchFamily="49" charset="0"/>
+              </a:rPr>
+            </a:br>
+            <a:r>
+              <a:rPr kumimoji="0" lang="en-US" altLang="en-US" sz="1400" b="0" i="0" u="none" strike="noStrike" cap="none" normalizeH="0" baseline="0" dirty="0">
+                <a:ln>
+                  <a:noFill/>
+                </a:ln>
+                <a:solidFill>
+                  <a:srgbClr val="000000"/>
+                </a:solidFill>
+                <a:effectLst/>
+                <a:latin typeface="Courier New" panose="02070309020205020404" pitchFamily="49" charset="0"/>
+                <a:cs typeface="Courier New" panose="02070309020205020404" pitchFamily="49" charset="0"/>
+              </a:rPr>
+              <a:t>    &lt;</a:t>
+            </a:r>
+            <a:r>
+              <a:rPr kumimoji="0" lang="en-US" altLang="en-US" sz="1400" b="1" i="0" u="none" strike="noStrike" cap="none" normalizeH="0" baseline="0" dirty="0">
+                <a:ln>
+                  <a:noFill/>
+                </a:ln>
+                <a:solidFill>
+                  <a:srgbClr val="000080"/>
+                </a:solidFill>
+                <a:effectLst/>
+                <a:latin typeface="Courier New" panose="02070309020205020404" pitchFamily="49" charset="0"/>
+                <a:cs typeface="Courier New" panose="02070309020205020404" pitchFamily="49" charset="0"/>
+              </a:rPr>
+              <a:t>ul</a:t>
+            </a:r>
+            <a:r>
+              <a:rPr kumimoji="0" lang="en-US" altLang="en-US" sz="1400" b="0" i="0" u="none" strike="noStrike" cap="none" normalizeH="0" baseline="0" dirty="0">
+                <a:ln>
+                  <a:noFill/>
+                </a:ln>
+                <a:solidFill>
+                  <a:srgbClr val="000000"/>
+                </a:solidFill>
+                <a:effectLst/>
+                <a:latin typeface="Courier New" panose="02070309020205020404" pitchFamily="49" charset="0"/>
+                <a:cs typeface="Courier New" panose="02070309020205020404" pitchFamily="49" charset="0"/>
+              </a:rPr>
+              <a:t>&gt;</a:t>
+            </a:r>
+            <a:br>
+              <a:rPr kumimoji="0" lang="en-US" altLang="en-US" sz="1400" b="0" i="0" u="none" strike="noStrike" cap="none" normalizeH="0" baseline="0" dirty="0">
+                <a:ln>
+                  <a:noFill/>
+                </a:ln>
+                <a:solidFill>
+                  <a:srgbClr val="000000"/>
+                </a:solidFill>
+                <a:effectLst/>
+                <a:latin typeface="Courier New" panose="02070309020205020404" pitchFamily="49" charset="0"/>
+                <a:cs typeface="Courier New" panose="02070309020205020404" pitchFamily="49" charset="0"/>
+              </a:rPr>
+            </a:br>
+            <a:r>
+              <a:rPr kumimoji="0" lang="en-US" altLang="en-US" sz="1400" b="0" i="0" u="none" strike="noStrike" cap="none" normalizeH="0" baseline="0" dirty="0">
+                <a:ln>
+                  <a:noFill/>
+                </a:ln>
+                <a:solidFill>
+                  <a:srgbClr val="000000"/>
+                </a:solidFill>
+                <a:effectLst/>
+                <a:latin typeface="Courier New" panose="02070309020205020404" pitchFamily="49" charset="0"/>
+                <a:cs typeface="Courier New" panose="02070309020205020404" pitchFamily="49" charset="0"/>
+              </a:rPr>
+              <a:t>        {% for month in months %}</a:t>
+            </a:r>
+            <a:br>
+              <a:rPr kumimoji="0" lang="en-US" altLang="en-US" sz="1400" b="0" i="0" u="none" strike="noStrike" cap="none" normalizeH="0" baseline="0" dirty="0">
+                <a:ln>
+                  <a:noFill/>
+                </a:ln>
+                <a:solidFill>
+                  <a:srgbClr val="000000"/>
+                </a:solidFill>
+                <a:effectLst/>
+                <a:latin typeface="Courier New" panose="02070309020205020404" pitchFamily="49" charset="0"/>
+                <a:cs typeface="Courier New" panose="02070309020205020404" pitchFamily="49" charset="0"/>
+              </a:rPr>
+            </a:br>
+            <a:r>
+              <a:rPr kumimoji="0" lang="en-US" altLang="en-US" sz="1400" b="0" i="0" u="none" strike="noStrike" cap="none" normalizeH="0" baseline="0" dirty="0">
+                <a:ln>
+                  <a:noFill/>
+                </a:ln>
+                <a:solidFill>
+                  <a:srgbClr val="000000"/>
+                </a:solidFill>
+                <a:effectLst/>
+                <a:latin typeface="Courier New" panose="02070309020205020404" pitchFamily="49" charset="0"/>
+                <a:cs typeface="Courier New" panose="02070309020205020404" pitchFamily="49" charset="0"/>
+              </a:rPr>
+              <a:t>            &lt;</a:t>
+            </a:r>
+            <a:r>
+              <a:rPr kumimoji="0" lang="en-US" altLang="en-US" sz="1400" b="1" i="0" u="none" strike="noStrike" cap="none" normalizeH="0" baseline="0" dirty="0">
+                <a:ln>
+                  <a:noFill/>
+                </a:ln>
+                <a:solidFill>
+                  <a:srgbClr val="000080"/>
+                </a:solidFill>
+                <a:effectLst/>
+                <a:latin typeface="Courier New" panose="02070309020205020404" pitchFamily="49" charset="0"/>
+                <a:cs typeface="Courier New" panose="02070309020205020404" pitchFamily="49" charset="0"/>
+              </a:rPr>
+              <a:t>li</a:t>
+            </a:r>
+            <a:r>
+              <a:rPr kumimoji="0" lang="en-US" altLang="en-US" sz="1400" b="0" i="0" u="none" strike="noStrike" cap="none" normalizeH="0" baseline="0" dirty="0">
+                <a:ln>
+                  <a:noFill/>
+                </a:ln>
+                <a:solidFill>
+                  <a:srgbClr val="000000"/>
+                </a:solidFill>
+                <a:effectLst/>
+                <a:latin typeface="Courier New" panose="02070309020205020404" pitchFamily="49" charset="0"/>
+                <a:cs typeface="Courier New" panose="02070309020205020404" pitchFamily="49" charset="0"/>
+              </a:rPr>
+              <a:t>&gt;&lt;</a:t>
+            </a:r>
+            <a:r>
+              <a:rPr kumimoji="0" lang="en-US" altLang="en-US" sz="1400" b="1" i="0" u="none" strike="noStrike" cap="none" normalizeH="0" baseline="0" dirty="0">
+                <a:ln>
+                  <a:noFill/>
+                </a:ln>
+                <a:solidFill>
+                  <a:srgbClr val="000080"/>
+                </a:solidFill>
+                <a:effectLst/>
+                <a:latin typeface="Courier New" panose="02070309020205020404" pitchFamily="49" charset="0"/>
+                <a:cs typeface="Courier New" panose="02070309020205020404" pitchFamily="49" charset="0"/>
+              </a:rPr>
+              <a:t>a </a:t>
+            </a:r>
+            <a:r>
+              <a:rPr kumimoji="0" lang="en-US" altLang="en-US" sz="1400" b="1" i="0" u="none" strike="noStrike" cap="none" normalizeH="0" baseline="0" dirty="0" err="1">
+                <a:ln>
+                  <a:noFill/>
+                </a:ln>
+                <a:solidFill>
+                  <a:srgbClr val="0000FF"/>
+                </a:solidFill>
+                <a:effectLst/>
+                <a:latin typeface="Courier New" panose="02070309020205020404" pitchFamily="49" charset="0"/>
+                <a:cs typeface="Courier New" panose="02070309020205020404" pitchFamily="49" charset="0"/>
+              </a:rPr>
+              <a:t>href</a:t>
+            </a:r>
+            <a:r>
+              <a:rPr kumimoji="0" lang="en-US" altLang="en-US" sz="1400" b="1" i="0" u="none" strike="noStrike" cap="none" normalizeH="0" baseline="0" dirty="0">
+                <a:ln>
+                  <a:noFill/>
+                </a:ln>
+                <a:solidFill>
+                  <a:srgbClr val="0000FF"/>
+                </a:solidFill>
+                <a:effectLst/>
+                <a:latin typeface="Courier New" panose="02070309020205020404" pitchFamily="49" charset="0"/>
+                <a:cs typeface="Courier New" panose="02070309020205020404" pitchFamily="49" charset="0"/>
+              </a:rPr>
+              <a:t>=</a:t>
+            </a:r>
+            <a:r>
+              <a:rPr kumimoji="0" lang="en-US" altLang="en-US" sz="1400" b="1" i="0" u="none" strike="noStrike" cap="none" normalizeH="0" baseline="0" dirty="0">
+                <a:ln>
+                  <a:noFill/>
+                </a:ln>
+                <a:solidFill>
+                  <a:srgbClr val="008000"/>
+                </a:solidFill>
+                <a:effectLst/>
+                <a:latin typeface="Courier New" panose="02070309020205020404" pitchFamily="49" charset="0"/>
+                <a:cs typeface="Courier New" panose="02070309020205020404" pitchFamily="49" charset="0"/>
+              </a:rPr>
+              <a:t>"{% </a:t>
+            </a:r>
+            <a:r>
+              <a:rPr kumimoji="0" lang="en-US" altLang="en-US" sz="1400" b="1" i="0" u="none" strike="noStrike" cap="none" normalizeH="0" baseline="0" dirty="0" err="1">
+                <a:ln>
+                  <a:noFill/>
+                </a:ln>
+                <a:solidFill>
+                  <a:srgbClr val="008000"/>
+                </a:solidFill>
+                <a:effectLst/>
+                <a:latin typeface="Courier New" panose="02070309020205020404" pitchFamily="49" charset="0"/>
+                <a:cs typeface="Courier New" panose="02070309020205020404" pitchFamily="49" charset="0"/>
+              </a:rPr>
+              <a:t>url</a:t>
+            </a:r>
+            <a:r>
+              <a:rPr kumimoji="0" lang="en-US" altLang="en-US" sz="1400" b="1" i="0" u="none" strike="noStrike" cap="none" normalizeH="0" baseline="0" dirty="0">
+                <a:ln>
+                  <a:noFill/>
+                </a:ln>
+                <a:solidFill>
+                  <a:srgbClr val="008000"/>
+                </a:solidFill>
+                <a:effectLst/>
+                <a:latin typeface="Courier New" panose="02070309020205020404" pitchFamily="49" charset="0"/>
+                <a:cs typeface="Courier New" panose="02070309020205020404" pitchFamily="49" charset="0"/>
+              </a:rPr>
+              <a:t> 'monthly-challenge' month=month %}"</a:t>
+            </a:r>
+            <a:r>
+              <a:rPr kumimoji="0" lang="en-US" altLang="en-US" sz="1400" b="0" i="0" u="none" strike="noStrike" cap="none" normalizeH="0" baseline="0" dirty="0">
+                <a:ln>
+                  <a:noFill/>
+                </a:ln>
+                <a:solidFill>
+                  <a:srgbClr val="000000"/>
+                </a:solidFill>
+                <a:effectLst/>
+                <a:latin typeface="Courier New" panose="02070309020205020404" pitchFamily="49" charset="0"/>
+                <a:cs typeface="Courier New" panose="02070309020205020404" pitchFamily="49" charset="0"/>
+              </a:rPr>
+              <a:t>&gt;{{ </a:t>
+            </a:r>
+            <a:r>
+              <a:rPr kumimoji="0" lang="en-US" altLang="en-US" sz="1400" b="0" i="0" u="none" strike="noStrike" cap="none" normalizeH="0" baseline="0" dirty="0" err="1">
+                <a:ln>
+                  <a:noFill/>
+                </a:ln>
+                <a:solidFill>
+                  <a:srgbClr val="000000"/>
+                </a:solidFill>
+                <a:effectLst/>
+                <a:latin typeface="Courier New" panose="02070309020205020404" pitchFamily="49" charset="0"/>
+                <a:cs typeface="Courier New" panose="02070309020205020404" pitchFamily="49" charset="0"/>
+              </a:rPr>
+              <a:t>month|title</a:t>
+            </a:r>
+            <a:r>
+              <a:rPr kumimoji="0" lang="en-US" altLang="en-US" sz="1400" b="0" i="0" u="none" strike="noStrike" cap="none" normalizeH="0" baseline="0" dirty="0">
+                <a:ln>
+                  <a:noFill/>
+                </a:ln>
+                <a:solidFill>
+                  <a:srgbClr val="000000"/>
+                </a:solidFill>
+                <a:effectLst/>
+                <a:latin typeface="Courier New" panose="02070309020205020404" pitchFamily="49" charset="0"/>
+                <a:cs typeface="Courier New" panose="02070309020205020404" pitchFamily="49" charset="0"/>
+              </a:rPr>
+              <a:t> }}&lt;/</a:t>
+            </a:r>
+            <a:r>
+              <a:rPr kumimoji="0" lang="en-US" altLang="en-US" sz="1400" b="1" i="0" u="none" strike="noStrike" cap="none" normalizeH="0" baseline="0" dirty="0">
+                <a:ln>
+                  <a:noFill/>
+                </a:ln>
+                <a:solidFill>
+                  <a:srgbClr val="000080"/>
+                </a:solidFill>
+                <a:effectLst/>
+                <a:latin typeface="Courier New" panose="02070309020205020404" pitchFamily="49" charset="0"/>
+                <a:cs typeface="Courier New" panose="02070309020205020404" pitchFamily="49" charset="0"/>
+              </a:rPr>
+              <a:t>a</a:t>
+            </a:r>
+            <a:r>
+              <a:rPr kumimoji="0" lang="en-US" altLang="en-US" sz="1400" b="0" i="0" u="none" strike="noStrike" cap="none" normalizeH="0" baseline="0" dirty="0">
+                <a:ln>
+                  <a:noFill/>
+                </a:ln>
+                <a:solidFill>
+                  <a:srgbClr val="000000"/>
+                </a:solidFill>
+                <a:effectLst/>
+                <a:latin typeface="Courier New" panose="02070309020205020404" pitchFamily="49" charset="0"/>
+                <a:cs typeface="Courier New" panose="02070309020205020404" pitchFamily="49" charset="0"/>
+              </a:rPr>
+              <a:t>&gt;&lt;/</a:t>
+            </a:r>
+            <a:r>
+              <a:rPr kumimoji="0" lang="en-US" altLang="en-US" sz="1400" b="1" i="0" u="none" strike="noStrike" cap="none" normalizeH="0" baseline="0" dirty="0">
+                <a:ln>
+                  <a:noFill/>
+                </a:ln>
+                <a:solidFill>
+                  <a:srgbClr val="000080"/>
+                </a:solidFill>
+                <a:effectLst/>
+                <a:latin typeface="Courier New" panose="02070309020205020404" pitchFamily="49" charset="0"/>
+                <a:cs typeface="Courier New" panose="02070309020205020404" pitchFamily="49" charset="0"/>
+              </a:rPr>
+              <a:t>li</a:t>
+            </a:r>
+            <a:r>
+              <a:rPr kumimoji="0" lang="en-US" altLang="en-US" sz="1400" b="0" i="0" u="none" strike="noStrike" cap="none" normalizeH="0" baseline="0" dirty="0">
+                <a:ln>
+                  <a:noFill/>
+                </a:ln>
+                <a:solidFill>
+                  <a:srgbClr val="000000"/>
+                </a:solidFill>
+                <a:effectLst/>
+                <a:latin typeface="Courier New" panose="02070309020205020404" pitchFamily="49" charset="0"/>
+                <a:cs typeface="Courier New" panose="02070309020205020404" pitchFamily="49" charset="0"/>
+              </a:rPr>
+              <a:t>&gt;</a:t>
+            </a:r>
+            <a:br>
+              <a:rPr kumimoji="0" lang="en-US" altLang="en-US" sz="1400" b="0" i="0" u="none" strike="noStrike" cap="none" normalizeH="0" baseline="0" dirty="0">
+                <a:ln>
+                  <a:noFill/>
+                </a:ln>
+                <a:solidFill>
+                  <a:srgbClr val="000000"/>
+                </a:solidFill>
+                <a:effectLst/>
+                <a:latin typeface="Courier New" panose="02070309020205020404" pitchFamily="49" charset="0"/>
+                <a:cs typeface="Courier New" panose="02070309020205020404" pitchFamily="49" charset="0"/>
+              </a:rPr>
+            </a:br>
+            <a:r>
+              <a:rPr kumimoji="0" lang="en-US" altLang="en-US" sz="1400" b="0" i="0" u="none" strike="noStrike" cap="none" normalizeH="0" baseline="0" dirty="0">
+                <a:ln>
+                  <a:noFill/>
+                </a:ln>
+                <a:solidFill>
+                  <a:srgbClr val="000000"/>
+                </a:solidFill>
+                <a:effectLst/>
+                <a:latin typeface="Courier New" panose="02070309020205020404" pitchFamily="49" charset="0"/>
+                <a:cs typeface="Courier New" panose="02070309020205020404" pitchFamily="49" charset="0"/>
+              </a:rPr>
+              <a:t>        {% </a:t>
+            </a:r>
+            <a:r>
+              <a:rPr kumimoji="0" lang="en-US" altLang="en-US" sz="1400" b="0" i="0" u="none" strike="noStrike" cap="none" normalizeH="0" baseline="0" dirty="0" err="1">
+                <a:ln>
+                  <a:noFill/>
+                </a:ln>
+                <a:solidFill>
+                  <a:srgbClr val="000000"/>
+                </a:solidFill>
+                <a:effectLst/>
+                <a:latin typeface="Courier New" panose="02070309020205020404" pitchFamily="49" charset="0"/>
+                <a:cs typeface="Courier New" panose="02070309020205020404" pitchFamily="49" charset="0"/>
+              </a:rPr>
+              <a:t>endfor</a:t>
+            </a:r>
+            <a:r>
+              <a:rPr kumimoji="0" lang="en-US" altLang="en-US" sz="1400" b="0" i="0" u="none" strike="noStrike" cap="none" normalizeH="0" baseline="0" dirty="0">
+                <a:ln>
+                  <a:noFill/>
+                </a:ln>
+                <a:solidFill>
+                  <a:srgbClr val="000000"/>
+                </a:solidFill>
+                <a:effectLst/>
+                <a:latin typeface="Courier New" panose="02070309020205020404" pitchFamily="49" charset="0"/>
+                <a:cs typeface="Courier New" panose="02070309020205020404" pitchFamily="49" charset="0"/>
+              </a:rPr>
+              <a:t> %}</a:t>
+            </a:r>
+            <a:br>
+              <a:rPr kumimoji="0" lang="en-US" altLang="en-US" sz="1400" b="0" i="0" u="none" strike="noStrike" cap="none" normalizeH="0" baseline="0" dirty="0">
+                <a:ln>
+                  <a:noFill/>
+                </a:ln>
+                <a:solidFill>
+                  <a:srgbClr val="000000"/>
+                </a:solidFill>
+                <a:effectLst/>
+                <a:latin typeface="Courier New" panose="02070309020205020404" pitchFamily="49" charset="0"/>
+                <a:cs typeface="Courier New" panose="02070309020205020404" pitchFamily="49" charset="0"/>
+              </a:rPr>
+            </a:br>
+            <a:r>
+              <a:rPr kumimoji="0" lang="en-US" altLang="en-US" sz="1400" b="0" i="0" u="none" strike="noStrike" cap="none" normalizeH="0" baseline="0" dirty="0">
+                <a:ln>
+                  <a:noFill/>
+                </a:ln>
+                <a:solidFill>
+                  <a:srgbClr val="000000"/>
+                </a:solidFill>
+                <a:effectLst/>
+                <a:latin typeface="Courier New" panose="02070309020205020404" pitchFamily="49" charset="0"/>
+                <a:cs typeface="Courier New" panose="02070309020205020404" pitchFamily="49" charset="0"/>
+              </a:rPr>
+              <a:t>    &lt;/</a:t>
+            </a:r>
+            <a:r>
+              <a:rPr kumimoji="0" lang="en-US" altLang="en-US" sz="1400" b="1" i="0" u="none" strike="noStrike" cap="none" normalizeH="0" baseline="0" dirty="0">
+                <a:ln>
+                  <a:noFill/>
+                </a:ln>
+                <a:solidFill>
+                  <a:srgbClr val="000080"/>
+                </a:solidFill>
+                <a:effectLst/>
+                <a:latin typeface="Courier New" panose="02070309020205020404" pitchFamily="49" charset="0"/>
+                <a:cs typeface="Courier New" panose="02070309020205020404" pitchFamily="49" charset="0"/>
+              </a:rPr>
+              <a:t>ul</a:t>
+            </a:r>
+            <a:r>
+              <a:rPr kumimoji="0" lang="en-US" altLang="en-US" sz="1400" b="0" i="0" u="none" strike="noStrike" cap="none" normalizeH="0" baseline="0" dirty="0">
+                <a:ln>
+                  <a:noFill/>
+                </a:ln>
+                <a:solidFill>
+                  <a:srgbClr val="000000"/>
+                </a:solidFill>
+                <a:effectLst/>
+                <a:latin typeface="Courier New" panose="02070309020205020404" pitchFamily="49" charset="0"/>
+                <a:cs typeface="Courier New" panose="02070309020205020404" pitchFamily="49" charset="0"/>
+              </a:rPr>
+              <a:t>&gt;</a:t>
+            </a:r>
+            <a:br>
+              <a:rPr kumimoji="0" lang="en-US" altLang="en-US" sz="1400" b="0" i="0" u="none" strike="noStrike" cap="none" normalizeH="0" baseline="0" dirty="0">
+                <a:ln>
+                  <a:noFill/>
+                </a:ln>
+                <a:solidFill>
+                  <a:srgbClr val="000000"/>
+                </a:solidFill>
+                <a:effectLst/>
+                <a:latin typeface="Courier New" panose="02070309020205020404" pitchFamily="49" charset="0"/>
+                <a:cs typeface="Courier New" panose="02070309020205020404" pitchFamily="49" charset="0"/>
+              </a:rPr>
+            </a:br>
+            <a:r>
+              <a:rPr kumimoji="0" lang="en-US" altLang="en-US" sz="1400" b="0" i="0" u="none" strike="noStrike" cap="none" normalizeH="0" baseline="0" dirty="0">
+                <a:ln>
+                  <a:noFill/>
+                </a:ln>
+                <a:solidFill>
+                  <a:srgbClr val="000000"/>
+                </a:solidFill>
+                <a:effectLst/>
+                <a:latin typeface="Courier New" panose="02070309020205020404" pitchFamily="49" charset="0"/>
+                <a:cs typeface="Courier New" panose="02070309020205020404" pitchFamily="49" charset="0"/>
+              </a:rPr>
+              <a:t>{% </a:t>
+            </a:r>
+            <a:r>
+              <a:rPr kumimoji="0" lang="en-US" altLang="en-US" sz="1400" b="0" i="0" u="none" strike="noStrike" cap="none" normalizeH="0" baseline="0" dirty="0" err="1">
+                <a:ln>
+                  <a:noFill/>
+                </a:ln>
+                <a:solidFill>
+                  <a:srgbClr val="000000"/>
+                </a:solidFill>
+                <a:effectLst/>
+                <a:latin typeface="Courier New" panose="02070309020205020404" pitchFamily="49" charset="0"/>
+                <a:cs typeface="Courier New" panose="02070309020205020404" pitchFamily="49" charset="0"/>
+              </a:rPr>
+              <a:t>endblock</a:t>
+            </a:r>
+            <a:r>
+              <a:rPr kumimoji="0" lang="en-US" altLang="en-US" sz="1400" b="0" i="0" u="none" strike="noStrike" cap="none" normalizeH="0" baseline="0" dirty="0">
+                <a:ln>
+                  <a:noFill/>
+                </a:ln>
+                <a:solidFill>
+                  <a:srgbClr val="000000"/>
+                </a:solidFill>
+                <a:effectLst/>
+                <a:latin typeface="Courier New" panose="02070309020205020404" pitchFamily="49" charset="0"/>
+                <a:cs typeface="Courier New" panose="02070309020205020404" pitchFamily="49" charset="0"/>
+              </a:rPr>
+              <a:t> content %}</a:t>
+            </a:r>
+            <a:endParaRPr kumimoji="0" lang="en-US" altLang="en-US" sz="1400" b="0" i="0" u="none" strike="noStrike" cap="none" normalizeH="0" baseline="0" dirty="0">
+              <a:ln>
+                <a:noFill/>
+              </a:ln>
+              <a:solidFill>
+                <a:schemeClr val="tx1"/>
+              </a:solidFill>
+              <a:effectLst/>
+              <a:latin typeface="Arial" panose="020B0604020202020204" pitchFamily="34" charset="0"/>
+            </a:endParaRPr>
+          </a:p>
+        </p:txBody>
+      </p:sp>
+    </p:spTree>
+    <p:extLst>
+      <p:ext uri="{BB962C8B-B14F-4D97-AF65-F5344CB8AC3E}">
+        <p14:creationId xmlns:p14="http://schemas.microsoft.com/office/powerpoint/2010/main" val="681241040"/>
       </p:ext>
     </p:extLst>
   </p:cSld>

--- a/Django EdYoda.pptx
+++ b/Django EdYoda.pptx
@@ -90,6 +90,16 @@
     <p:sldId id="339" r:id="rId84"/>
     <p:sldId id="340" r:id="rId85"/>
     <p:sldId id="341" r:id="rId86"/>
+    <p:sldId id="347" r:id="rId87"/>
+    <p:sldId id="342" r:id="rId88"/>
+    <p:sldId id="343" r:id="rId89"/>
+    <p:sldId id="344" r:id="rId90"/>
+    <p:sldId id="345" r:id="rId91"/>
+    <p:sldId id="349" r:id="rId92"/>
+    <p:sldId id="350" r:id="rId93"/>
+    <p:sldId id="351" r:id="rId94"/>
+    <p:sldId id="352" r:id="rId95"/>
+    <p:sldId id="353" r:id="rId96"/>
   </p:sldIdLst>
   <p:sldSz cx="12192000" cy="6858000"/>
   <p:notesSz cx="6858000" cy="9144000"/>
@@ -278,6 +288,16 @@
             <p14:sldId id="339"/>
             <p14:sldId id="340"/>
             <p14:sldId id="341"/>
+            <p14:sldId id="347"/>
+            <p14:sldId id="342"/>
+            <p14:sldId id="343"/>
+            <p14:sldId id="344"/>
+            <p14:sldId id="345"/>
+            <p14:sldId id="349"/>
+            <p14:sldId id="350"/>
+            <p14:sldId id="351"/>
+            <p14:sldId id="352"/>
+            <p14:sldId id="353"/>
           </p14:sldIdLst>
         </p14:section>
       </p14:sectionLst>
@@ -1011,7 +1031,7 @@
           <a:p>
             <a:fld id="{4F21ED49-AE0E-4D00-A253-2186B39C6321}" type="datetimeFigureOut">
               <a:rPr lang="en-IN" smtClean="0"/>
-              <a:t>25-06-2021</a:t>
+              <a:t>29-06-2021</a:t>
             </a:fld>
             <a:endParaRPr lang="en-IN"/>
           </a:p>
@@ -1262,7 +1282,7 @@
           <a:p>
             <a:fld id="{4F21ED49-AE0E-4D00-A253-2186B39C6321}" type="datetimeFigureOut">
               <a:rPr lang="en-IN" smtClean="0"/>
-              <a:t>25-06-2021</a:t>
+              <a:t>29-06-2021</a:t>
             </a:fld>
             <a:endParaRPr lang="en-IN"/>
           </a:p>
@@ -1576,7 +1596,7 @@
           <a:p>
             <a:fld id="{4F21ED49-AE0E-4D00-A253-2186B39C6321}" type="datetimeFigureOut">
               <a:rPr lang="en-IN" smtClean="0"/>
-              <a:t>25-06-2021</a:t>
+              <a:t>29-06-2021</a:t>
             </a:fld>
             <a:endParaRPr lang="en-IN"/>
           </a:p>
@@ -1917,7 +1937,7 @@
           <a:p>
             <a:fld id="{4F21ED49-AE0E-4D00-A253-2186B39C6321}" type="datetimeFigureOut">
               <a:rPr lang="en-IN" smtClean="0"/>
-              <a:t>25-06-2021</a:t>
+              <a:t>29-06-2021</a:t>
             </a:fld>
             <a:endParaRPr lang="en-IN"/>
           </a:p>
@@ -2231,7 +2251,7 @@
           <a:p>
             <a:fld id="{4F21ED49-AE0E-4D00-A253-2186B39C6321}" type="datetimeFigureOut">
               <a:rPr lang="en-IN" smtClean="0"/>
-              <a:t>25-06-2021</a:t>
+              <a:t>29-06-2021</a:t>
             </a:fld>
             <a:endParaRPr lang="en-IN"/>
           </a:p>
@@ -2624,7 +2644,7 @@
           <a:p>
             <a:fld id="{4F21ED49-AE0E-4D00-A253-2186B39C6321}" type="datetimeFigureOut">
               <a:rPr lang="en-IN" smtClean="0"/>
-              <a:t>25-06-2021</a:t>
+              <a:t>29-06-2021</a:t>
             </a:fld>
             <a:endParaRPr lang="en-IN"/>
           </a:p>
@@ -2794,7 +2814,7 @@
           <a:p>
             <a:fld id="{4F21ED49-AE0E-4D00-A253-2186B39C6321}" type="datetimeFigureOut">
               <a:rPr lang="en-IN" smtClean="0"/>
-              <a:t>25-06-2021</a:t>
+              <a:t>29-06-2021</a:t>
             </a:fld>
             <a:endParaRPr lang="en-IN"/>
           </a:p>
@@ -2974,7 +2994,7 @@
           <a:p>
             <a:fld id="{4F21ED49-AE0E-4D00-A253-2186B39C6321}" type="datetimeFigureOut">
               <a:rPr lang="en-IN" smtClean="0"/>
-              <a:t>25-06-2021</a:t>
+              <a:t>29-06-2021</a:t>
             </a:fld>
             <a:endParaRPr lang="en-IN"/>
           </a:p>
@@ -3150,7 +3170,7 @@
           <a:p>
             <a:fld id="{4F21ED49-AE0E-4D00-A253-2186B39C6321}" type="datetimeFigureOut">
               <a:rPr lang="en-IN" smtClean="0"/>
-              <a:t>25-06-2021</a:t>
+              <a:t>29-06-2021</a:t>
             </a:fld>
             <a:endParaRPr lang="en-IN"/>
           </a:p>
@@ -3397,7 +3417,7 @@
           <a:p>
             <a:fld id="{4F21ED49-AE0E-4D00-A253-2186B39C6321}" type="datetimeFigureOut">
               <a:rPr lang="en-IN" smtClean="0"/>
-              <a:t>25-06-2021</a:t>
+              <a:t>29-06-2021</a:t>
             </a:fld>
             <a:endParaRPr lang="en-IN"/>
           </a:p>
@@ -3629,7 +3649,7 @@
           <a:p>
             <a:fld id="{4F21ED49-AE0E-4D00-A253-2186B39C6321}" type="datetimeFigureOut">
               <a:rPr lang="en-IN" smtClean="0"/>
-              <a:t>25-06-2021</a:t>
+              <a:t>29-06-2021</a:t>
             </a:fld>
             <a:endParaRPr lang="en-IN"/>
           </a:p>
@@ -4003,7 +4023,7 @@
           <a:p>
             <a:fld id="{4F21ED49-AE0E-4D00-A253-2186B39C6321}" type="datetimeFigureOut">
               <a:rPr lang="en-IN" smtClean="0"/>
-              <a:t>25-06-2021</a:t>
+              <a:t>29-06-2021</a:t>
             </a:fld>
             <a:endParaRPr lang="en-IN"/>
           </a:p>
@@ -4126,7 +4146,7 @@
           <a:p>
             <a:fld id="{4F21ED49-AE0E-4D00-A253-2186B39C6321}" type="datetimeFigureOut">
               <a:rPr lang="en-IN" smtClean="0"/>
-              <a:t>25-06-2021</a:t>
+              <a:t>29-06-2021</a:t>
             </a:fld>
             <a:endParaRPr lang="en-IN"/>
           </a:p>
@@ -4221,7 +4241,7 @@
           <a:p>
             <a:fld id="{4F21ED49-AE0E-4D00-A253-2186B39C6321}" type="datetimeFigureOut">
               <a:rPr lang="en-IN" smtClean="0"/>
-              <a:t>25-06-2021</a:t>
+              <a:t>29-06-2021</a:t>
             </a:fld>
             <a:endParaRPr lang="en-IN"/>
           </a:p>
@@ -4476,7 +4496,7 @@
           <a:p>
             <a:fld id="{4F21ED49-AE0E-4D00-A253-2186B39C6321}" type="datetimeFigureOut">
               <a:rPr lang="en-IN" smtClean="0"/>
-              <a:t>25-06-2021</a:t>
+              <a:t>29-06-2021</a:t>
             </a:fld>
             <a:endParaRPr lang="en-IN"/>
           </a:p>
@@ -4739,7 +4759,7 @@
           <a:p>
             <a:fld id="{4F21ED49-AE0E-4D00-A253-2186B39C6321}" type="datetimeFigureOut">
               <a:rPr lang="en-IN" smtClean="0"/>
-              <a:t>25-06-2021</a:t>
+              <a:t>29-06-2021</a:t>
             </a:fld>
             <a:endParaRPr lang="en-IN"/>
           </a:p>
@@ -5482,7 +5502,7 @@
           <a:p>
             <a:fld id="{4F21ED49-AE0E-4D00-A253-2186B39C6321}" type="datetimeFigureOut">
               <a:rPr lang="en-IN" smtClean="0"/>
-              <a:t>25-06-2021</a:t>
+              <a:t>29-06-2021</a:t>
             </a:fld>
             <a:endParaRPr lang="en-IN"/>
           </a:p>
@@ -19654,21 +19674,13 @@
           </a:bodyPr>
           <a:lstStyle/>
           <a:p>
-            <a:pPr marL="0" marR="0" lvl="0" indent="0" algn="l" defTabSz="914400" rtl="0" eaLnBrk="0" fontAlgn="base" latinLnBrk="0" hangingPunct="0">
-              <a:lnSpc>
-                <a:spcPct val="100000"/>
-              </a:lnSpc>
+            <a:pPr lvl="0" defTabSz="914400" eaLnBrk="0" fontAlgn="base" hangingPunct="0">
               <a:spcBef>
                 <a:spcPct val="0"/>
               </a:spcBef>
               <a:spcAft>
                 <a:spcPct val="0"/>
               </a:spcAft>
-              <a:buClrTx/>
-              <a:buSzTx/>
-              <a:buFontTx/>
-              <a:buNone/>
-              <a:tabLst/>
             </a:pPr>
             <a:r>
               <a:rPr kumimoji="0" lang="en-US" altLang="en-US" sz="1400" b="0" i="0" u="none" strike="noStrike" cap="none" normalizeH="0" baseline="0" dirty="0" err="1">
@@ -19737,7 +19749,7 @@
                 <a:latin typeface="Courier New" panose="02070309020205020404" pitchFamily="49" charset="0"/>
                 <a:cs typeface="Courier New" panose="02070309020205020404" pitchFamily="49" charset="0"/>
               </a:rPr>
-              <a:t>"&lt;month&gt;"</a:t>
+              <a:t>"&lt;&gt;"</a:t>
             </a:r>
             <a:r>
               <a:rPr kumimoji="0" lang="en-US" altLang="en-US" sz="1400" b="0" i="0" u="none" strike="noStrike" cap="none" normalizeH="0" baseline="0" dirty="0">
@@ -19807,6 +19819,16 @@
                 <a:cs typeface="Courier New" panose="02070309020205020404" pitchFamily="49" charset="0"/>
               </a:rPr>
               <a:t>]</a:t>
+            </a:r>
+            <a:r>
+              <a:rPr lang="en-US" altLang="en-US" sz="1400" b="1" dirty="0">
+                <a:solidFill>
+                  <a:srgbClr val="008080"/>
+                </a:solidFill>
+                <a:latin typeface="Courier New" panose="02070309020205020404" pitchFamily="49" charset="0"/>
+                <a:cs typeface="Courier New" panose="02070309020205020404" pitchFamily="49" charset="0"/>
+              </a:rPr>
+              <a:t> month</a:t>
             </a:r>
             <a:endParaRPr kumimoji="0" lang="en-US" altLang="en-US" sz="1400" b="0" i="0" u="none" strike="noStrike" cap="none" normalizeH="0" baseline="0" dirty="0">
               <a:ln>
@@ -24549,7 +24571,7 @@
           <a:p>
             <a:r>
               <a:rPr lang="en-US" dirty="0"/>
-              <a:t>Django Template Language Features</a:t>
+              <a:t>Django Template Language Features (DLT)</a:t>
             </a:r>
           </a:p>
           <a:p>
@@ -25342,8 +25364,8 @@
         </p:nvSpPr>
         <p:spPr bwMode="auto">
           <a:xfrm>
-            <a:off x="1023457" y="3623921"/>
-            <a:ext cx="5318620" cy="954107"/>
+            <a:off x="1023456" y="3623921"/>
+            <a:ext cx="5746459" cy="954107"/>
           </a:xfrm>
           <a:prstGeom prst="rect">
             <a:avLst/>
@@ -27042,7 +27064,7 @@
         </p:nvSpPr>
         <p:spPr bwMode="auto">
           <a:xfrm>
-            <a:off x="1040235" y="3090446"/>
+            <a:off x="1009755" y="3090446"/>
             <a:ext cx="6014906" cy="338554"/>
           </a:xfrm>
           <a:prstGeom prst="rect">
@@ -29372,6 +29394,539 @@
 </p:sld>
 </file>
 
+<file path=ppt/slides/slide86.xml><?xml version="1.0" encoding="utf-8"?>
+<p:sld xmlns:a="http://schemas.openxmlformats.org/drawingml/2006/main" xmlns:r="http://schemas.openxmlformats.org/officeDocument/2006/relationships" xmlns:p="http://schemas.openxmlformats.org/presentationml/2006/main">
+  <p:cSld>
+    <p:spTree>
+      <p:nvGrpSpPr>
+        <p:cNvPr id="1" name=""/>
+        <p:cNvGrpSpPr/>
+        <p:nvPr/>
+      </p:nvGrpSpPr>
+      <p:grpSpPr>
+        <a:xfrm>
+          <a:off x="0" y="0"/>
+          <a:ext cx="0" cy="0"/>
+          <a:chOff x="0" y="0"/>
+          <a:chExt cx="0" cy="0"/>
+        </a:xfrm>
+      </p:grpSpPr>
+      <p:sp>
+        <p:nvSpPr>
+          <p:cNvPr id="2" name="Title 1">
+            <a:extLst>
+              <a:ext uri="{FF2B5EF4-FFF2-40B4-BE49-F238E27FC236}">
+                <a16:creationId xmlns:a16="http://schemas.microsoft.com/office/drawing/2014/main" id="{8B026E11-AEA3-41CF-B8D0-DA476F1B08FA}"/>
+              </a:ext>
+            </a:extLst>
+          </p:cNvPr>
+          <p:cNvSpPr>
+            <a:spLocks noGrp="1"/>
+          </p:cNvSpPr>
+          <p:nvPr>
+            <p:ph type="ctrTitle"/>
+          </p:nvPr>
+        </p:nvSpPr>
+        <p:spPr/>
+        <p:txBody>
+          <a:bodyPr/>
+          <a:lstStyle/>
+          <a:p>
+            <a:r>
+              <a:rPr lang="en-IN" dirty="0"/>
+              <a:t>Partial Templates and Static Files</a:t>
+            </a:r>
+          </a:p>
+        </p:txBody>
+      </p:sp>
+      <p:sp>
+        <p:nvSpPr>
+          <p:cNvPr id="3" name="Subtitle 2">
+            <a:extLst>
+              <a:ext uri="{FF2B5EF4-FFF2-40B4-BE49-F238E27FC236}">
+                <a16:creationId xmlns:a16="http://schemas.microsoft.com/office/drawing/2014/main" id="{395F5A8B-D933-430B-A5CA-E683C47F3E90}"/>
+              </a:ext>
+            </a:extLst>
+          </p:cNvPr>
+          <p:cNvSpPr>
+            <a:spLocks noGrp="1"/>
+          </p:cNvSpPr>
+          <p:nvPr>
+            <p:ph type="subTitle" idx="1"/>
+          </p:nvPr>
+        </p:nvSpPr>
+        <p:spPr>
+          <a:xfrm>
+            <a:off x="1507067" y="4050833"/>
+            <a:ext cx="7766936" cy="1720793"/>
+          </a:xfrm>
+        </p:spPr>
+        <p:txBody>
+          <a:bodyPr>
+            <a:normAutofit fontScale="92500" lnSpcReduction="20000"/>
+          </a:bodyPr>
+          <a:lstStyle/>
+          <a:p>
+            <a:pPr>
+              <a:buFont typeface="Arial" panose="020B0604020202020204" pitchFamily="34" charset="0"/>
+              <a:buChar char="•"/>
+            </a:pPr>
+            <a:r>
+              <a:rPr lang="en-US" b="0" i="0" dirty="0">
+                <a:solidFill>
+                  <a:srgbClr val="000000"/>
+                </a:solidFill>
+                <a:effectLst/>
+                <a:latin typeface="Roboto" panose="02000000000000000000" pitchFamily="2" charset="0"/>
+              </a:rPr>
+              <a:t>Partial Templates</a:t>
+            </a:r>
+          </a:p>
+          <a:p>
+            <a:pPr>
+              <a:buFont typeface="Arial" panose="020B0604020202020204" pitchFamily="34" charset="0"/>
+              <a:buChar char="•"/>
+            </a:pPr>
+            <a:r>
+              <a:rPr lang="en-US" b="0" i="0" dirty="0">
+                <a:solidFill>
+                  <a:srgbClr val="000000"/>
+                </a:solidFill>
+                <a:effectLst/>
+                <a:latin typeface="Roboto" panose="02000000000000000000" pitchFamily="2" charset="0"/>
+              </a:rPr>
+              <a:t>Static Files</a:t>
+            </a:r>
+          </a:p>
+          <a:p>
+            <a:pPr>
+              <a:buFont typeface="Arial" panose="020B0604020202020204" pitchFamily="34" charset="0"/>
+              <a:buChar char="•"/>
+            </a:pPr>
+            <a:r>
+              <a:rPr lang="en-US" b="0" i="0" dirty="0">
+                <a:solidFill>
+                  <a:srgbClr val="000000"/>
+                </a:solidFill>
+                <a:effectLst/>
+                <a:latin typeface="Roboto" panose="02000000000000000000" pitchFamily="2" charset="0"/>
+              </a:rPr>
+              <a:t>Configuring Static Files</a:t>
+            </a:r>
+          </a:p>
+          <a:p>
+            <a:pPr>
+              <a:buFont typeface="Arial" panose="020B0604020202020204" pitchFamily="34" charset="0"/>
+              <a:buChar char="•"/>
+            </a:pPr>
+            <a:r>
+              <a:rPr lang="en-US" b="0" i="0" dirty="0">
+                <a:solidFill>
+                  <a:srgbClr val="000000"/>
+                </a:solidFill>
+                <a:effectLst/>
+                <a:latin typeface="Roboto" panose="02000000000000000000" pitchFamily="2" charset="0"/>
+              </a:rPr>
+              <a:t>Serving Static File in Development</a:t>
+            </a:r>
+          </a:p>
+          <a:p>
+            <a:pPr>
+              <a:buFont typeface="Arial" panose="020B0604020202020204" pitchFamily="34" charset="0"/>
+              <a:buChar char="•"/>
+            </a:pPr>
+            <a:r>
+              <a:rPr lang="en-US" dirty="0">
+                <a:solidFill>
+                  <a:srgbClr val="000000"/>
+                </a:solidFill>
+                <a:latin typeface="Roboto" panose="02000000000000000000" pitchFamily="2" charset="0"/>
+              </a:rPr>
+              <a:t>Handling 404 Responses</a:t>
+            </a:r>
+            <a:endParaRPr lang="en-US" b="0" i="0" dirty="0">
+              <a:solidFill>
+                <a:srgbClr val="000000"/>
+              </a:solidFill>
+              <a:effectLst/>
+              <a:latin typeface="Roboto" panose="02000000000000000000" pitchFamily="2" charset="0"/>
+            </a:endParaRPr>
+          </a:p>
+          <a:p>
+            <a:pPr algn="l"/>
+            <a:endParaRPr lang="en-US" b="0" i="0" dirty="0">
+              <a:solidFill>
+                <a:srgbClr val="000000"/>
+              </a:solidFill>
+              <a:effectLst/>
+              <a:latin typeface="Roboto" panose="02000000000000000000" pitchFamily="2" charset="0"/>
+            </a:endParaRPr>
+          </a:p>
+          <a:p>
+            <a:endParaRPr lang="en-IN" dirty="0"/>
+          </a:p>
+        </p:txBody>
+      </p:sp>
+    </p:spTree>
+    <p:extLst>
+      <p:ext uri="{BB962C8B-B14F-4D97-AF65-F5344CB8AC3E}">
+        <p14:creationId xmlns:p14="http://schemas.microsoft.com/office/powerpoint/2010/main" val="986613971"/>
+      </p:ext>
+    </p:extLst>
+  </p:cSld>
+  <p:clrMapOvr>
+    <a:masterClrMapping/>
+  </p:clrMapOvr>
+</p:sld>
+</file>
+
+<file path=ppt/slides/slide87.xml><?xml version="1.0" encoding="utf-8"?>
+<p:sld xmlns:a="http://schemas.openxmlformats.org/drawingml/2006/main" xmlns:r="http://schemas.openxmlformats.org/officeDocument/2006/relationships" xmlns:p="http://schemas.openxmlformats.org/presentationml/2006/main">
+  <p:cSld>
+    <p:spTree>
+      <p:nvGrpSpPr>
+        <p:cNvPr id="1" name=""/>
+        <p:cNvGrpSpPr/>
+        <p:nvPr/>
+      </p:nvGrpSpPr>
+      <p:grpSpPr>
+        <a:xfrm>
+          <a:off x="0" y="0"/>
+          <a:ext cx="0" cy="0"/>
+          <a:chOff x="0" y="0"/>
+          <a:chExt cx="0" cy="0"/>
+        </a:xfrm>
+      </p:grpSpPr>
+      <p:sp>
+        <p:nvSpPr>
+          <p:cNvPr id="2" name="Title 1">
+            <a:extLst>
+              <a:ext uri="{FF2B5EF4-FFF2-40B4-BE49-F238E27FC236}">
+                <a16:creationId xmlns:a16="http://schemas.microsoft.com/office/drawing/2014/main" id="{750CAEF1-C1E9-42D5-9B2E-690B21CFB521}"/>
+              </a:ext>
+            </a:extLst>
+          </p:cNvPr>
+          <p:cNvSpPr>
+            <a:spLocks noGrp="1"/>
+          </p:cNvSpPr>
+          <p:nvPr>
+            <p:ph type="title"/>
+          </p:nvPr>
+        </p:nvSpPr>
+        <p:spPr/>
+        <p:txBody>
+          <a:bodyPr/>
+          <a:lstStyle/>
+          <a:p>
+            <a:r>
+              <a:rPr lang="en-IN" dirty="0"/>
+              <a:t>Partial Template Snippet and include tag</a:t>
+            </a:r>
+          </a:p>
+        </p:txBody>
+      </p:sp>
+      <p:sp>
+        <p:nvSpPr>
+          <p:cNvPr id="3" name="Content Placeholder 2">
+            <a:extLst>
+              <a:ext uri="{FF2B5EF4-FFF2-40B4-BE49-F238E27FC236}">
+                <a16:creationId xmlns:a16="http://schemas.microsoft.com/office/drawing/2014/main" id="{7D66D214-D46C-46FC-A8C9-A503ACCF775A}"/>
+              </a:ext>
+            </a:extLst>
+          </p:cNvPr>
+          <p:cNvSpPr>
+            <a:spLocks noGrp="1"/>
+          </p:cNvSpPr>
+          <p:nvPr>
+            <p:ph idx="1"/>
+          </p:nvPr>
+        </p:nvSpPr>
+        <p:spPr/>
+        <p:txBody>
+          <a:bodyPr/>
+          <a:lstStyle/>
+          <a:p>
+            <a:r>
+              <a:rPr lang="en-IN" dirty="0"/>
+              <a:t>Generate common HTML snippets that can be used by the templates</a:t>
+            </a:r>
+          </a:p>
+          <a:p>
+            <a:r>
+              <a:rPr lang="en-IN" dirty="0"/>
+              <a:t>{% include ‘</a:t>
+            </a:r>
+            <a:r>
+              <a:rPr lang="en-IN" dirty="0" err="1"/>
+              <a:t>templatename</a:t>
+            </a:r>
+            <a:r>
+              <a:rPr lang="en-IN" dirty="0"/>
+              <a:t>’%}</a:t>
+            </a:r>
+          </a:p>
+          <a:p>
+            <a:r>
+              <a:rPr lang="en-IN" dirty="0"/>
+              <a:t>To send variables across use the following</a:t>
+            </a:r>
+          </a:p>
+          <a:p>
+            <a:r>
+              <a:rPr lang="en-IN" dirty="0"/>
+              <a:t>{% include ‘template name’ with </a:t>
+            </a:r>
+            <a:r>
+              <a:rPr lang="en-IN" dirty="0" err="1"/>
+              <a:t>variable_name</a:t>
+            </a:r>
+            <a:r>
+              <a:rPr lang="en-IN" dirty="0"/>
+              <a:t>=‘Data’ %}</a:t>
+            </a:r>
+          </a:p>
+        </p:txBody>
+      </p:sp>
+    </p:spTree>
+    <p:extLst>
+      <p:ext uri="{BB962C8B-B14F-4D97-AF65-F5344CB8AC3E}">
+        <p14:creationId xmlns:p14="http://schemas.microsoft.com/office/powerpoint/2010/main" val="2282814224"/>
+      </p:ext>
+    </p:extLst>
+  </p:cSld>
+  <p:clrMapOvr>
+    <a:masterClrMapping/>
+  </p:clrMapOvr>
+</p:sld>
+</file>
+
+<file path=ppt/slides/slide88.xml><?xml version="1.0" encoding="utf-8"?>
+<p:sld xmlns:a="http://schemas.openxmlformats.org/drawingml/2006/main" xmlns:r="http://schemas.openxmlformats.org/officeDocument/2006/relationships" xmlns:p="http://schemas.openxmlformats.org/presentationml/2006/main">
+  <p:cSld>
+    <p:spTree>
+      <p:nvGrpSpPr>
+        <p:cNvPr id="1" name=""/>
+        <p:cNvGrpSpPr/>
+        <p:nvPr/>
+      </p:nvGrpSpPr>
+      <p:grpSpPr>
+        <a:xfrm>
+          <a:off x="0" y="0"/>
+          <a:ext cx="0" cy="0"/>
+          <a:chOff x="0" y="0"/>
+          <a:chExt cx="0" cy="0"/>
+        </a:xfrm>
+      </p:grpSpPr>
+      <p:sp>
+        <p:nvSpPr>
+          <p:cNvPr id="2" name="Title 1">
+            <a:extLst>
+              <a:ext uri="{FF2B5EF4-FFF2-40B4-BE49-F238E27FC236}">
+                <a16:creationId xmlns:a16="http://schemas.microsoft.com/office/drawing/2014/main" id="{B95AF5CE-248C-498B-BA97-82492D8BB10F}"/>
+              </a:ext>
+            </a:extLst>
+          </p:cNvPr>
+          <p:cNvSpPr>
+            <a:spLocks noGrp="1"/>
+          </p:cNvSpPr>
+          <p:nvPr>
+            <p:ph type="title"/>
+          </p:nvPr>
+        </p:nvSpPr>
+        <p:spPr/>
+        <p:txBody>
+          <a:bodyPr/>
+          <a:lstStyle/>
+          <a:p>
+            <a:r>
+              <a:rPr lang="en-IN" dirty="0"/>
+              <a:t>404 Templates</a:t>
+            </a:r>
+          </a:p>
+        </p:txBody>
+      </p:sp>
+      <p:sp>
+        <p:nvSpPr>
+          <p:cNvPr id="3" name="Content Placeholder 2">
+            <a:extLst>
+              <a:ext uri="{FF2B5EF4-FFF2-40B4-BE49-F238E27FC236}">
+                <a16:creationId xmlns:a16="http://schemas.microsoft.com/office/drawing/2014/main" id="{120AC4A6-1048-4AC5-ACD7-BB7982267540}"/>
+              </a:ext>
+            </a:extLst>
+          </p:cNvPr>
+          <p:cNvSpPr>
+            <a:spLocks noGrp="1"/>
+          </p:cNvSpPr>
+          <p:nvPr>
+            <p:ph idx="1"/>
+          </p:nvPr>
+        </p:nvSpPr>
+        <p:spPr/>
+        <p:txBody>
+          <a:bodyPr/>
+          <a:lstStyle/>
+          <a:p>
+            <a:r>
+              <a:rPr lang="en-IN" dirty="0"/>
+              <a:t>For this cannot use render shortcut as that always returns the successful messages.</a:t>
+            </a:r>
+          </a:p>
+          <a:p>
+            <a:r>
+              <a:rPr lang="en-IN" dirty="0"/>
+              <a:t>Http404 Class</a:t>
+            </a:r>
+          </a:p>
+          <a:p>
+            <a:r>
+              <a:rPr lang="en-IN" dirty="0"/>
+              <a:t>We need to raise the error Class </a:t>
+            </a:r>
+          </a:p>
+          <a:p>
+            <a:pPr lvl="1"/>
+            <a:r>
+              <a:rPr lang="en-IN" dirty="0"/>
+              <a:t>Raise Http404()</a:t>
+            </a:r>
+          </a:p>
+          <a:p>
+            <a:r>
+              <a:rPr lang="en-IN" dirty="0"/>
+              <a:t>This would look for 404.html page</a:t>
+            </a:r>
+          </a:p>
+        </p:txBody>
+      </p:sp>
+    </p:spTree>
+    <p:extLst>
+      <p:ext uri="{BB962C8B-B14F-4D97-AF65-F5344CB8AC3E}">
+        <p14:creationId xmlns:p14="http://schemas.microsoft.com/office/powerpoint/2010/main" val="2435658049"/>
+      </p:ext>
+    </p:extLst>
+  </p:cSld>
+  <p:clrMapOvr>
+    <a:masterClrMapping/>
+  </p:clrMapOvr>
+</p:sld>
+</file>
+
+<file path=ppt/slides/slide89.xml><?xml version="1.0" encoding="utf-8"?>
+<p:sld xmlns:a="http://schemas.openxmlformats.org/drawingml/2006/main" xmlns:r="http://schemas.openxmlformats.org/officeDocument/2006/relationships" xmlns:p="http://schemas.openxmlformats.org/presentationml/2006/main">
+  <p:cSld>
+    <p:spTree>
+      <p:nvGrpSpPr>
+        <p:cNvPr id="1" name=""/>
+        <p:cNvGrpSpPr/>
+        <p:nvPr/>
+      </p:nvGrpSpPr>
+      <p:grpSpPr>
+        <a:xfrm>
+          <a:off x="0" y="0"/>
+          <a:ext cx="0" cy="0"/>
+          <a:chOff x="0" y="0"/>
+          <a:chExt cx="0" cy="0"/>
+        </a:xfrm>
+      </p:grpSpPr>
+      <p:sp>
+        <p:nvSpPr>
+          <p:cNvPr id="2" name="Title 1">
+            <a:extLst>
+              <a:ext uri="{FF2B5EF4-FFF2-40B4-BE49-F238E27FC236}">
+                <a16:creationId xmlns:a16="http://schemas.microsoft.com/office/drawing/2014/main" id="{FF6C75C4-8283-423A-A219-74450C548E10}"/>
+              </a:ext>
+            </a:extLst>
+          </p:cNvPr>
+          <p:cNvSpPr>
+            <a:spLocks noGrp="1"/>
+          </p:cNvSpPr>
+          <p:nvPr>
+            <p:ph type="title"/>
+          </p:nvPr>
+        </p:nvSpPr>
+        <p:spPr/>
+        <p:txBody>
+          <a:bodyPr/>
+          <a:lstStyle/>
+          <a:p>
+            <a:r>
+              <a:rPr lang="en-IN" dirty="0"/>
+              <a:t>Manage Static Files</a:t>
+            </a:r>
+          </a:p>
+        </p:txBody>
+      </p:sp>
+      <p:sp>
+        <p:nvSpPr>
+          <p:cNvPr id="3" name="Content Placeholder 2">
+            <a:extLst>
+              <a:ext uri="{FF2B5EF4-FFF2-40B4-BE49-F238E27FC236}">
+                <a16:creationId xmlns:a16="http://schemas.microsoft.com/office/drawing/2014/main" id="{687F4BAC-E7DF-45AF-A278-15A622AE2ECD}"/>
+              </a:ext>
+            </a:extLst>
+          </p:cNvPr>
+          <p:cNvSpPr>
+            <a:spLocks noGrp="1"/>
+          </p:cNvSpPr>
+          <p:nvPr>
+            <p:ph idx="1"/>
+          </p:nvPr>
+        </p:nvSpPr>
+        <p:spPr/>
+        <p:txBody>
+          <a:bodyPr/>
+          <a:lstStyle/>
+          <a:p>
+            <a:r>
+              <a:rPr lang="en-IN" dirty="0"/>
+              <a:t>Basically not manipulated by server</a:t>
+            </a:r>
+          </a:p>
+          <a:p>
+            <a:r>
+              <a:rPr lang="en-IN" dirty="0"/>
+              <a:t>The content is not changed by the server</a:t>
+            </a:r>
+          </a:p>
+          <a:p>
+            <a:pPr lvl="1"/>
+            <a:r>
+              <a:rPr lang="en-IN" dirty="0" err="1"/>
+              <a:t>Eg</a:t>
+            </a:r>
+            <a:r>
+              <a:rPr lang="en-IN" dirty="0"/>
+              <a:t>: CSS, JS etc</a:t>
+            </a:r>
+          </a:p>
+          <a:p>
+            <a:r>
+              <a:rPr lang="en-IN" dirty="0"/>
+              <a:t>Create static folder</a:t>
+            </a:r>
+          </a:p>
+          <a:p>
+            <a:pPr lvl="1"/>
+            <a:r>
+              <a:rPr lang="en-IN" dirty="0"/>
+              <a:t>Create folder named app</a:t>
+            </a:r>
+          </a:p>
+        </p:txBody>
+      </p:sp>
+    </p:spTree>
+    <p:extLst>
+      <p:ext uri="{BB962C8B-B14F-4D97-AF65-F5344CB8AC3E}">
+        <p14:creationId xmlns:p14="http://schemas.microsoft.com/office/powerpoint/2010/main" val="2217969830"/>
+      </p:ext>
+    </p:extLst>
+  </p:cSld>
+  <p:clrMapOvr>
+    <a:masterClrMapping/>
+  </p:clrMapOvr>
+</p:sld>
+</file>
+
 <file path=ppt/slides/slide9.xml><?xml version="1.0" encoding="utf-8"?>
 <p:sld xmlns:a="http://schemas.openxmlformats.org/drawingml/2006/main" xmlns:r="http://schemas.openxmlformats.org/officeDocument/2006/relationships" xmlns:p="http://schemas.openxmlformats.org/presentationml/2006/main">
   <p:cSld>
@@ -29581,6 +30136,977 @@
     <p:extLst>
       <p:ext uri="{BB962C8B-B14F-4D97-AF65-F5344CB8AC3E}">
         <p14:creationId xmlns:p14="http://schemas.microsoft.com/office/powerpoint/2010/main" val="3297550754"/>
+      </p:ext>
+    </p:extLst>
+  </p:cSld>
+  <p:clrMapOvr>
+    <a:masterClrMapping/>
+  </p:clrMapOvr>
+</p:sld>
+</file>
+
+<file path=ppt/slides/slide90.xml><?xml version="1.0" encoding="utf-8"?>
+<p:sld xmlns:a="http://schemas.openxmlformats.org/drawingml/2006/main" xmlns:r="http://schemas.openxmlformats.org/officeDocument/2006/relationships" xmlns:p="http://schemas.openxmlformats.org/presentationml/2006/main">
+  <p:cSld>
+    <p:spTree>
+      <p:nvGrpSpPr>
+        <p:cNvPr id="1" name=""/>
+        <p:cNvGrpSpPr/>
+        <p:nvPr/>
+      </p:nvGrpSpPr>
+      <p:grpSpPr>
+        <a:xfrm>
+          <a:off x="0" y="0"/>
+          <a:ext cx="0" cy="0"/>
+          <a:chOff x="0" y="0"/>
+          <a:chExt cx="0" cy="0"/>
+        </a:xfrm>
+      </p:grpSpPr>
+      <p:sp>
+        <p:nvSpPr>
+          <p:cNvPr id="2" name="Title 1">
+            <a:extLst>
+              <a:ext uri="{FF2B5EF4-FFF2-40B4-BE49-F238E27FC236}">
+                <a16:creationId xmlns:a16="http://schemas.microsoft.com/office/drawing/2014/main" id="{75ACFAD1-08F0-43E9-A668-806B2DFC9CF9}"/>
+              </a:ext>
+            </a:extLst>
+          </p:cNvPr>
+          <p:cNvSpPr>
+            <a:spLocks noGrp="1"/>
+          </p:cNvSpPr>
+          <p:nvPr>
+            <p:ph type="title"/>
+          </p:nvPr>
+        </p:nvSpPr>
+        <p:spPr/>
+        <p:txBody>
+          <a:bodyPr/>
+          <a:lstStyle/>
+          <a:p>
+            <a:r>
+              <a:rPr lang="en-IN" dirty="0"/>
+              <a:t>Configure static files</a:t>
+            </a:r>
+          </a:p>
+        </p:txBody>
+      </p:sp>
+      <p:sp>
+        <p:nvSpPr>
+          <p:cNvPr id="3" name="Content Placeholder 2">
+            <a:extLst>
+              <a:ext uri="{FF2B5EF4-FFF2-40B4-BE49-F238E27FC236}">
+                <a16:creationId xmlns:a16="http://schemas.microsoft.com/office/drawing/2014/main" id="{ED49B9B0-A3D2-498D-B8DE-6952356F9723}"/>
+              </a:ext>
+            </a:extLst>
+          </p:cNvPr>
+          <p:cNvSpPr>
+            <a:spLocks noGrp="1"/>
+          </p:cNvSpPr>
+          <p:nvPr>
+            <p:ph idx="1"/>
+          </p:nvPr>
+        </p:nvSpPr>
+        <p:spPr/>
+        <p:txBody>
+          <a:bodyPr/>
+          <a:lstStyle/>
+          <a:p>
+            <a:r>
+              <a:rPr lang="en-IN" dirty="0"/>
+              <a:t>Check for </a:t>
+            </a:r>
+            <a:r>
+              <a:rPr lang="en-IN" dirty="0" err="1"/>
+              <a:t>Django.contrib.staticfiles</a:t>
+            </a:r>
+            <a:r>
+              <a:rPr lang="en-IN" dirty="0"/>
+              <a:t> in INSTALLED_APPS in settings.py, it should be there by default</a:t>
+            </a:r>
+          </a:p>
+          <a:p>
+            <a:r>
+              <a:rPr lang="en-IN" dirty="0"/>
+              <a:t>Load static files</a:t>
+            </a:r>
+          </a:p>
+          <a:p>
+            <a:r>
+              <a:rPr lang="en-IN" dirty="0"/>
+              <a:t>{% load static %}</a:t>
+            </a:r>
+          </a:p>
+          <a:p>
+            <a:r>
+              <a:rPr lang="en-IN" dirty="0"/>
+              <a:t>Load(re-run) the application after adding static files</a:t>
+            </a:r>
+          </a:p>
+          <a:p>
+            <a:r>
+              <a:rPr lang="en-IN" dirty="0"/>
+              <a:t>Static files are generally picked up by Django from app folder</a:t>
+            </a:r>
+          </a:p>
+          <a:p>
+            <a:r>
+              <a:rPr lang="en-IN" dirty="0"/>
+              <a:t>To give a path to a new/common static do the following in settins.py</a:t>
+            </a:r>
+          </a:p>
+        </p:txBody>
+      </p:sp>
+      <p:sp>
+        <p:nvSpPr>
+          <p:cNvPr id="4" name="Rectangle 1">
+            <a:extLst>
+              <a:ext uri="{FF2B5EF4-FFF2-40B4-BE49-F238E27FC236}">
+                <a16:creationId xmlns:a16="http://schemas.microsoft.com/office/drawing/2014/main" id="{77A84E56-EFFC-41E6-8B20-BEEC1B5F4AE3}"/>
+              </a:ext>
+            </a:extLst>
+          </p:cNvPr>
+          <p:cNvSpPr>
+            <a:spLocks noChangeArrowheads="1"/>
+          </p:cNvSpPr>
+          <p:nvPr/>
+        </p:nvSpPr>
+        <p:spPr bwMode="auto">
+          <a:xfrm>
+            <a:off x="1107347" y="4832982"/>
+            <a:ext cx="7357145" cy="830997"/>
+          </a:xfrm>
+          <a:prstGeom prst="rect">
+            <a:avLst/>
+          </a:prstGeom>
+          <a:solidFill>
+            <a:srgbClr val="FFFFFF"/>
+          </a:solidFill>
+          <a:ln>
+            <a:noFill/>
+          </a:ln>
+          <a:effectLst/>
+          <a:extLst>
+            <a:ext uri="{91240B29-F687-4F45-9708-019B960494DF}">
+              <a14:hiddenLine xmlns:a14="http://schemas.microsoft.com/office/drawing/2010/main" w="9525">
+                <a:solidFill>
+                  <a:schemeClr val="tx1"/>
+                </a:solidFill>
+                <a:miter lim="800000"/>
+                <a:headEnd/>
+                <a:tailEnd/>
+              </a14:hiddenLine>
+            </a:ext>
+            <a:ext uri="{AF507438-7753-43E0-B8FC-AC1667EBCBE1}">
+              <a14:hiddenEffects xmlns:a14="http://schemas.microsoft.com/office/drawing/2010/main">
+                <a:effectLst>
+                  <a:outerShdw dist="35921" dir="2700000" algn="ctr" rotWithShape="0">
+                    <a:schemeClr val="bg2"/>
+                  </a:outerShdw>
+                </a:effectLst>
+              </a14:hiddenEffects>
+            </a:ext>
+          </a:extLst>
+        </p:spPr>
+        <p:txBody>
+          <a:bodyPr vert="horz" wrap="square" lIns="91440" tIns="45720" rIns="91440" bIns="45720" numCol="1" anchor="ctr" anchorCtr="0" compatLnSpc="1">
+            <a:prstTxWarp prst="textNoShape">
+              <a:avLst/>
+            </a:prstTxWarp>
+            <a:spAutoFit/>
+          </a:bodyPr>
+          <a:lstStyle/>
+          <a:p>
+            <a:pPr marL="0" marR="0" lvl="0" indent="0" algn="l" defTabSz="914400" rtl="0" eaLnBrk="0" fontAlgn="base" latinLnBrk="0" hangingPunct="0">
+              <a:lnSpc>
+                <a:spcPct val="100000"/>
+              </a:lnSpc>
+              <a:spcBef>
+                <a:spcPct val="0"/>
+              </a:spcBef>
+              <a:spcAft>
+                <a:spcPct val="0"/>
+              </a:spcAft>
+              <a:buClrTx/>
+              <a:buSzTx/>
+              <a:buFontTx/>
+              <a:buNone/>
+              <a:tabLst/>
+            </a:pPr>
+            <a:r>
+              <a:rPr kumimoji="0" lang="en-US" altLang="en-US" sz="1600" b="0" i="0" u="none" strike="noStrike" cap="none" normalizeH="0" baseline="0" dirty="0">
+                <a:ln>
+                  <a:noFill/>
+                </a:ln>
+                <a:solidFill>
+                  <a:srgbClr val="000000"/>
+                </a:solidFill>
+                <a:effectLst/>
+                <a:latin typeface="JetBrains Mono"/>
+              </a:rPr>
+              <a:t>STATICFILES_DIRS = [</a:t>
+            </a:r>
+            <a:br>
+              <a:rPr kumimoji="0" lang="en-US" altLang="en-US" sz="1600" b="0" i="0" u="none" strike="noStrike" cap="none" normalizeH="0" baseline="0" dirty="0">
+                <a:ln>
+                  <a:noFill/>
+                </a:ln>
+                <a:solidFill>
+                  <a:srgbClr val="000000"/>
+                </a:solidFill>
+                <a:effectLst/>
+                <a:latin typeface="JetBrains Mono"/>
+              </a:rPr>
+            </a:br>
+            <a:r>
+              <a:rPr kumimoji="0" lang="en-US" altLang="en-US" sz="1600" b="0" i="0" u="none" strike="noStrike" cap="none" normalizeH="0" baseline="0" dirty="0">
+                <a:ln>
+                  <a:noFill/>
+                </a:ln>
+                <a:solidFill>
+                  <a:srgbClr val="000000"/>
+                </a:solidFill>
+                <a:effectLst/>
+                <a:latin typeface="JetBrains Mono"/>
+              </a:rPr>
+              <a:t>    BASE_DIR / </a:t>
+            </a:r>
+            <a:r>
+              <a:rPr kumimoji="0" lang="en-US" altLang="en-US" sz="1600" b="1" i="0" u="none" strike="noStrike" cap="none" normalizeH="0" baseline="0" dirty="0">
+                <a:ln>
+                  <a:noFill/>
+                </a:ln>
+                <a:solidFill>
+                  <a:srgbClr val="008080"/>
+                </a:solidFill>
+                <a:effectLst/>
+                <a:latin typeface="JetBrains Mono"/>
+              </a:rPr>
+              <a:t>"static"</a:t>
+            </a:r>
+            <a:br>
+              <a:rPr kumimoji="0" lang="en-US" altLang="en-US" sz="1600" b="1" i="0" u="none" strike="noStrike" cap="none" normalizeH="0" baseline="0" dirty="0">
+                <a:ln>
+                  <a:noFill/>
+                </a:ln>
+                <a:solidFill>
+                  <a:srgbClr val="008080"/>
+                </a:solidFill>
+                <a:effectLst/>
+                <a:latin typeface="JetBrains Mono"/>
+              </a:rPr>
+            </a:br>
+            <a:r>
+              <a:rPr kumimoji="0" lang="en-US" altLang="en-US" sz="1600" b="0" i="0" u="none" strike="noStrike" cap="none" normalizeH="0" baseline="0" dirty="0">
+                <a:ln>
+                  <a:noFill/>
+                </a:ln>
+                <a:solidFill>
+                  <a:srgbClr val="000000"/>
+                </a:solidFill>
+                <a:effectLst/>
+                <a:latin typeface="JetBrains Mono"/>
+              </a:rPr>
+              <a:t>]</a:t>
+            </a:r>
+            <a:endParaRPr kumimoji="0" lang="en-US" altLang="en-US" sz="1600" b="0" i="0" u="none" strike="noStrike" cap="none" normalizeH="0" baseline="0" dirty="0">
+              <a:ln>
+                <a:noFill/>
+              </a:ln>
+              <a:solidFill>
+                <a:schemeClr val="tx1"/>
+              </a:solidFill>
+              <a:effectLst/>
+              <a:latin typeface="Arial" panose="020B0604020202020204" pitchFamily="34" charset="0"/>
+            </a:endParaRPr>
+          </a:p>
+        </p:txBody>
+      </p:sp>
+    </p:spTree>
+    <p:extLst>
+      <p:ext uri="{BB962C8B-B14F-4D97-AF65-F5344CB8AC3E}">
+        <p14:creationId xmlns:p14="http://schemas.microsoft.com/office/powerpoint/2010/main" val="3046396566"/>
+      </p:ext>
+    </p:extLst>
+  </p:cSld>
+  <p:clrMapOvr>
+    <a:masterClrMapping/>
+  </p:clrMapOvr>
+</p:sld>
+</file>
+
+<file path=ppt/slides/slide91.xml><?xml version="1.0" encoding="utf-8"?>
+<p:sld xmlns:a="http://schemas.openxmlformats.org/drawingml/2006/main" xmlns:r="http://schemas.openxmlformats.org/officeDocument/2006/relationships" xmlns:p="http://schemas.openxmlformats.org/presentationml/2006/main">
+  <p:cSld>
+    <p:spTree>
+      <p:nvGrpSpPr>
+        <p:cNvPr id="1" name=""/>
+        <p:cNvGrpSpPr/>
+        <p:nvPr/>
+      </p:nvGrpSpPr>
+      <p:grpSpPr>
+        <a:xfrm>
+          <a:off x="0" y="0"/>
+          <a:ext cx="0" cy="0"/>
+          <a:chOff x="0" y="0"/>
+          <a:chExt cx="0" cy="0"/>
+        </a:xfrm>
+      </p:grpSpPr>
+      <p:sp>
+        <p:nvSpPr>
+          <p:cNvPr id="2" name="Title 1">
+            <a:extLst>
+              <a:ext uri="{FF2B5EF4-FFF2-40B4-BE49-F238E27FC236}">
+                <a16:creationId xmlns:a16="http://schemas.microsoft.com/office/drawing/2014/main" id="{7A4809B8-77BB-43C5-B521-B6A4F328DFF7}"/>
+              </a:ext>
+            </a:extLst>
+          </p:cNvPr>
+          <p:cNvSpPr>
+            <a:spLocks noGrp="1"/>
+          </p:cNvSpPr>
+          <p:nvPr>
+            <p:ph type="ctrTitle"/>
+          </p:nvPr>
+        </p:nvSpPr>
+        <p:spPr/>
+        <p:txBody>
+          <a:bodyPr/>
+          <a:lstStyle/>
+          <a:p>
+            <a:r>
+              <a:rPr lang="en-IN" dirty="0"/>
+              <a:t>Blog : Assignment</a:t>
+            </a:r>
+          </a:p>
+        </p:txBody>
+      </p:sp>
+      <p:sp>
+        <p:nvSpPr>
+          <p:cNvPr id="3" name="Subtitle 2">
+            <a:extLst>
+              <a:ext uri="{FF2B5EF4-FFF2-40B4-BE49-F238E27FC236}">
+                <a16:creationId xmlns:a16="http://schemas.microsoft.com/office/drawing/2014/main" id="{6B098F0B-9F00-4961-9FFF-1641A820A0F0}"/>
+              </a:ext>
+            </a:extLst>
+          </p:cNvPr>
+          <p:cNvSpPr>
+            <a:spLocks noGrp="1"/>
+          </p:cNvSpPr>
+          <p:nvPr>
+            <p:ph type="subTitle" idx="1"/>
+          </p:nvPr>
+        </p:nvSpPr>
+        <p:spPr/>
+        <p:txBody>
+          <a:bodyPr/>
+          <a:lstStyle/>
+          <a:p>
+            <a:endParaRPr lang="en-IN"/>
+          </a:p>
+        </p:txBody>
+      </p:sp>
+    </p:spTree>
+    <p:extLst>
+      <p:ext uri="{BB962C8B-B14F-4D97-AF65-F5344CB8AC3E}">
+        <p14:creationId xmlns:p14="http://schemas.microsoft.com/office/powerpoint/2010/main" val="3601038213"/>
+      </p:ext>
+    </p:extLst>
+  </p:cSld>
+  <p:clrMapOvr>
+    <a:masterClrMapping/>
+  </p:clrMapOvr>
+</p:sld>
+</file>
+
+<file path=ppt/slides/slide92.xml><?xml version="1.0" encoding="utf-8"?>
+<p:sld xmlns:a="http://schemas.openxmlformats.org/drawingml/2006/main" xmlns:r="http://schemas.openxmlformats.org/officeDocument/2006/relationships" xmlns:p="http://schemas.openxmlformats.org/presentationml/2006/main">
+  <p:cSld>
+    <p:spTree>
+      <p:nvGrpSpPr>
+        <p:cNvPr id="1" name=""/>
+        <p:cNvGrpSpPr/>
+        <p:nvPr/>
+      </p:nvGrpSpPr>
+      <p:grpSpPr>
+        <a:xfrm>
+          <a:off x="0" y="0"/>
+          <a:ext cx="0" cy="0"/>
+          <a:chOff x="0" y="0"/>
+          <a:chExt cx="0" cy="0"/>
+        </a:xfrm>
+      </p:grpSpPr>
+      <p:sp>
+        <p:nvSpPr>
+          <p:cNvPr id="2" name="Title 1">
+            <a:extLst>
+              <a:ext uri="{FF2B5EF4-FFF2-40B4-BE49-F238E27FC236}">
+                <a16:creationId xmlns:a16="http://schemas.microsoft.com/office/drawing/2014/main" id="{9DAA461F-F837-492D-BC4C-CEF17312814A}"/>
+              </a:ext>
+            </a:extLst>
+          </p:cNvPr>
+          <p:cNvSpPr>
+            <a:spLocks noGrp="1"/>
+          </p:cNvSpPr>
+          <p:nvPr>
+            <p:ph type="title"/>
+          </p:nvPr>
+        </p:nvSpPr>
+        <p:spPr/>
+        <p:txBody>
+          <a:bodyPr/>
+          <a:lstStyle/>
+          <a:p>
+            <a:r>
+              <a:rPr lang="en-IN" dirty="0"/>
+              <a:t>Steps</a:t>
+            </a:r>
+          </a:p>
+        </p:txBody>
+      </p:sp>
+      <p:sp>
+        <p:nvSpPr>
+          <p:cNvPr id="3" name="Content Placeholder 2">
+            <a:extLst>
+              <a:ext uri="{FF2B5EF4-FFF2-40B4-BE49-F238E27FC236}">
+                <a16:creationId xmlns:a16="http://schemas.microsoft.com/office/drawing/2014/main" id="{F21AD78C-67A6-4FF2-8471-14E774617BE7}"/>
+              </a:ext>
+            </a:extLst>
+          </p:cNvPr>
+          <p:cNvSpPr>
+            <a:spLocks noGrp="1"/>
+          </p:cNvSpPr>
+          <p:nvPr>
+            <p:ph idx="1"/>
+          </p:nvPr>
+        </p:nvSpPr>
+        <p:spPr/>
+        <p:txBody>
+          <a:bodyPr/>
+          <a:lstStyle/>
+          <a:p>
+            <a:r>
+              <a:rPr lang="en-US" dirty="0"/>
+              <a:t>Create Blog Website (name the project as per your discretion)</a:t>
+            </a:r>
+          </a:p>
+          <a:p>
+            <a:r>
+              <a:rPr lang="en-US" dirty="0"/>
+              <a:t>Create the below mentioned views</a:t>
+            </a:r>
+          </a:p>
+          <a:p>
+            <a:pPr lvl="1"/>
+            <a:r>
+              <a:rPr lang="en-US" dirty="0" err="1"/>
+              <a:t>starting_page</a:t>
+            </a:r>
+            <a:r>
+              <a:rPr lang="en-US" dirty="0"/>
+              <a:t> : This will be the index page, which shall display the latest post</a:t>
+            </a:r>
+          </a:p>
+          <a:p>
+            <a:pPr lvl="1"/>
+            <a:r>
+              <a:rPr lang="en-US" dirty="0"/>
+              <a:t>posts : Display all the posts, which shall display all the post</a:t>
+            </a:r>
+          </a:p>
+          <a:p>
+            <a:pPr lvl="1"/>
+            <a:r>
+              <a:rPr lang="en-US" dirty="0" err="1"/>
+              <a:t>post_detail</a:t>
+            </a:r>
+            <a:r>
+              <a:rPr lang="en-US" dirty="0"/>
+              <a:t> : Display the content for a given post, which shall display a given post</a:t>
+            </a:r>
+          </a:p>
+          <a:p>
+            <a:r>
+              <a:rPr lang="en-US" dirty="0"/>
+              <a:t>URLs Mapping should be mentioned as below</a:t>
+            </a:r>
+          </a:p>
+          <a:p>
+            <a:pPr lvl="1"/>
+            <a:r>
+              <a:rPr lang="en-US" dirty="0"/>
+              <a:t>127.0.0.1:8000/ -&gt; </a:t>
+            </a:r>
+            <a:r>
+              <a:rPr lang="en-US" dirty="0" err="1"/>
+              <a:t>view.starting_page</a:t>
+            </a:r>
+            <a:endParaRPr lang="en-US" dirty="0"/>
+          </a:p>
+          <a:p>
+            <a:pPr lvl="1"/>
+            <a:r>
+              <a:rPr lang="en-US" dirty="0"/>
+              <a:t>127.0.0.1:8000/posts -&gt; </a:t>
+            </a:r>
+            <a:r>
+              <a:rPr lang="en-US" dirty="0" err="1"/>
+              <a:t>view.posts</a:t>
+            </a:r>
+            <a:endParaRPr lang="en-US" dirty="0"/>
+          </a:p>
+          <a:p>
+            <a:pPr lvl="1"/>
+            <a:r>
+              <a:rPr lang="en-US" dirty="0"/>
+              <a:t>127.0.0.1:8000/posts/&lt;</a:t>
+            </a:r>
+            <a:r>
+              <a:rPr lang="en-US" dirty="0" err="1"/>
+              <a:t>slug:slug</a:t>
+            </a:r>
+            <a:r>
+              <a:rPr lang="en-US" dirty="0"/>
+              <a:t>&gt; -&gt; </a:t>
+            </a:r>
+            <a:r>
+              <a:rPr lang="en-US" dirty="0" err="1"/>
+              <a:t>view.post_detail</a:t>
+            </a:r>
+            <a:endParaRPr lang="en-IN" dirty="0"/>
+          </a:p>
+        </p:txBody>
+      </p:sp>
+    </p:spTree>
+    <p:extLst>
+      <p:ext uri="{BB962C8B-B14F-4D97-AF65-F5344CB8AC3E}">
+        <p14:creationId xmlns:p14="http://schemas.microsoft.com/office/powerpoint/2010/main" val="1875787344"/>
+      </p:ext>
+    </p:extLst>
+  </p:cSld>
+  <p:clrMapOvr>
+    <a:masterClrMapping/>
+  </p:clrMapOvr>
+</p:sld>
+</file>
+
+<file path=ppt/slides/slide93.xml><?xml version="1.0" encoding="utf-8"?>
+<p:sld xmlns:a="http://schemas.openxmlformats.org/drawingml/2006/main" xmlns:r="http://schemas.openxmlformats.org/officeDocument/2006/relationships" xmlns:p="http://schemas.openxmlformats.org/presentationml/2006/main">
+  <p:cSld>
+    <p:spTree>
+      <p:nvGrpSpPr>
+        <p:cNvPr id="1" name=""/>
+        <p:cNvGrpSpPr/>
+        <p:nvPr/>
+      </p:nvGrpSpPr>
+      <p:grpSpPr>
+        <a:xfrm>
+          <a:off x="0" y="0"/>
+          <a:ext cx="0" cy="0"/>
+          <a:chOff x="0" y="0"/>
+          <a:chExt cx="0" cy="0"/>
+        </a:xfrm>
+      </p:grpSpPr>
+      <p:sp>
+        <p:nvSpPr>
+          <p:cNvPr id="2" name="Title 1">
+            <a:extLst>
+              <a:ext uri="{FF2B5EF4-FFF2-40B4-BE49-F238E27FC236}">
+                <a16:creationId xmlns:a16="http://schemas.microsoft.com/office/drawing/2014/main" id="{8A36E5E4-B76C-4552-B764-E39309AEBFDA}"/>
+              </a:ext>
+            </a:extLst>
+          </p:cNvPr>
+          <p:cNvSpPr>
+            <a:spLocks noGrp="1"/>
+          </p:cNvSpPr>
+          <p:nvPr>
+            <p:ph type="title"/>
+          </p:nvPr>
+        </p:nvSpPr>
+        <p:spPr/>
+        <p:txBody>
+          <a:bodyPr/>
+          <a:lstStyle/>
+          <a:p>
+            <a:r>
+              <a:rPr lang="en-IN" dirty="0"/>
+              <a:t>Design</a:t>
+            </a:r>
+          </a:p>
+        </p:txBody>
+      </p:sp>
+      <p:sp>
+        <p:nvSpPr>
+          <p:cNvPr id="3" name="Content Placeholder 2">
+            <a:extLst>
+              <a:ext uri="{FF2B5EF4-FFF2-40B4-BE49-F238E27FC236}">
+                <a16:creationId xmlns:a16="http://schemas.microsoft.com/office/drawing/2014/main" id="{8B5FABAE-8196-492B-914D-1E5B32F1DA91}"/>
+              </a:ext>
+            </a:extLst>
+          </p:cNvPr>
+          <p:cNvSpPr>
+            <a:spLocks noGrp="1"/>
+          </p:cNvSpPr>
+          <p:nvPr>
+            <p:ph idx="1"/>
+          </p:nvPr>
+        </p:nvSpPr>
+        <p:spPr>
+          <a:xfrm>
+            <a:off x="677334" y="1585519"/>
+            <a:ext cx="8596668" cy="4957894"/>
+          </a:xfrm>
+        </p:spPr>
+        <p:txBody>
+          <a:bodyPr>
+            <a:normAutofit fontScale="92500" lnSpcReduction="10000"/>
+          </a:bodyPr>
+          <a:lstStyle/>
+          <a:p>
+            <a:r>
+              <a:rPr lang="en-IN" dirty="0"/>
+              <a:t>Index Page:</a:t>
+            </a:r>
+          </a:p>
+          <a:p>
+            <a:pPr lvl="1"/>
+            <a:r>
+              <a:rPr lang="en-IN" dirty="0"/>
+              <a:t>Should contain a header with links to the index page and all posts</a:t>
+            </a:r>
+          </a:p>
+          <a:p>
+            <a:pPr lvl="1"/>
+            <a:r>
+              <a:rPr lang="en-IN" dirty="0"/>
+              <a:t>Should contain the name, summary, date for latest blog</a:t>
+            </a:r>
+          </a:p>
+          <a:p>
+            <a:r>
+              <a:rPr lang="en-IN" dirty="0"/>
+              <a:t>All Posts Page:</a:t>
+            </a:r>
+          </a:p>
+          <a:p>
+            <a:pPr lvl="1"/>
+            <a:r>
+              <a:rPr lang="en-IN" dirty="0"/>
+              <a:t>Should contain a header with links to the index page and all posts</a:t>
+            </a:r>
+          </a:p>
+          <a:p>
+            <a:pPr lvl="1"/>
+            <a:r>
+              <a:rPr lang="en-IN" dirty="0"/>
+              <a:t>Should contain a list of all the post with the following value</a:t>
+            </a:r>
+          </a:p>
+          <a:p>
+            <a:pPr lvl="2"/>
+            <a:r>
+              <a:rPr lang="en-IN" dirty="0"/>
+              <a:t>Should contain the name, summary, date</a:t>
+            </a:r>
+          </a:p>
+          <a:p>
+            <a:pPr lvl="1"/>
+            <a:r>
+              <a:rPr lang="en-IN" dirty="0"/>
+              <a:t>Each post name should be a link clicking on which you should be redirected to the specific post page</a:t>
+            </a:r>
+          </a:p>
+          <a:p>
+            <a:r>
+              <a:rPr lang="en-IN" dirty="0"/>
+              <a:t>Specific Post Page:</a:t>
+            </a:r>
+          </a:p>
+          <a:p>
+            <a:pPr lvl="1"/>
+            <a:r>
+              <a:rPr lang="en-IN" dirty="0"/>
+              <a:t>Should contain a header with links to the index page and all posts</a:t>
+            </a:r>
+          </a:p>
+          <a:p>
+            <a:pPr lvl="1"/>
+            <a:r>
+              <a:rPr lang="en-IN" dirty="0"/>
+              <a:t>Should display all the details</a:t>
+            </a:r>
+          </a:p>
+          <a:p>
+            <a:pPr lvl="2"/>
+            <a:r>
+              <a:rPr lang="en-IN" dirty="0"/>
+              <a:t>Name</a:t>
+            </a:r>
+          </a:p>
+          <a:p>
+            <a:pPr lvl="2"/>
+            <a:r>
+              <a:rPr lang="en-IN" dirty="0"/>
+              <a:t>Content</a:t>
+            </a:r>
+          </a:p>
+          <a:p>
+            <a:pPr lvl="2"/>
+            <a:r>
+              <a:rPr lang="en-IN" dirty="0"/>
+              <a:t>Date</a:t>
+            </a:r>
+          </a:p>
+        </p:txBody>
+      </p:sp>
+    </p:spTree>
+    <p:extLst>
+      <p:ext uri="{BB962C8B-B14F-4D97-AF65-F5344CB8AC3E}">
+        <p14:creationId xmlns:p14="http://schemas.microsoft.com/office/powerpoint/2010/main" val="1173821749"/>
+      </p:ext>
+    </p:extLst>
+  </p:cSld>
+  <p:clrMapOvr>
+    <a:masterClrMapping/>
+  </p:clrMapOvr>
+</p:sld>
+</file>
+
+<file path=ppt/slides/slide94.xml><?xml version="1.0" encoding="utf-8"?>
+<p:sld xmlns:a="http://schemas.openxmlformats.org/drawingml/2006/main" xmlns:r="http://schemas.openxmlformats.org/officeDocument/2006/relationships" xmlns:p="http://schemas.openxmlformats.org/presentationml/2006/main">
+  <p:cSld>
+    <p:spTree>
+      <p:nvGrpSpPr>
+        <p:cNvPr id="1" name=""/>
+        <p:cNvGrpSpPr/>
+        <p:nvPr/>
+      </p:nvGrpSpPr>
+      <p:grpSpPr>
+        <a:xfrm>
+          <a:off x="0" y="0"/>
+          <a:ext cx="0" cy="0"/>
+          <a:chOff x="0" y="0"/>
+          <a:chExt cx="0" cy="0"/>
+        </a:xfrm>
+      </p:grpSpPr>
+      <p:sp>
+        <p:nvSpPr>
+          <p:cNvPr id="2" name="Title 1">
+            <a:extLst>
+              <a:ext uri="{FF2B5EF4-FFF2-40B4-BE49-F238E27FC236}">
+                <a16:creationId xmlns:a16="http://schemas.microsoft.com/office/drawing/2014/main" id="{0E1AD225-ADA1-4D5E-96BF-6C139E8DA8B5}"/>
+              </a:ext>
+            </a:extLst>
+          </p:cNvPr>
+          <p:cNvSpPr>
+            <a:spLocks noGrp="1"/>
+          </p:cNvSpPr>
+          <p:nvPr>
+            <p:ph type="title"/>
+          </p:nvPr>
+        </p:nvSpPr>
+        <p:spPr>
+          <a:xfrm>
+            <a:off x="677334" y="173373"/>
+            <a:ext cx="8596668" cy="808139"/>
+          </a:xfrm>
+        </p:spPr>
+        <p:txBody>
+          <a:bodyPr/>
+          <a:lstStyle/>
+          <a:p>
+            <a:r>
+              <a:rPr lang="en-IN" dirty="0"/>
+              <a:t>Sample Images</a:t>
+            </a:r>
+          </a:p>
+        </p:txBody>
+      </p:sp>
+      <p:sp>
+        <p:nvSpPr>
+          <p:cNvPr id="3" name="Content Placeholder 2">
+            <a:extLst>
+              <a:ext uri="{FF2B5EF4-FFF2-40B4-BE49-F238E27FC236}">
+                <a16:creationId xmlns:a16="http://schemas.microsoft.com/office/drawing/2014/main" id="{1EEA39C5-484C-49B7-9717-6AF4FB6A5957}"/>
+              </a:ext>
+            </a:extLst>
+          </p:cNvPr>
+          <p:cNvSpPr>
+            <a:spLocks noGrp="1"/>
+          </p:cNvSpPr>
+          <p:nvPr>
+            <p:ph idx="1"/>
+          </p:nvPr>
+        </p:nvSpPr>
+        <p:spPr>
+          <a:xfrm>
+            <a:off x="677334" y="1694577"/>
+            <a:ext cx="8596668" cy="4346786"/>
+          </a:xfrm>
+        </p:spPr>
+        <p:txBody>
+          <a:bodyPr/>
+          <a:lstStyle/>
+          <a:p>
+            <a:endParaRPr lang="en-IN" dirty="0"/>
+          </a:p>
+        </p:txBody>
+      </p:sp>
+      <p:pic>
+        <p:nvPicPr>
+          <p:cNvPr id="5" name="Picture 4">
+            <a:extLst>
+              <a:ext uri="{FF2B5EF4-FFF2-40B4-BE49-F238E27FC236}">
+                <a16:creationId xmlns:a16="http://schemas.microsoft.com/office/drawing/2014/main" id="{8C2FFD6E-9797-45F6-A838-B11D582E56B8}"/>
+              </a:ext>
+            </a:extLst>
+          </p:cNvPr>
+          <p:cNvPicPr>
+            <a:picLocks noChangeAspect="1"/>
+          </p:cNvPicPr>
+          <p:nvPr/>
+        </p:nvPicPr>
+        <p:blipFill>
+          <a:blip r:embed="rId2"/>
+          <a:stretch>
+            <a:fillRect/>
+          </a:stretch>
+        </p:blipFill>
+        <p:spPr>
+          <a:xfrm>
+            <a:off x="677334" y="940150"/>
+            <a:ext cx="7543877" cy="5744477"/>
+          </a:xfrm>
+          <a:prstGeom prst="rect">
+            <a:avLst/>
+          </a:prstGeom>
+        </p:spPr>
+      </p:pic>
+    </p:spTree>
+    <p:extLst>
+      <p:ext uri="{BB962C8B-B14F-4D97-AF65-F5344CB8AC3E}">
+        <p14:creationId xmlns:p14="http://schemas.microsoft.com/office/powerpoint/2010/main" val="2834450930"/>
+      </p:ext>
+    </p:extLst>
+  </p:cSld>
+  <p:clrMapOvr>
+    <a:masterClrMapping/>
+  </p:clrMapOvr>
+</p:sld>
+</file>
+
+<file path=ppt/slides/slide95.xml><?xml version="1.0" encoding="utf-8"?>
+<p:sld xmlns:a="http://schemas.openxmlformats.org/drawingml/2006/main" xmlns:r="http://schemas.openxmlformats.org/officeDocument/2006/relationships" xmlns:p="http://schemas.openxmlformats.org/presentationml/2006/main">
+  <p:cSld>
+    <p:spTree>
+      <p:nvGrpSpPr>
+        <p:cNvPr id="1" name=""/>
+        <p:cNvGrpSpPr/>
+        <p:nvPr/>
+      </p:nvGrpSpPr>
+      <p:grpSpPr>
+        <a:xfrm>
+          <a:off x="0" y="0"/>
+          <a:ext cx="0" cy="0"/>
+          <a:chOff x="0" y="0"/>
+          <a:chExt cx="0" cy="0"/>
+        </a:xfrm>
+      </p:grpSpPr>
+      <p:sp>
+        <p:nvSpPr>
+          <p:cNvPr id="2" name="Title 1">
+            <a:extLst>
+              <a:ext uri="{FF2B5EF4-FFF2-40B4-BE49-F238E27FC236}">
+                <a16:creationId xmlns:a16="http://schemas.microsoft.com/office/drawing/2014/main" id="{F48FD891-7427-4F54-9EF2-9ECB3FD73DA1}"/>
+              </a:ext>
+            </a:extLst>
+          </p:cNvPr>
+          <p:cNvSpPr>
+            <a:spLocks noGrp="1"/>
+          </p:cNvSpPr>
+          <p:nvPr>
+            <p:ph type="title"/>
+          </p:nvPr>
+        </p:nvSpPr>
+        <p:spPr>
+          <a:xfrm>
+            <a:off x="677334" y="348144"/>
+            <a:ext cx="8596668" cy="799750"/>
+          </a:xfrm>
+        </p:spPr>
+        <p:txBody>
+          <a:bodyPr/>
+          <a:lstStyle/>
+          <a:p>
+            <a:r>
+              <a:rPr lang="en-IN" dirty="0"/>
+              <a:t>Sample All Post Page</a:t>
+            </a:r>
+          </a:p>
+        </p:txBody>
+      </p:sp>
+      <p:sp>
+        <p:nvSpPr>
+          <p:cNvPr id="3" name="Content Placeholder 2">
+            <a:extLst>
+              <a:ext uri="{FF2B5EF4-FFF2-40B4-BE49-F238E27FC236}">
+                <a16:creationId xmlns:a16="http://schemas.microsoft.com/office/drawing/2014/main" id="{C972C9C8-4B22-4F68-8B44-FB3CB16D5F0F}"/>
+              </a:ext>
+            </a:extLst>
+          </p:cNvPr>
+          <p:cNvSpPr>
+            <a:spLocks noGrp="1"/>
+          </p:cNvSpPr>
+          <p:nvPr>
+            <p:ph idx="1"/>
+          </p:nvPr>
+        </p:nvSpPr>
+        <p:spPr>
+          <a:xfrm>
+            <a:off x="677334" y="1409351"/>
+            <a:ext cx="8596668" cy="4632012"/>
+          </a:xfrm>
+        </p:spPr>
+        <p:txBody>
+          <a:bodyPr/>
+          <a:lstStyle/>
+          <a:p>
+            <a:endParaRPr lang="en-IN" dirty="0"/>
+          </a:p>
+        </p:txBody>
+      </p:sp>
+      <p:pic>
+        <p:nvPicPr>
+          <p:cNvPr id="5" name="Picture 4">
+            <a:extLst>
+              <a:ext uri="{FF2B5EF4-FFF2-40B4-BE49-F238E27FC236}">
+                <a16:creationId xmlns:a16="http://schemas.microsoft.com/office/drawing/2014/main" id="{47F4A08D-91F8-4853-A4EA-6A5DD8FDB82B}"/>
+              </a:ext>
+            </a:extLst>
+          </p:cNvPr>
+          <p:cNvPicPr>
+            <a:picLocks noChangeAspect="1"/>
+          </p:cNvPicPr>
+          <p:nvPr/>
+        </p:nvPicPr>
+        <p:blipFill>
+          <a:blip r:embed="rId2"/>
+          <a:stretch>
+            <a:fillRect/>
+          </a:stretch>
+        </p:blipFill>
+        <p:spPr>
+          <a:xfrm>
+            <a:off x="677334" y="1300293"/>
+            <a:ext cx="6981947" cy="5209563"/>
+          </a:xfrm>
+          <a:prstGeom prst="rect">
+            <a:avLst/>
+          </a:prstGeom>
+        </p:spPr>
+      </p:pic>
+    </p:spTree>
+    <p:extLst>
+      <p:ext uri="{BB962C8B-B14F-4D97-AF65-F5344CB8AC3E}">
+        <p14:creationId xmlns:p14="http://schemas.microsoft.com/office/powerpoint/2010/main" val="116459118"/>
       </p:ext>
     </p:extLst>
   </p:cSld>
